--- a/Use Case Presentation.pptx
+++ b/Use Case Presentation.pptx
@@ -1,48 +1,48 @@
 
 <file path=ppt/presentation.xml><?xml version="1.0" encoding="utf-8"?>
-<p:presentation xmlns:a="http://schemas.openxmlformats.org/drawingml/2006/main" xmlns:r="http://schemas.openxmlformats.org/officeDocument/2006/relationships" xmlns:mc="http://schemas.openxmlformats.org/markup-compatibility/2006" xmlns:mv="urn:schemas-microsoft-com:mac:vml" xmlns:p="http://schemas.openxmlformats.org/presentationml/2006/main" xmlns:c="http://schemas.openxmlformats.org/drawingml/2006/chart" xmlns:dgm="http://schemas.openxmlformats.org/drawingml/2006/diagram" xmlns:o="urn:schemas-microsoft-com:office:office" xmlns:v="urn:schemas-microsoft-com:vml" xmlns:pvml="urn:schemas-microsoft-com:office:powerpoint" xmlns:com="http://schemas.openxmlformats.org/drawingml/2006/compatibility" xmlns:p14="http://schemas.microsoft.com/office/powerpoint/2010/main" xmlns:p15="http://schemas.microsoft.com/office/powerpoint/2012/main" autoCompressPictures="0" embedTrueTypeFonts="1" strictFirstAndLastChars="0" saveSubsetFonts="1">
+<p:presentation xmlns:a="http://schemas.openxmlformats.org/drawingml/2006/main" xmlns:r="http://schemas.openxmlformats.org/officeDocument/2006/relationships" xmlns:p="http://schemas.openxmlformats.org/presentationml/2006/main" strictFirstAndLastChars="0" embedTrueTypeFonts="1" saveSubsetFonts="1" autoCompressPictures="0">
   <p:sldMasterIdLst>
-    <p:sldMasterId id="2147483659" r:id="rId3"/>
+    <p:sldMasterId id="2147483659" r:id="rId1"/>
   </p:sldMasterIdLst>
   <p:notesMasterIdLst>
-    <p:notesMasterId r:id="rId4"/>
+    <p:notesMasterId r:id="rId23"/>
   </p:notesMasterIdLst>
   <p:sldIdLst>
-    <p:sldId id="256" r:id="rId5"/>
-    <p:sldId id="257" r:id="rId6"/>
-    <p:sldId id="258" r:id="rId7"/>
-    <p:sldId id="259" r:id="rId8"/>
-    <p:sldId id="260" r:id="rId9"/>
-    <p:sldId id="261" r:id="rId10"/>
-    <p:sldId id="262" r:id="rId11"/>
-    <p:sldId id="263" r:id="rId12"/>
-    <p:sldId id="264" r:id="rId13"/>
-    <p:sldId id="265" r:id="rId14"/>
-    <p:sldId id="266" r:id="rId15"/>
-    <p:sldId id="267" r:id="rId16"/>
-    <p:sldId id="268" r:id="rId17"/>
-    <p:sldId id="269" r:id="rId18"/>
-    <p:sldId id="270" r:id="rId19"/>
-    <p:sldId id="271" r:id="rId20"/>
-    <p:sldId id="272" r:id="rId21"/>
-    <p:sldId id="273" r:id="rId22"/>
-    <p:sldId id="274" r:id="rId23"/>
-    <p:sldId id="275" r:id="rId24"/>
-    <p:sldId id="276" r:id="rId25"/>
+    <p:sldId id="256" r:id="rId2"/>
+    <p:sldId id="257" r:id="rId3"/>
+    <p:sldId id="258" r:id="rId4"/>
+    <p:sldId id="259" r:id="rId5"/>
+    <p:sldId id="260" r:id="rId6"/>
+    <p:sldId id="261" r:id="rId7"/>
+    <p:sldId id="262" r:id="rId8"/>
+    <p:sldId id="263" r:id="rId9"/>
+    <p:sldId id="264" r:id="rId10"/>
+    <p:sldId id="265" r:id="rId11"/>
+    <p:sldId id="266" r:id="rId12"/>
+    <p:sldId id="267" r:id="rId13"/>
+    <p:sldId id="268" r:id="rId14"/>
+    <p:sldId id="269" r:id="rId15"/>
+    <p:sldId id="270" r:id="rId16"/>
+    <p:sldId id="271" r:id="rId17"/>
+    <p:sldId id="272" r:id="rId18"/>
+    <p:sldId id="273" r:id="rId19"/>
+    <p:sldId id="274" r:id="rId20"/>
+    <p:sldId id="275" r:id="rId21"/>
+    <p:sldId id="276" r:id="rId22"/>
   </p:sldIdLst>
-  <p:sldSz cy="5143500" cx="9144000"/>
+  <p:sldSz cx="9144000" cy="5143500" type="screen16x9"/>
   <p:notesSz cx="6858000" cy="9144000"/>
   <p:embeddedFontLst>
     <p:embeddedFont>
-      <p:font typeface="Roboto"/>
-      <p:regular r:id="rId26"/>
-      <p:bold r:id="rId27"/>
-      <p:italic r:id="rId28"/>
-      <p:boldItalic r:id="rId29"/>
+      <p:font typeface="Roboto" panose="020B0604020202020204" charset="0"/>
+      <p:regular r:id="rId24"/>
+      <p:bold r:id="rId25"/>
+      <p:italic r:id="rId26"/>
+      <p:boldItalic r:id="rId27"/>
     </p:embeddedFont>
   </p:embeddedFontLst>
   <p:defaultTextStyle>
-    <a:defPPr lvl="0" marR="0" rtl="0" algn="l">
+    <a:defPPr marR="0" lvl="0" algn="l" rtl="0">
       <a:lnSpc>
         <a:spcPct val="100000"/>
       </a:lnSpc>
@@ -53,7 +53,7 @@
         <a:spcPts val="0"/>
       </a:spcAft>
     </a:defPPr>
-    <a:lvl1pPr lvl="0" marR="0" rtl="0" algn="l">
+    <a:lvl1pPr marR="0" lvl="0" algn="l" rtl="0">
       <a:lnSpc>
         <a:spcPct val="100000"/>
       </a:lnSpc>
@@ -64,7 +64,7 @@
         <a:spcPts val="0"/>
       </a:spcAft>
       <a:buNone/>
-      <a:defRPr b="0" i="0" sz="1400" u="none" cap="none" strike="noStrike">
+      <a:defRPr sz="1400" b="0" i="0" u="none" strike="noStrike" cap="none">
         <a:solidFill>
           <a:srgbClr val="000000"/>
         </a:solidFill>
@@ -74,7 +74,7 @@
         <a:sym typeface="Arial"/>
       </a:defRPr>
     </a:lvl1pPr>
-    <a:lvl2pPr lvl="1" marR="0" rtl="0" algn="l">
+    <a:lvl2pPr marR="0" lvl="1" algn="l" rtl="0">
       <a:lnSpc>
         <a:spcPct val="100000"/>
       </a:lnSpc>
@@ -85,7 +85,7 @@
         <a:spcPts val="0"/>
       </a:spcAft>
       <a:buNone/>
-      <a:defRPr b="0" i="0" sz="1400" u="none" cap="none" strike="noStrike">
+      <a:defRPr sz="1400" b="0" i="0" u="none" strike="noStrike" cap="none">
         <a:solidFill>
           <a:srgbClr val="000000"/>
         </a:solidFill>
@@ -95,7 +95,7 @@
         <a:sym typeface="Arial"/>
       </a:defRPr>
     </a:lvl2pPr>
-    <a:lvl3pPr lvl="2" marR="0" rtl="0" algn="l">
+    <a:lvl3pPr marR="0" lvl="2" algn="l" rtl="0">
       <a:lnSpc>
         <a:spcPct val="100000"/>
       </a:lnSpc>
@@ -106,7 +106,7 @@
         <a:spcPts val="0"/>
       </a:spcAft>
       <a:buNone/>
-      <a:defRPr b="0" i="0" sz="1400" u="none" cap="none" strike="noStrike">
+      <a:defRPr sz="1400" b="0" i="0" u="none" strike="noStrike" cap="none">
         <a:solidFill>
           <a:srgbClr val="000000"/>
         </a:solidFill>
@@ -116,7 +116,7 @@
         <a:sym typeface="Arial"/>
       </a:defRPr>
     </a:lvl3pPr>
-    <a:lvl4pPr lvl="3" marR="0" rtl="0" algn="l">
+    <a:lvl4pPr marR="0" lvl="3" algn="l" rtl="0">
       <a:lnSpc>
         <a:spcPct val="100000"/>
       </a:lnSpc>
@@ -127,7 +127,7 @@
         <a:spcPts val="0"/>
       </a:spcAft>
       <a:buNone/>
-      <a:defRPr b="0" i="0" sz="1400" u="none" cap="none" strike="noStrike">
+      <a:defRPr sz="1400" b="0" i="0" u="none" strike="noStrike" cap="none">
         <a:solidFill>
           <a:srgbClr val="000000"/>
         </a:solidFill>
@@ -137,7 +137,7 @@
         <a:sym typeface="Arial"/>
       </a:defRPr>
     </a:lvl4pPr>
-    <a:lvl5pPr lvl="4" marR="0" rtl="0" algn="l">
+    <a:lvl5pPr marR="0" lvl="4" algn="l" rtl="0">
       <a:lnSpc>
         <a:spcPct val="100000"/>
       </a:lnSpc>
@@ -148,7 +148,7 @@
         <a:spcPts val="0"/>
       </a:spcAft>
       <a:buNone/>
-      <a:defRPr b="0" i="0" sz="1400" u="none" cap="none" strike="noStrike">
+      <a:defRPr sz="1400" b="0" i="0" u="none" strike="noStrike" cap="none">
         <a:solidFill>
           <a:srgbClr val="000000"/>
         </a:solidFill>
@@ -158,7 +158,7 @@
         <a:sym typeface="Arial"/>
       </a:defRPr>
     </a:lvl5pPr>
-    <a:lvl6pPr lvl="5" marR="0" rtl="0" algn="l">
+    <a:lvl6pPr marR="0" lvl="5" algn="l" rtl="0">
       <a:lnSpc>
         <a:spcPct val="100000"/>
       </a:lnSpc>
@@ -169,7 +169,7 @@
         <a:spcPts val="0"/>
       </a:spcAft>
       <a:buNone/>
-      <a:defRPr b="0" i="0" sz="1400" u="none" cap="none" strike="noStrike">
+      <a:defRPr sz="1400" b="0" i="0" u="none" strike="noStrike" cap="none">
         <a:solidFill>
           <a:srgbClr val="000000"/>
         </a:solidFill>
@@ -179,7 +179,7 @@
         <a:sym typeface="Arial"/>
       </a:defRPr>
     </a:lvl6pPr>
-    <a:lvl7pPr lvl="6" marR="0" rtl="0" algn="l">
+    <a:lvl7pPr marR="0" lvl="6" algn="l" rtl="0">
       <a:lnSpc>
         <a:spcPct val="100000"/>
       </a:lnSpc>
@@ -190,7 +190,7 @@
         <a:spcPts val="0"/>
       </a:spcAft>
       <a:buNone/>
-      <a:defRPr b="0" i="0" sz="1400" u="none" cap="none" strike="noStrike">
+      <a:defRPr sz="1400" b="0" i="0" u="none" strike="noStrike" cap="none">
         <a:solidFill>
           <a:srgbClr val="000000"/>
         </a:solidFill>
@@ -200,7 +200,7 @@
         <a:sym typeface="Arial"/>
       </a:defRPr>
     </a:lvl7pPr>
-    <a:lvl8pPr lvl="7" marR="0" rtl="0" algn="l">
+    <a:lvl8pPr marR="0" lvl="7" algn="l" rtl="0">
       <a:lnSpc>
         <a:spcPct val="100000"/>
       </a:lnSpc>
@@ -211,7 +211,7 @@
         <a:spcPts val="0"/>
       </a:spcAft>
       <a:buNone/>
-      <a:defRPr b="0" i="0" sz="1400" u="none" cap="none" strike="noStrike">
+      <a:defRPr sz="1400" b="0" i="0" u="none" strike="noStrike" cap="none">
         <a:solidFill>
           <a:srgbClr val="000000"/>
         </a:solidFill>
@@ -221,7 +221,7 @@
         <a:sym typeface="Arial"/>
       </a:defRPr>
     </a:lvl8pPr>
-    <a:lvl9pPr lvl="8" marR="0" rtl="0" algn="l">
+    <a:lvl9pPr marR="0" lvl="8" algn="l" rtl="0">
       <a:lnSpc>
         <a:spcPct val="100000"/>
       </a:lnSpc>
@@ -232,7 +232,7 @@
         <a:spcPts val="0"/>
       </a:spcAft>
       <a:buNone/>
-      <a:defRPr b="0" i="0" sz="1400" u="none" cap="none" strike="noStrike">
+      <a:defRPr sz="1400" b="0" i="0" u="none" strike="noStrike" cap="none">
         <a:solidFill>
           <a:srgbClr val="000000"/>
         </a:solidFill>
@@ -246,12 +246,21 @@
 </p:presentation>
 </file>
 
+<file path=ppt/revisionInfo.xml><?xml version="1.0" encoding="utf-8"?>
+<p1510:revInfo xmlns:a="http://schemas.openxmlformats.org/drawingml/2006/main" xmlns:r="http://schemas.openxmlformats.org/officeDocument/2006/relationships" xmlns:p1510="http://schemas.microsoft.com/office/powerpoint/2015/10/main"/>
+</file>
+
 <file path=ppt/notesMasters/notesMaster1.xml><?xml version="1.0" encoding="utf-8"?>
-<p:notesMaster xmlns:a="http://schemas.openxmlformats.org/drawingml/2006/main" xmlns:r="http://schemas.openxmlformats.org/officeDocument/2006/relationships" xmlns:mc="http://schemas.openxmlformats.org/markup-compatibility/2006" xmlns:mv="urn:schemas-microsoft-com:mac:vml" xmlns:p="http://schemas.openxmlformats.org/presentationml/2006/main" xmlns:c="http://schemas.openxmlformats.org/drawingml/2006/chart" xmlns:dgm="http://schemas.openxmlformats.org/drawingml/2006/diagram" xmlns:o="urn:schemas-microsoft-com:office:office" xmlns:v="urn:schemas-microsoft-com:vml" xmlns:pvml="urn:schemas-microsoft-com:office:powerpoint" xmlns:com="http://schemas.openxmlformats.org/drawingml/2006/compatibility" xmlns:p14="http://schemas.microsoft.com/office/powerpoint/2010/main" xmlns:p15="http://schemas.microsoft.com/office/powerpoint/2012/main">
+<p:notesMaster xmlns:a="http://schemas.openxmlformats.org/drawingml/2006/main" xmlns:r="http://schemas.openxmlformats.org/officeDocument/2006/relationships" xmlns:p="http://schemas.openxmlformats.org/presentationml/2006/main">
   <p:cSld>
+    <p:bg>
+      <p:bgRef idx="1001">
+        <a:schemeClr val="bg1"/>
+      </p:bgRef>
+    </p:bg>
     <p:spTree>
       <p:nvGrpSpPr>
-        <p:cNvPr id="2" name="Shape 2"/>
+        <p:cNvPr id="1" name="Shape 2"/>
         <p:cNvGrpSpPr/>
         <p:nvPr/>
       </p:nvGrpSpPr>
@@ -266,9 +275,11 @@
       <p:sp>
         <p:nvSpPr>
           <p:cNvPr id="3" name="Shape 3"/>
-          <p:cNvSpPr/>
+          <p:cNvSpPr>
+            <a:spLocks noGrp="1" noRot="1" noChangeAspect="1"/>
+          </p:cNvSpPr>
           <p:nvPr>
-            <p:ph idx="2" type="sldImg"/>
+            <p:ph type="sldImg" idx="2"/>
           </p:nvPr>
         </p:nvSpPr>
         <p:spPr>
@@ -277,8 +288,13 @@
             <a:ext cx="6096075" cy="3429000"/>
           </a:xfrm>
           <a:custGeom>
+            <a:avLst/>
+            <a:gdLst/>
+            <a:ahLst/>
+            <a:cxnLst/>
+            <a:rect l="0" t="0" r="0" b="0"/>
             <a:pathLst>
-              <a:path extrusionOk="0" h="120000" w="120000">
+              <a:path w="120000" h="120000" extrusionOk="0">
                 <a:moveTo>
                   <a:pt x="0" y="0"/>
                 </a:moveTo>
@@ -296,23 +312,25 @@
             </a:pathLst>
           </a:custGeom>
           <a:noFill/>
-          <a:ln cap="flat" cmpd="sng" w="9525">
+          <a:ln w="9525" cap="flat" cmpd="sng">
             <a:solidFill>
               <a:srgbClr val="000000"/>
             </a:solidFill>
             <a:prstDash val="solid"/>
             <a:round/>
-            <a:headEnd len="med" w="med" type="none"/>
-            <a:tailEnd len="med" w="med" type="none"/>
+            <a:headEnd type="none" w="med" len="med"/>
+            <a:tailEnd type="none" w="med" len="med"/>
           </a:ln>
         </p:spPr>
       </p:sp>
       <p:sp>
         <p:nvSpPr>
           <p:cNvPr id="4" name="Shape 4"/>
-          <p:cNvSpPr txBox="1"/>
+          <p:cNvSpPr txBox="1">
+            <a:spLocks noGrp="1"/>
+          </p:cNvSpPr>
           <p:nvPr>
-            <p:ph idx="1" type="body"/>
+            <p:ph type="body" idx="1"/>
           </p:nvPr>
         </p:nvSpPr>
         <p:spPr>
@@ -329,7 +347,7 @@
           </a:ln>
         </p:spPr>
         <p:txBody>
-          <a:bodyPr anchorCtr="0" anchor="t" bIns="91425" lIns="91425" rIns="91425" wrap="square" tIns="91425"/>
+          <a:bodyPr wrap="square" lIns="91425" tIns="91425" rIns="91425" bIns="91425" anchor="t" anchorCtr="0"/>
           <a:lstStyle>
             <a:lvl1pPr lvl="0">
               <a:spcBef>
@@ -395,21 +413,115 @@
               <a:defRPr sz="1100"/>
             </a:lvl9pPr>
           </a:lstStyle>
-          <a:p/>
+          <a:p>
+            <a:endParaRPr/>
+          </a:p>
         </p:txBody>
       </p:sp>
     </p:spTree>
   </p:cSld>
-  <p:clrMap accent1="accent1" accent2="accent2" accent3="accent3" accent4="accent4" accent5="accent5" accent6="accent6" bg1="lt1" bg2="dk2" tx1="dk1" tx2="lt2" folHlink="folHlink" hlink="hlink"/>
+  <p:clrMap bg1="lt1" tx1="dk1" bg2="dk2" tx2="lt2" accent1="accent1" accent2="accent2" accent3="accent3" accent4="accent4" accent5="accent5" accent6="accent6" hlink="hlink" folHlink="folHlink"/>
+  <p:notesStyle>
+    <a:lvl1pPr marL="0" algn="l" defTabSz="914400" rtl="0" eaLnBrk="1" latinLnBrk="0" hangingPunct="1">
+      <a:defRPr sz="1200" kern="1200">
+        <a:solidFill>
+          <a:schemeClr val="tx1"/>
+        </a:solidFill>
+        <a:latin typeface="+mn-lt"/>
+        <a:ea typeface="+mn-ea"/>
+        <a:cs typeface="+mn-cs"/>
+      </a:defRPr>
+    </a:lvl1pPr>
+    <a:lvl2pPr marL="457200" algn="l" defTabSz="914400" rtl="0" eaLnBrk="1" latinLnBrk="0" hangingPunct="1">
+      <a:defRPr sz="1200" kern="1200">
+        <a:solidFill>
+          <a:schemeClr val="tx1"/>
+        </a:solidFill>
+        <a:latin typeface="+mn-lt"/>
+        <a:ea typeface="+mn-ea"/>
+        <a:cs typeface="+mn-cs"/>
+      </a:defRPr>
+    </a:lvl2pPr>
+    <a:lvl3pPr marL="914400" algn="l" defTabSz="914400" rtl="0" eaLnBrk="1" latinLnBrk="0" hangingPunct="1">
+      <a:defRPr sz="1200" kern="1200">
+        <a:solidFill>
+          <a:schemeClr val="tx1"/>
+        </a:solidFill>
+        <a:latin typeface="+mn-lt"/>
+        <a:ea typeface="+mn-ea"/>
+        <a:cs typeface="+mn-cs"/>
+      </a:defRPr>
+    </a:lvl3pPr>
+    <a:lvl4pPr marL="1371600" algn="l" defTabSz="914400" rtl="0" eaLnBrk="1" latinLnBrk="0" hangingPunct="1">
+      <a:defRPr sz="1200" kern="1200">
+        <a:solidFill>
+          <a:schemeClr val="tx1"/>
+        </a:solidFill>
+        <a:latin typeface="+mn-lt"/>
+        <a:ea typeface="+mn-ea"/>
+        <a:cs typeface="+mn-cs"/>
+      </a:defRPr>
+    </a:lvl4pPr>
+    <a:lvl5pPr marL="1828800" algn="l" defTabSz="914400" rtl="0" eaLnBrk="1" latinLnBrk="0" hangingPunct="1">
+      <a:defRPr sz="1200" kern="1200">
+        <a:solidFill>
+          <a:schemeClr val="tx1"/>
+        </a:solidFill>
+        <a:latin typeface="+mn-lt"/>
+        <a:ea typeface="+mn-ea"/>
+        <a:cs typeface="+mn-cs"/>
+      </a:defRPr>
+    </a:lvl5pPr>
+    <a:lvl6pPr marL="2286000" algn="l" defTabSz="914400" rtl="0" eaLnBrk="1" latinLnBrk="0" hangingPunct="1">
+      <a:defRPr sz="1200" kern="1200">
+        <a:solidFill>
+          <a:schemeClr val="tx1"/>
+        </a:solidFill>
+        <a:latin typeface="+mn-lt"/>
+        <a:ea typeface="+mn-ea"/>
+        <a:cs typeface="+mn-cs"/>
+      </a:defRPr>
+    </a:lvl6pPr>
+    <a:lvl7pPr marL="2743200" algn="l" defTabSz="914400" rtl="0" eaLnBrk="1" latinLnBrk="0" hangingPunct="1">
+      <a:defRPr sz="1200" kern="1200">
+        <a:solidFill>
+          <a:schemeClr val="tx1"/>
+        </a:solidFill>
+        <a:latin typeface="+mn-lt"/>
+        <a:ea typeface="+mn-ea"/>
+        <a:cs typeface="+mn-cs"/>
+      </a:defRPr>
+    </a:lvl7pPr>
+    <a:lvl8pPr marL="3200400" algn="l" defTabSz="914400" rtl="0" eaLnBrk="1" latinLnBrk="0" hangingPunct="1">
+      <a:defRPr sz="1200" kern="1200">
+        <a:solidFill>
+          <a:schemeClr val="tx1"/>
+        </a:solidFill>
+        <a:latin typeface="+mn-lt"/>
+        <a:ea typeface="+mn-ea"/>
+        <a:cs typeface="+mn-cs"/>
+      </a:defRPr>
+    </a:lvl8pPr>
+    <a:lvl9pPr marL="3657600" algn="l" defTabSz="914400" rtl="0" eaLnBrk="1" latinLnBrk="0" hangingPunct="1">
+      <a:defRPr sz="1200" kern="1200">
+        <a:solidFill>
+          <a:schemeClr val="tx1"/>
+        </a:solidFill>
+        <a:latin typeface="+mn-lt"/>
+        <a:ea typeface="+mn-ea"/>
+        <a:cs typeface="+mn-cs"/>
+      </a:defRPr>
+    </a:lvl9pPr>
+  </p:notesStyle>
 </p:notesMaster>
 </file>
 
 <file path=ppt/notesSlides/notesSlide1.xml><?xml version="1.0" encoding="utf-8"?>
-<p:notes xmlns:a="http://schemas.openxmlformats.org/drawingml/2006/main" xmlns:r="http://schemas.openxmlformats.org/officeDocument/2006/relationships" xmlns:mc="http://schemas.openxmlformats.org/markup-compatibility/2006" xmlns:mv="urn:schemas-microsoft-com:mac:vml" xmlns:p="http://schemas.openxmlformats.org/presentationml/2006/main" xmlns:c="http://schemas.openxmlformats.org/drawingml/2006/chart" xmlns:dgm="http://schemas.openxmlformats.org/drawingml/2006/diagram" xmlns:o="urn:schemas-microsoft-com:office:office" xmlns:v="urn:schemas-microsoft-com:vml" xmlns:pvml="urn:schemas-microsoft-com:office:powerpoint" xmlns:com="http://schemas.openxmlformats.org/drawingml/2006/compatibility" xmlns:p14="http://schemas.microsoft.com/office/powerpoint/2010/main" xmlns:p15="http://schemas.microsoft.com/office/powerpoint/2012/main" showMasterPhAnim="0" showMasterSp="0">
+<p:notes xmlns:a="http://schemas.openxmlformats.org/drawingml/2006/main" xmlns:r="http://schemas.openxmlformats.org/officeDocument/2006/relationships" xmlns:p="http://schemas.openxmlformats.org/presentationml/2006/main" showMasterSp="0" showMasterPhAnim="0">
   <p:cSld>
     <p:spTree>
       <p:nvGrpSpPr>
-        <p:cNvPr id="63" name="Shape 63"/>
+        <p:cNvPr id="1" name="Shape 63"/>
         <p:cNvGrpSpPr/>
         <p:nvPr/>
       </p:nvGrpSpPr>
@@ -424,19 +536,26 @@
       <p:sp>
         <p:nvSpPr>
           <p:cNvPr id="64" name="Shape 64"/>
-          <p:cNvSpPr/>
+          <p:cNvSpPr>
+            <a:spLocks noGrp="1" noRot="1" noChangeAspect="1"/>
+          </p:cNvSpPr>
           <p:nvPr>
-            <p:ph idx="2" type="sldImg"/>
+            <p:ph type="sldImg" idx="2"/>
           </p:nvPr>
         </p:nvSpPr>
         <p:spPr>
           <a:xfrm>
-            <a:off x="381187" y="685800"/>
-            <a:ext cx="6096299" cy="3429000"/>
+            <a:off x="381000" y="685800"/>
+            <a:ext cx="6096000" cy="3429000"/>
           </a:xfrm>
           <a:custGeom>
+            <a:avLst/>
+            <a:gdLst/>
+            <a:ahLst/>
+            <a:cxnLst/>
+            <a:rect l="0" t="0" r="0" b="0"/>
             <a:pathLst>
-              <a:path extrusionOk="0" h="120000" w="120000">
+              <a:path w="120000" h="120000" extrusionOk="0">
                 <a:moveTo>
                   <a:pt x="0" y="0"/>
                 </a:moveTo>
@@ -458,9 +577,11 @@
       <p:sp>
         <p:nvSpPr>
           <p:cNvPr id="65" name="Shape 65"/>
-          <p:cNvSpPr txBox="1"/>
+          <p:cNvSpPr txBox="1">
+            <a:spLocks noGrp="1"/>
+          </p:cNvSpPr>
           <p:nvPr>
-            <p:ph idx="1" type="body"/>
+            <p:ph type="body" idx="1"/>
           </p:nvPr>
         </p:nvSpPr>
         <p:spPr>
@@ -473,7 +594,7 @@
           </a:prstGeom>
         </p:spPr>
         <p:txBody>
-          <a:bodyPr anchorCtr="0" anchor="t" bIns="91425" lIns="91425" rIns="91425" wrap="square" tIns="91425">
+          <a:bodyPr wrap="square" lIns="91425" tIns="91425" rIns="91425" bIns="91425" anchor="t" anchorCtr="0">
             <a:noAutofit/>
           </a:bodyPr>
           <a:lstStyle/>
@@ -484,9 +605,6 @@
               </a:spcBef>
               <a:buNone/>
             </a:pPr>
-            <a:r>
-              <a:t/>
-            </a:r>
             <a:endParaRPr/>
           </a:p>
         </p:txBody>
@@ -500,11 +618,11 @@
 </file>
 
 <file path=ppt/notesSlides/notesSlide10.xml><?xml version="1.0" encoding="utf-8"?>
-<p:notes xmlns:a="http://schemas.openxmlformats.org/drawingml/2006/main" xmlns:r="http://schemas.openxmlformats.org/officeDocument/2006/relationships" xmlns:mc="http://schemas.openxmlformats.org/markup-compatibility/2006" xmlns:mv="urn:schemas-microsoft-com:mac:vml" xmlns:p="http://schemas.openxmlformats.org/presentationml/2006/main" xmlns:c="http://schemas.openxmlformats.org/drawingml/2006/chart" xmlns:dgm="http://schemas.openxmlformats.org/drawingml/2006/diagram" xmlns:o="urn:schemas-microsoft-com:office:office" xmlns:v="urn:schemas-microsoft-com:vml" xmlns:pvml="urn:schemas-microsoft-com:office:powerpoint" xmlns:com="http://schemas.openxmlformats.org/drawingml/2006/compatibility" xmlns:p14="http://schemas.microsoft.com/office/powerpoint/2010/main" xmlns:p15="http://schemas.microsoft.com/office/powerpoint/2012/main" showMasterPhAnim="0" showMasterSp="0">
+<p:notes xmlns:a="http://schemas.openxmlformats.org/drawingml/2006/main" xmlns:r="http://schemas.openxmlformats.org/officeDocument/2006/relationships" xmlns:p="http://schemas.openxmlformats.org/presentationml/2006/main" showMasterSp="0" showMasterPhAnim="0">
   <p:cSld>
     <p:spTree>
       <p:nvGrpSpPr>
-        <p:cNvPr id="118" name="Shape 118"/>
+        <p:cNvPr id="1" name="Shape 118"/>
         <p:cNvGrpSpPr/>
         <p:nvPr/>
       </p:nvGrpSpPr>
@@ -519,19 +637,26 @@
       <p:sp>
         <p:nvSpPr>
           <p:cNvPr id="119" name="Shape 119"/>
-          <p:cNvSpPr/>
+          <p:cNvSpPr>
+            <a:spLocks noGrp="1" noRot="1" noChangeAspect="1"/>
+          </p:cNvSpPr>
           <p:nvPr>
-            <p:ph idx="2" type="sldImg"/>
+            <p:ph type="sldImg" idx="2"/>
           </p:nvPr>
         </p:nvSpPr>
         <p:spPr>
           <a:xfrm>
-            <a:off x="381187" y="685800"/>
-            <a:ext cx="6096299" cy="3429000"/>
+            <a:off x="381000" y="685800"/>
+            <a:ext cx="6096000" cy="3429000"/>
           </a:xfrm>
           <a:custGeom>
+            <a:avLst/>
+            <a:gdLst/>
+            <a:ahLst/>
+            <a:cxnLst/>
+            <a:rect l="0" t="0" r="0" b="0"/>
             <a:pathLst>
-              <a:path extrusionOk="0" h="120000" w="120000">
+              <a:path w="120000" h="120000" extrusionOk="0">
                 <a:moveTo>
                   <a:pt x="0" y="0"/>
                 </a:moveTo>
@@ -553,9 +678,11 @@
       <p:sp>
         <p:nvSpPr>
           <p:cNvPr id="120" name="Shape 120"/>
-          <p:cNvSpPr txBox="1"/>
+          <p:cNvSpPr txBox="1">
+            <a:spLocks noGrp="1"/>
+          </p:cNvSpPr>
           <p:nvPr>
-            <p:ph idx="1" type="body"/>
+            <p:ph type="body" idx="1"/>
           </p:nvPr>
         </p:nvSpPr>
         <p:spPr>
@@ -568,7 +695,7 @@
           </a:prstGeom>
         </p:spPr>
         <p:txBody>
-          <a:bodyPr anchorCtr="0" anchor="t" bIns="91425" lIns="91425" rIns="91425" wrap="square" tIns="91425">
+          <a:bodyPr wrap="square" lIns="91425" tIns="91425" rIns="91425" bIns="91425" anchor="t" anchorCtr="0">
             <a:noAutofit/>
           </a:bodyPr>
           <a:lstStyle/>
@@ -579,9 +706,6 @@
               </a:spcBef>
               <a:buNone/>
             </a:pPr>
-            <a:r>
-              <a:t/>
-            </a:r>
             <a:endParaRPr/>
           </a:p>
         </p:txBody>
@@ -595,11 +719,11 @@
 </file>
 
 <file path=ppt/notesSlides/notesSlide11.xml><?xml version="1.0" encoding="utf-8"?>
-<p:notes xmlns:a="http://schemas.openxmlformats.org/drawingml/2006/main" xmlns:r="http://schemas.openxmlformats.org/officeDocument/2006/relationships" xmlns:mc="http://schemas.openxmlformats.org/markup-compatibility/2006" xmlns:mv="urn:schemas-microsoft-com:mac:vml" xmlns:p="http://schemas.openxmlformats.org/presentationml/2006/main" xmlns:c="http://schemas.openxmlformats.org/drawingml/2006/chart" xmlns:dgm="http://schemas.openxmlformats.org/drawingml/2006/diagram" xmlns:o="urn:schemas-microsoft-com:office:office" xmlns:v="urn:schemas-microsoft-com:vml" xmlns:pvml="urn:schemas-microsoft-com:office:powerpoint" xmlns:com="http://schemas.openxmlformats.org/drawingml/2006/compatibility" xmlns:p14="http://schemas.microsoft.com/office/powerpoint/2010/main" xmlns:p15="http://schemas.microsoft.com/office/powerpoint/2012/main" showMasterPhAnim="0" showMasterSp="0">
+<p:notes xmlns:a="http://schemas.openxmlformats.org/drawingml/2006/main" xmlns:r="http://schemas.openxmlformats.org/officeDocument/2006/relationships" xmlns:p="http://schemas.openxmlformats.org/presentationml/2006/main" showMasterSp="0" showMasterPhAnim="0">
   <p:cSld>
     <p:spTree>
       <p:nvGrpSpPr>
-        <p:cNvPr id="124" name="Shape 124"/>
+        <p:cNvPr id="1" name="Shape 124"/>
         <p:cNvGrpSpPr/>
         <p:nvPr/>
       </p:nvGrpSpPr>
@@ -614,19 +738,26 @@
       <p:sp>
         <p:nvSpPr>
           <p:cNvPr id="125" name="Shape 125"/>
-          <p:cNvSpPr/>
+          <p:cNvSpPr>
+            <a:spLocks noGrp="1" noRot="1" noChangeAspect="1"/>
+          </p:cNvSpPr>
           <p:nvPr>
-            <p:ph idx="2" type="sldImg"/>
+            <p:ph type="sldImg" idx="2"/>
           </p:nvPr>
         </p:nvSpPr>
         <p:spPr>
           <a:xfrm>
-            <a:off x="381300" y="685800"/>
+            <a:off x="381000" y="685800"/>
             <a:ext cx="6096000" cy="3429000"/>
           </a:xfrm>
           <a:custGeom>
+            <a:avLst/>
+            <a:gdLst/>
+            <a:ahLst/>
+            <a:cxnLst/>
+            <a:rect l="0" t="0" r="0" b="0"/>
             <a:pathLst>
-              <a:path extrusionOk="0" h="120000" w="120000">
+              <a:path w="120000" h="120000" extrusionOk="0">
                 <a:moveTo>
                   <a:pt x="0" y="0"/>
                 </a:moveTo>
@@ -648,9 +779,11 @@
       <p:sp>
         <p:nvSpPr>
           <p:cNvPr id="126" name="Shape 126"/>
-          <p:cNvSpPr txBox="1"/>
+          <p:cNvSpPr txBox="1">
+            <a:spLocks noGrp="1"/>
+          </p:cNvSpPr>
           <p:nvPr>
-            <p:ph idx="1" type="body"/>
+            <p:ph type="body" idx="1"/>
           </p:nvPr>
         </p:nvSpPr>
         <p:spPr>
@@ -663,7 +796,7 @@
           </a:prstGeom>
         </p:spPr>
         <p:txBody>
-          <a:bodyPr anchorCtr="0" anchor="t" bIns="91425" lIns="91425" rIns="91425" wrap="square" tIns="91425">
+          <a:bodyPr wrap="square" lIns="91425" tIns="91425" rIns="91425" bIns="91425" anchor="t" anchorCtr="0">
             <a:noAutofit/>
           </a:bodyPr>
           <a:lstStyle/>
@@ -674,9 +807,6 @@
               </a:spcBef>
               <a:buNone/>
             </a:pPr>
-            <a:r>
-              <a:t/>
-            </a:r>
             <a:endParaRPr/>
           </a:p>
         </p:txBody>
@@ -690,11 +820,11 @@
 </file>
 
 <file path=ppt/notesSlides/notesSlide12.xml><?xml version="1.0" encoding="utf-8"?>
-<p:notes xmlns:a="http://schemas.openxmlformats.org/drawingml/2006/main" xmlns:r="http://schemas.openxmlformats.org/officeDocument/2006/relationships" xmlns:mc="http://schemas.openxmlformats.org/markup-compatibility/2006" xmlns:mv="urn:schemas-microsoft-com:mac:vml" xmlns:p="http://schemas.openxmlformats.org/presentationml/2006/main" xmlns:c="http://schemas.openxmlformats.org/drawingml/2006/chart" xmlns:dgm="http://schemas.openxmlformats.org/drawingml/2006/diagram" xmlns:o="urn:schemas-microsoft-com:office:office" xmlns:v="urn:schemas-microsoft-com:vml" xmlns:pvml="urn:schemas-microsoft-com:office:powerpoint" xmlns:com="http://schemas.openxmlformats.org/drawingml/2006/compatibility" xmlns:p14="http://schemas.microsoft.com/office/powerpoint/2010/main" xmlns:p15="http://schemas.microsoft.com/office/powerpoint/2012/main" showMasterPhAnim="0" showMasterSp="0">
+<p:notes xmlns:a="http://schemas.openxmlformats.org/drawingml/2006/main" xmlns:r="http://schemas.openxmlformats.org/officeDocument/2006/relationships" xmlns:p="http://schemas.openxmlformats.org/presentationml/2006/main" showMasterSp="0" showMasterPhAnim="0">
   <p:cSld>
     <p:spTree>
       <p:nvGrpSpPr>
-        <p:cNvPr id="130" name="Shape 130"/>
+        <p:cNvPr id="1" name="Shape 130"/>
         <p:cNvGrpSpPr/>
         <p:nvPr/>
       </p:nvGrpSpPr>
@@ -709,19 +839,26 @@
       <p:sp>
         <p:nvSpPr>
           <p:cNvPr id="131" name="Shape 131"/>
-          <p:cNvSpPr/>
+          <p:cNvSpPr>
+            <a:spLocks noGrp="1" noRot="1" noChangeAspect="1"/>
+          </p:cNvSpPr>
           <p:nvPr>
-            <p:ph idx="2" type="sldImg"/>
+            <p:ph type="sldImg" idx="2"/>
           </p:nvPr>
         </p:nvSpPr>
         <p:spPr>
           <a:xfrm>
-            <a:off x="381187" y="685800"/>
-            <a:ext cx="6096299" cy="3429000"/>
+            <a:off x="381000" y="685800"/>
+            <a:ext cx="6096000" cy="3429000"/>
           </a:xfrm>
           <a:custGeom>
+            <a:avLst/>
+            <a:gdLst/>
+            <a:ahLst/>
+            <a:cxnLst/>
+            <a:rect l="0" t="0" r="0" b="0"/>
             <a:pathLst>
-              <a:path extrusionOk="0" h="120000" w="120000">
+              <a:path w="120000" h="120000" extrusionOk="0">
                 <a:moveTo>
                   <a:pt x="0" y="0"/>
                 </a:moveTo>
@@ -743,9 +880,11 @@
       <p:sp>
         <p:nvSpPr>
           <p:cNvPr id="132" name="Shape 132"/>
-          <p:cNvSpPr txBox="1"/>
+          <p:cNvSpPr txBox="1">
+            <a:spLocks noGrp="1"/>
+          </p:cNvSpPr>
           <p:nvPr>
-            <p:ph idx="1" type="body"/>
+            <p:ph type="body" idx="1"/>
           </p:nvPr>
         </p:nvSpPr>
         <p:spPr>
@@ -758,7 +897,7 @@
           </a:prstGeom>
         </p:spPr>
         <p:txBody>
-          <a:bodyPr anchorCtr="0" anchor="t" bIns="91425" lIns="91425" rIns="91425" wrap="square" tIns="91425">
+          <a:bodyPr wrap="square" lIns="91425" tIns="91425" rIns="91425" bIns="91425" anchor="t" anchorCtr="0">
             <a:noAutofit/>
           </a:bodyPr>
           <a:lstStyle/>
@@ -769,9 +908,6 @@
               </a:spcBef>
               <a:buNone/>
             </a:pPr>
-            <a:r>
-              <a:t/>
-            </a:r>
             <a:endParaRPr/>
           </a:p>
         </p:txBody>
@@ -785,11 +921,11 @@
 </file>
 
 <file path=ppt/notesSlides/notesSlide13.xml><?xml version="1.0" encoding="utf-8"?>
-<p:notes xmlns:a="http://schemas.openxmlformats.org/drawingml/2006/main" xmlns:r="http://schemas.openxmlformats.org/officeDocument/2006/relationships" xmlns:mc="http://schemas.openxmlformats.org/markup-compatibility/2006" xmlns:mv="urn:schemas-microsoft-com:mac:vml" xmlns:p="http://schemas.openxmlformats.org/presentationml/2006/main" xmlns:c="http://schemas.openxmlformats.org/drawingml/2006/chart" xmlns:dgm="http://schemas.openxmlformats.org/drawingml/2006/diagram" xmlns:o="urn:schemas-microsoft-com:office:office" xmlns:v="urn:schemas-microsoft-com:vml" xmlns:pvml="urn:schemas-microsoft-com:office:powerpoint" xmlns:com="http://schemas.openxmlformats.org/drawingml/2006/compatibility" xmlns:p14="http://schemas.microsoft.com/office/powerpoint/2010/main" xmlns:p15="http://schemas.microsoft.com/office/powerpoint/2012/main" showMasterPhAnim="0" showMasterSp="0">
+<p:notes xmlns:a="http://schemas.openxmlformats.org/drawingml/2006/main" xmlns:r="http://schemas.openxmlformats.org/officeDocument/2006/relationships" xmlns:p="http://schemas.openxmlformats.org/presentationml/2006/main" showMasterSp="0" showMasterPhAnim="0">
   <p:cSld>
     <p:spTree>
       <p:nvGrpSpPr>
-        <p:cNvPr id="136" name="Shape 136"/>
+        <p:cNvPr id="1" name="Shape 136"/>
         <p:cNvGrpSpPr/>
         <p:nvPr/>
       </p:nvGrpSpPr>
@@ -804,19 +940,26 @@
       <p:sp>
         <p:nvSpPr>
           <p:cNvPr id="137" name="Shape 137"/>
-          <p:cNvSpPr/>
+          <p:cNvSpPr>
+            <a:spLocks noGrp="1" noRot="1" noChangeAspect="1"/>
+          </p:cNvSpPr>
           <p:nvPr>
-            <p:ph idx="2" type="sldImg"/>
+            <p:ph type="sldImg" idx="2"/>
           </p:nvPr>
         </p:nvSpPr>
         <p:spPr>
           <a:xfrm>
-            <a:off x="381187" y="685800"/>
-            <a:ext cx="6096299" cy="3429000"/>
+            <a:off x="381000" y="685800"/>
+            <a:ext cx="6096000" cy="3429000"/>
           </a:xfrm>
           <a:custGeom>
+            <a:avLst/>
+            <a:gdLst/>
+            <a:ahLst/>
+            <a:cxnLst/>
+            <a:rect l="0" t="0" r="0" b="0"/>
             <a:pathLst>
-              <a:path extrusionOk="0" h="120000" w="120000">
+              <a:path w="120000" h="120000" extrusionOk="0">
                 <a:moveTo>
                   <a:pt x="0" y="0"/>
                 </a:moveTo>
@@ -838,9 +981,11 @@
       <p:sp>
         <p:nvSpPr>
           <p:cNvPr id="138" name="Shape 138"/>
-          <p:cNvSpPr txBox="1"/>
+          <p:cNvSpPr txBox="1">
+            <a:spLocks noGrp="1"/>
+          </p:cNvSpPr>
           <p:nvPr>
-            <p:ph idx="1" type="body"/>
+            <p:ph type="body" idx="1"/>
           </p:nvPr>
         </p:nvSpPr>
         <p:spPr>
@@ -853,7 +998,7 @@
           </a:prstGeom>
         </p:spPr>
         <p:txBody>
-          <a:bodyPr anchorCtr="0" anchor="t" bIns="91425" lIns="91425" rIns="91425" wrap="square" tIns="91425">
+          <a:bodyPr wrap="square" lIns="91425" tIns="91425" rIns="91425" bIns="91425" anchor="t" anchorCtr="0">
             <a:noAutofit/>
           </a:bodyPr>
           <a:lstStyle/>
@@ -864,9 +1009,6 @@
               </a:spcBef>
               <a:buNone/>
             </a:pPr>
-            <a:r>
-              <a:t/>
-            </a:r>
             <a:endParaRPr/>
           </a:p>
         </p:txBody>
@@ -880,11 +1022,11 @@
 </file>
 
 <file path=ppt/notesSlides/notesSlide14.xml><?xml version="1.0" encoding="utf-8"?>
-<p:notes xmlns:a="http://schemas.openxmlformats.org/drawingml/2006/main" xmlns:r="http://schemas.openxmlformats.org/officeDocument/2006/relationships" xmlns:mc="http://schemas.openxmlformats.org/markup-compatibility/2006" xmlns:mv="urn:schemas-microsoft-com:mac:vml" xmlns:p="http://schemas.openxmlformats.org/presentationml/2006/main" xmlns:c="http://schemas.openxmlformats.org/drawingml/2006/chart" xmlns:dgm="http://schemas.openxmlformats.org/drawingml/2006/diagram" xmlns:o="urn:schemas-microsoft-com:office:office" xmlns:v="urn:schemas-microsoft-com:vml" xmlns:pvml="urn:schemas-microsoft-com:office:powerpoint" xmlns:com="http://schemas.openxmlformats.org/drawingml/2006/compatibility" xmlns:p14="http://schemas.microsoft.com/office/powerpoint/2010/main" xmlns:p15="http://schemas.microsoft.com/office/powerpoint/2012/main" showMasterPhAnim="0" showMasterSp="0">
+<p:notes xmlns:a="http://schemas.openxmlformats.org/drawingml/2006/main" xmlns:r="http://schemas.openxmlformats.org/officeDocument/2006/relationships" xmlns:p="http://schemas.openxmlformats.org/presentationml/2006/main" showMasterSp="0" showMasterPhAnim="0">
   <p:cSld>
     <p:spTree>
       <p:nvGrpSpPr>
-        <p:cNvPr id="142" name="Shape 142"/>
+        <p:cNvPr id="1" name="Shape 142"/>
         <p:cNvGrpSpPr/>
         <p:nvPr/>
       </p:nvGrpSpPr>
@@ -899,19 +1041,26 @@
       <p:sp>
         <p:nvSpPr>
           <p:cNvPr id="143" name="Shape 143"/>
-          <p:cNvSpPr/>
+          <p:cNvSpPr>
+            <a:spLocks noGrp="1" noRot="1" noChangeAspect="1"/>
+          </p:cNvSpPr>
           <p:nvPr>
-            <p:ph idx="2" type="sldImg"/>
+            <p:ph type="sldImg" idx="2"/>
           </p:nvPr>
         </p:nvSpPr>
         <p:spPr>
           <a:xfrm>
-            <a:off x="381187" y="685800"/>
-            <a:ext cx="6096299" cy="3429000"/>
+            <a:off x="381000" y="685800"/>
+            <a:ext cx="6096000" cy="3429000"/>
           </a:xfrm>
           <a:custGeom>
+            <a:avLst/>
+            <a:gdLst/>
+            <a:ahLst/>
+            <a:cxnLst/>
+            <a:rect l="0" t="0" r="0" b="0"/>
             <a:pathLst>
-              <a:path extrusionOk="0" h="120000" w="120000">
+              <a:path w="120000" h="120000" extrusionOk="0">
                 <a:moveTo>
                   <a:pt x="0" y="0"/>
                 </a:moveTo>
@@ -933,9 +1082,11 @@
       <p:sp>
         <p:nvSpPr>
           <p:cNvPr id="144" name="Shape 144"/>
-          <p:cNvSpPr txBox="1"/>
+          <p:cNvSpPr txBox="1">
+            <a:spLocks noGrp="1"/>
+          </p:cNvSpPr>
           <p:nvPr>
-            <p:ph idx="1" type="body"/>
+            <p:ph type="body" idx="1"/>
           </p:nvPr>
         </p:nvSpPr>
         <p:spPr>
@@ -948,7 +1099,7 @@
           </a:prstGeom>
         </p:spPr>
         <p:txBody>
-          <a:bodyPr anchorCtr="0" anchor="t" bIns="91425" lIns="91425" rIns="91425" wrap="square" tIns="91425">
+          <a:bodyPr wrap="square" lIns="91425" tIns="91425" rIns="91425" bIns="91425" anchor="t" anchorCtr="0">
             <a:noAutofit/>
           </a:bodyPr>
           <a:lstStyle/>
@@ -959,9 +1110,6 @@
               </a:spcBef>
               <a:buNone/>
             </a:pPr>
-            <a:r>
-              <a:t/>
-            </a:r>
             <a:endParaRPr/>
           </a:p>
         </p:txBody>
@@ -975,11 +1123,11 @@
 </file>
 
 <file path=ppt/notesSlides/notesSlide15.xml><?xml version="1.0" encoding="utf-8"?>
-<p:notes xmlns:a="http://schemas.openxmlformats.org/drawingml/2006/main" xmlns:r="http://schemas.openxmlformats.org/officeDocument/2006/relationships" xmlns:mc="http://schemas.openxmlformats.org/markup-compatibility/2006" xmlns:mv="urn:schemas-microsoft-com:mac:vml" xmlns:p="http://schemas.openxmlformats.org/presentationml/2006/main" xmlns:c="http://schemas.openxmlformats.org/drawingml/2006/chart" xmlns:dgm="http://schemas.openxmlformats.org/drawingml/2006/diagram" xmlns:o="urn:schemas-microsoft-com:office:office" xmlns:v="urn:schemas-microsoft-com:vml" xmlns:pvml="urn:schemas-microsoft-com:office:powerpoint" xmlns:com="http://schemas.openxmlformats.org/drawingml/2006/compatibility" xmlns:p14="http://schemas.microsoft.com/office/powerpoint/2010/main" xmlns:p15="http://schemas.microsoft.com/office/powerpoint/2012/main" showMasterPhAnim="0" showMasterSp="0">
+<p:notes xmlns:a="http://schemas.openxmlformats.org/drawingml/2006/main" xmlns:r="http://schemas.openxmlformats.org/officeDocument/2006/relationships" xmlns:p="http://schemas.openxmlformats.org/presentationml/2006/main" showMasterSp="0" showMasterPhAnim="0">
   <p:cSld>
     <p:spTree>
       <p:nvGrpSpPr>
-        <p:cNvPr id="148" name="Shape 148"/>
+        <p:cNvPr id="1" name="Shape 148"/>
         <p:cNvGrpSpPr/>
         <p:nvPr/>
       </p:nvGrpSpPr>
@@ -994,19 +1142,26 @@
       <p:sp>
         <p:nvSpPr>
           <p:cNvPr id="149" name="Shape 149"/>
-          <p:cNvSpPr/>
+          <p:cNvSpPr>
+            <a:spLocks noGrp="1" noRot="1" noChangeAspect="1"/>
+          </p:cNvSpPr>
           <p:nvPr>
-            <p:ph idx="2" type="sldImg"/>
+            <p:ph type="sldImg" idx="2"/>
           </p:nvPr>
         </p:nvSpPr>
         <p:spPr>
           <a:xfrm>
-            <a:off x="381187" y="685800"/>
-            <a:ext cx="6096299" cy="3429000"/>
+            <a:off x="381000" y="685800"/>
+            <a:ext cx="6096000" cy="3429000"/>
           </a:xfrm>
           <a:custGeom>
+            <a:avLst/>
+            <a:gdLst/>
+            <a:ahLst/>
+            <a:cxnLst/>
+            <a:rect l="0" t="0" r="0" b="0"/>
             <a:pathLst>
-              <a:path extrusionOk="0" h="120000" w="120000">
+              <a:path w="120000" h="120000" extrusionOk="0">
                 <a:moveTo>
                   <a:pt x="0" y="0"/>
                 </a:moveTo>
@@ -1028,9 +1183,11 @@
       <p:sp>
         <p:nvSpPr>
           <p:cNvPr id="150" name="Shape 150"/>
-          <p:cNvSpPr txBox="1"/>
+          <p:cNvSpPr txBox="1">
+            <a:spLocks noGrp="1"/>
+          </p:cNvSpPr>
           <p:nvPr>
-            <p:ph idx="1" type="body"/>
+            <p:ph type="body" idx="1"/>
           </p:nvPr>
         </p:nvSpPr>
         <p:spPr>
@@ -1043,7 +1200,7 @@
           </a:prstGeom>
         </p:spPr>
         <p:txBody>
-          <a:bodyPr anchorCtr="0" anchor="t" bIns="91425" lIns="91425" rIns="91425" wrap="square" tIns="91425">
+          <a:bodyPr wrap="square" lIns="91425" tIns="91425" rIns="91425" bIns="91425" anchor="t" anchorCtr="0">
             <a:noAutofit/>
           </a:bodyPr>
           <a:lstStyle/>
@@ -1054,9 +1211,6 @@
               </a:spcBef>
               <a:buNone/>
             </a:pPr>
-            <a:r>
-              <a:t/>
-            </a:r>
             <a:endParaRPr/>
           </a:p>
         </p:txBody>
@@ -1070,11 +1224,11 @@
 </file>
 
 <file path=ppt/notesSlides/notesSlide16.xml><?xml version="1.0" encoding="utf-8"?>
-<p:notes xmlns:a="http://schemas.openxmlformats.org/drawingml/2006/main" xmlns:r="http://schemas.openxmlformats.org/officeDocument/2006/relationships" xmlns:mc="http://schemas.openxmlformats.org/markup-compatibility/2006" xmlns:mv="urn:schemas-microsoft-com:mac:vml" xmlns:p="http://schemas.openxmlformats.org/presentationml/2006/main" xmlns:c="http://schemas.openxmlformats.org/drawingml/2006/chart" xmlns:dgm="http://schemas.openxmlformats.org/drawingml/2006/diagram" xmlns:o="urn:schemas-microsoft-com:office:office" xmlns:v="urn:schemas-microsoft-com:vml" xmlns:pvml="urn:schemas-microsoft-com:office:powerpoint" xmlns:com="http://schemas.openxmlformats.org/drawingml/2006/compatibility" xmlns:p14="http://schemas.microsoft.com/office/powerpoint/2010/main" xmlns:p15="http://schemas.microsoft.com/office/powerpoint/2012/main" showMasterPhAnim="0" showMasterSp="0">
+<p:notes xmlns:a="http://schemas.openxmlformats.org/drawingml/2006/main" xmlns:r="http://schemas.openxmlformats.org/officeDocument/2006/relationships" xmlns:p="http://schemas.openxmlformats.org/presentationml/2006/main" showMasterSp="0" showMasterPhAnim="0">
   <p:cSld>
     <p:spTree>
       <p:nvGrpSpPr>
-        <p:cNvPr id="154" name="Shape 154"/>
+        <p:cNvPr id="1" name="Shape 154"/>
         <p:cNvGrpSpPr/>
         <p:nvPr/>
       </p:nvGrpSpPr>
@@ -1089,19 +1243,26 @@
       <p:sp>
         <p:nvSpPr>
           <p:cNvPr id="155" name="Shape 155"/>
-          <p:cNvSpPr/>
+          <p:cNvSpPr>
+            <a:spLocks noGrp="1" noRot="1" noChangeAspect="1"/>
+          </p:cNvSpPr>
           <p:nvPr>
-            <p:ph idx="2" type="sldImg"/>
+            <p:ph type="sldImg" idx="2"/>
           </p:nvPr>
         </p:nvSpPr>
         <p:spPr>
           <a:xfrm>
-            <a:off x="381187" y="685800"/>
-            <a:ext cx="6096299" cy="3429000"/>
+            <a:off x="381000" y="685800"/>
+            <a:ext cx="6096000" cy="3429000"/>
           </a:xfrm>
           <a:custGeom>
+            <a:avLst/>
+            <a:gdLst/>
+            <a:ahLst/>
+            <a:cxnLst/>
+            <a:rect l="0" t="0" r="0" b="0"/>
             <a:pathLst>
-              <a:path extrusionOk="0" h="120000" w="120000">
+              <a:path w="120000" h="120000" extrusionOk="0">
                 <a:moveTo>
                   <a:pt x="0" y="0"/>
                 </a:moveTo>
@@ -1123,9 +1284,11 @@
       <p:sp>
         <p:nvSpPr>
           <p:cNvPr id="156" name="Shape 156"/>
-          <p:cNvSpPr txBox="1"/>
+          <p:cNvSpPr txBox="1">
+            <a:spLocks noGrp="1"/>
+          </p:cNvSpPr>
           <p:nvPr>
-            <p:ph idx="1" type="body"/>
+            <p:ph type="body" idx="1"/>
           </p:nvPr>
         </p:nvSpPr>
         <p:spPr>
@@ -1138,7 +1301,7 @@
           </a:prstGeom>
         </p:spPr>
         <p:txBody>
-          <a:bodyPr anchorCtr="0" anchor="t" bIns="91425" lIns="91425" rIns="91425" wrap="square" tIns="91425">
+          <a:bodyPr wrap="square" lIns="91425" tIns="91425" rIns="91425" bIns="91425" anchor="t" anchorCtr="0">
             <a:noAutofit/>
           </a:bodyPr>
           <a:lstStyle/>
@@ -1149,9 +1312,6 @@
               </a:spcBef>
               <a:buNone/>
             </a:pPr>
-            <a:r>
-              <a:t/>
-            </a:r>
             <a:endParaRPr/>
           </a:p>
         </p:txBody>
@@ -1165,11 +1325,11 @@
 </file>
 
 <file path=ppt/notesSlides/notesSlide17.xml><?xml version="1.0" encoding="utf-8"?>
-<p:notes xmlns:a="http://schemas.openxmlformats.org/drawingml/2006/main" xmlns:r="http://schemas.openxmlformats.org/officeDocument/2006/relationships" xmlns:mc="http://schemas.openxmlformats.org/markup-compatibility/2006" xmlns:mv="urn:schemas-microsoft-com:mac:vml" xmlns:p="http://schemas.openxmlformats.org/presentationml/2006/main" xmlns:c="http://schemas.openxmlformats.org/drawingml/2006/chart" xmlns:dgm="http://schemas.openxmlformats.org/drawingml/2006/diagram" xmlns:o="urn:schemas-microsoft-com:office:office" xmlns:v="urn:schemas-microsoft-com:vml" xmlns:pvml="urn:schemas-microsoft-com:office:powerpoint" xmlns:com="http://schemas.openxmlformats.org/drawingml/2006/compatibility" xmlns:p14="http://schemas.microsoft.com/office/powerpoint/2010/main" xmlns:p15="http://schemas.microsoft.com/office/powerpoint/2012/main" showMasterPhAnim="0" showMasterSp="0">
+<p:notes xmlns:a="http://schemas.openxmlformats.org/drawingml/2006/main" xmlns:r="http://schemas.openxmlformats.org/officeDocument/2006/relationships" xmlns:p="http://schemas.openxmlformats.org/presentationml/2006/main" showMasterSp="0" showMasterPhAnim="0">
   <p:cSld>
     <p:spTree>
       <p:nvGrpSpPr>
-        <p:cNvPr id="160" name="Shape 160"/>
+        <p:cNvPr id="1" name="Shape 160"/>
         <p:cNvGrpSpPr/>
         <p:nvPr/>
       </p:nvGrpSpPr>
@@ -1184,19 +1344,26 @@
       <p:sp>
         <p:nvSpPr>
           <p:cNvPr id="161" name="Shape 161"/>
-          <p:cNvSpPr/>
+          <p:cNvSpPr>
+            <a:spLocks noGrp="1" noRot="1" noChangeAspect="1"/>
+          </p:cNvSpPr>
           <p:nvPr>
-            <p:ph idx="2" type="sldImg"/>
+            <p:ph type="sldImg" idx="2"/>
           </p:nvPr>
         </p:nvSpPr>
         <p:spPr>
           <a:xfrm>
-            <a:off x="381187" y="685800"/>
-            <a:ext cx="6096299" cy="3429000"/>
+            <a:off x="381000" y="685800"/>
+            <a:ext cx="6096000" cy="3429000"/>
           </a:xfrm>
           <a:custGeom>
+            <a:avLst/>
+            <a:gdLst/>
+            <a:ahLst/>
+            <a:cxnLst/>
+            <a:rect l="0" t="0" r="0" b="0"/>
             <a:pathLst>
-              <a:path extrusionOk="0" h="120000" w="120000">
+              <a:path w="120000" h="120000" extrusionOk="0">
                 <a:moveTo>
                   <a:pt x="0" y="0"/>
                 </a:moveTo>
@@ -1218,9 +1385,11 @@
       <p:sp>
         <p:nvSpPr>
           <p:cNvPr id="162" name="Shape 162"/>
-          <p:cNvSpPr txBox="1"/>
+          <p:cNvSpPr txBox="1">
+            <a:spLocks noGrp="1"/>
+          </p:cNvSpPr>
           <p:nvPr>
-            <p:ph idx="1" type="body"/>
+            <p:ph type="body" idx="1"/>
           </p:nvPr>
         </p:nvSpPr>
         <p:spPr>
@@ -1233,7 +1402,7 @@
           </a:prstGeom>
         </p:spPr>
         <p:txBody>
-          <a:bodyPr anchorCtr="0" anchor="t" bIns="91425" lIns="91425" rIns="91425" wrap="square" tIns="91425">
+          <a:bodyPr wrap="square" lIns="91425" tIns="91425" rIns="91425" bIns="91425" anchor="t" anchorCtr="0">
             <a:noAutofit/>
           </a:bodyPr>
           <a:lstStyle/>
@@ -1244,9 +1413,6 @@
               </a:spcBef>
               <a:buNone/>
             </a:pPr>
-            <a:r>
-              <a:t/>
-            </a:r>
             <a:endParaRPr/>
           </a:p>
         </p:txBody>
@@ -1260,11 +1426,11 @@
 </file>
 
 <file path=ppt/notesSlides/notesSlide18.xml><?xml version="1.0" encoding="utf-8"?>
-<p:notes xmlns:a="http://schemas.openxmlformats.org/drawingml/2006/main" xmlns:r="http://schemas.openxmlformats.org/officeDocument/2006/relationships" xmlns:mc="http://schemas.openxmlformats.org/markup-compatibility/2006" xmlns:mv="urn:schemas-microsoft-com:mac:vml" xmlns:p="http://schemas.openxmlformats.org/presentationml/2006/main" xmlns:c="http://schemas.openxmlformats.org/drawingml/2006/chart" xmlns:dgm="http://schemas.openxmlformats.org/drawingml/2006/diagram" xmlns:o="urn:schemas-microsoft-com:office:office" xmlns:v="urn:schemas-microsoft-com:vml" xmlns:pvml="urn:schemas-microsoft-com:office:powerpoint" xmlns:com="http://schemas.openxmlformats.org/drawingml/2006/compatibility" xmlns:p14="http://schemas.microsoft.com/office/powerpoint/2010/main" xmlns:p15="http://schemas.microsoft.com/office/powerpoint/2012/main" showMasterPhAnim="0" showMasterSp="0">
+<p:notes xmlns:a="http://schemas.openxmlformats.org/drawingml/2006/main" xmlns:r="http://schemas.openxmlformats.org/officeDocument/2006/relationships" xmlns:p="http://schemas.openxmlformats.org/presentationml/2006/main" showMasterSp="0" showMasterPhAnim="0">
   <p:cSld>
     <p:spTree>
       <p:nvGrpSpPr>
-        <p:cNvPr id="166" name="Shape 166"/>
+        <p:cNvPr id="1" name="Shape 166"/>
         <p:cNvGrpSpPr/>
         <p:nvPr/>
       </p:nvGrpSpPr>
@@ -1279,19 +1445,26 @@
       <p:sp>
         <p:nvSpPr>
           <p:cNvPr id="167" name="Shape 167"/>
-          <p:cNvSpPr/>
+          <p:cNvSpPr>
+            <a:spLocks noGrp="1" noRot="1" noChangeAspect="1"/>
+          </p:cNvSpPr>
           <p:nvPr>
-            <p:ph idx="2" type="sldImg"/>
+            <p:ph type="sldImg" idx="2"/>
           </p:nvPr>
         </p:nvSpPr>
         <p:spPr>
           <a:xfrm>
-            <a:off x="381187" y="685800"/>
-            <a:ext cx="6096299" cy="3429000"/>
+            <a:off x="381000" y="685800"/>
+            <a:ext cx="6096000" cy="3429000"/>
           </a:xfrm>
           <a:custGeom>
+            <a:avLst/>
+            <a:gdLst/>
+            <a:ahLst/>
+            <a:cxnLst/>
+            <a:rect l="0" t="0" r="0" b="0"/>
             <a:pathLst>
-              <a:path extrusionOk="0" h="120000" w="120000">
+              <a:path w="120000" h="120000" extrusionOk="0">
                 <a:moveTo>
                   <a:pt x="0" y="0"/>
                 </a:moveTo>
@@ -1313,9 +1486,11 @@
       <p:sp>
         <p:nvSpPr>
           <p:cNvPr id="168" name="Shape 168"/>
-          <p:cNvSpPr txBox="1"/>
+          <p:cNvSpPr txBox="1">
+            <a:spLocks noGrp="1"/>
+          </p:cNvSpPr>
           <p:nvPr>
-            <p:ph idx="1" type="body"/>
+            <p:ph type="body" idx="1"/>
           </p:nvPr>
         </p:nvSpPr>
         <p:spPr>
@@ -1328,7 +1503,7 @@
           </a:prstGeom>
         </p:spPr>
         <p:txBody>
-          <a:bodyPr anchorCtr="0" anchor="t" bIns="91425" lIns="91425" rIns="91425" wrap="square" tIns="91425">
+          <a:bodyPr wrap="square" lIns="91425" tIns="91425" rIns="91425" bIns="91425" anchor="t" anchorCtr="0">
             <a:noAutofit/>
           </a:bodyPr>
           <a:lstStyle/>
@@ -1339,9 +1514,6 @@
               </a:spcBef>
               <a:buNone/>
             </a:pPr>
-            <a:r>
-              <a:t/>
-            </a:r>
             <a:endParaRPr/>
           </a:p>
         </p:txBody>
@@ -1355,11 +1527,11 @@
 </file>
 
 <file path=ppt/notesSlides/notesSlide19.xml><?xml version="1.0" encoding="utf-8"?>
-<p:notes xmlns:a="http://schemas.openxmlformats.org/drawingml/2006/main" xmlns:r="http://schemas.openxmlformats.org/officeDocument/2006/relationships" xmlns:mc="http://schemas.openxmlformats.org/markup-compatibility/2006" xmlns:mv="urn:schemas-microsoft-com:mac:vml" xmlns:p="http://schemas.openxmlformats.org/presentationml/2006/main" xmlns:c="http://schemas.openxmlformats.org/drawingml/2006/chart" xmlns:dgm="http://schemas.openxmlformats.org/drawingml/2006/diagram" xmlns:o="urn:schemas-microsoft-com:office:office" xmlns:v="urn:schemas-microsoft-com:vml" xmlns:pvml="urn:schemas-microsoft-com:office:powerpoint" xmlns:com="http://schemas.openxmlformats.org/drawingml/2006/compatibility" xmlns:p14="http://schemas.microsoft.com/office/powerpoint/2010/main" xmlns:p15="http://schemas.microsoft.com/office/powerpoint/2012/main" showMasterPhAnim="0" showMasterSp="0">
+<p:notes xmlns:a="http://schemas.openxmlformats.org/drawingml/2006/main" xmlns:r="http://schemas.openxmlformats.org/officeDocument/2006/relationships" xmlns:p="http://schemas.openxmlformats.org/presentationml/2006/main" showMasterSp="0" showMasterPhAnim="0">
   <p:cSld>
     <p:spTree>
       <p:nvGrpSpPr>
-        <p:cNvPr id="172" name="Shape 172"/>
+        <p:cNvPr id="1" name="Shape 172"/>
         <p:cNvGrpSpPr/>
         <p:nvPr/>
       </p:nvGrpSpPr>
@@ -1374,19 +1546,26 @@
       <p:sp>
         <p:nvSpPr>
           <p:cNvPr id="173" name="Shape 173"/>
-          <p:cNvSpPr/>
+          <p:cNvSpPr>
+            <a:spLocks noGrp="1" noRot="1" noChangeAspect="1"/>
+          </p:cNvSpPr>
           <p:nvPr>
-            <p:ph idx="2" type="sldImg"/>
+            <p:ph type="sldImg" idx="2"/>
           </p:nvPr>
         </p:nvSpPr>
         <p:spPr>
           <a:xfrm>
-            <a:off x="381187" y="685800"/>
-            <a:ext cx="6096299" cy="3429000"/>
+            <a:off x="381000" y="685800"/>
+            <a:ext cx="6096000" cy="3429000"/>
           </a:xfrm>
           <a:custGeom>
+            <a:avLst/>
+            <a:gdLst/>
+            <a:ahLst/>
+            <a:cxnLst/>
+            <a:rect l="0" t="0" r="0" b="0"/>
             <a:pathLst>
-              <a:path extrusionOk="0" h="120000" w="120000">
+              <a:path w="120000" h="120000" extrusionOk="0">
                 <a:moveTo>
                   <a:pt x="0" y="0"/>
                 </a:moveTo>
@@ -1408,9 +1587,11 @@
       <p:sp>
         <p:nvSpPr>
           <p:cNvPr id="174" name="Shape 174"/>
-          <p:cNvSpPr txBox="1"/>
+          <p:cNvSpPr txBox="1">
+            <a:spLocks noGrp="1"/>
+          </p:cNvSpPr>
           <p:nvPr>
-            <p:ph idx="1" type="body"/>
+            <p:ph type="body" idx="1"/>
           </p:nvPr>
         </p:nvSpPr>
         <p:spPr>
@@ -1423,7 +1604,7 @@
           </a:prstGeom>
         </p:spPr>
         <p:txBody>
-          <a:bodyPr anchorCtr="0" anchor="t" bIns="91425" lIns="91425" rIns="91425" wrap="square" tIns="91425">
+          <a:bodyPr wrap="square" lIns="91425" tIns="91425" rIns="91425" bIns="91425" anchor="t" anchorCtr="0">
             <a:noAutofit/>
           </a:bodyPr>
           <a:lstStyle/>
@@ -1434,9 +1615,6 @@
               </a:spcBef>
               <a:buNone/>
             </a:pPr>
-            <a:r>
-              <a:t/>
-            </a:r>
             <a:endParaRPr/>
           </a:p>
         </p:txBody>
@@ -1450,11 +1628,11 @@
 </file>
 
 <file path=ppt/notesSlides/notesSlide2.xml><?xml version="1.0" encoding="utf-8"?>
-<p:notes xmlns:a="http://schemas.openxmlformats.org/drawingml/2006/main" xmlns:r="http://schemas.openxmlformats.org/officeDocument/2006/relationships" xmlns:mc="http://schemas.openxmlformats.org/markup-compatibility/2006" xmlns:mv="urn:schemas-microsoft-com:mac:vml" xmlns:p="http://schemas.openxmlformats.org/presentationml/2006/main" xmlns:c="http://schemas.openxmlformats.org/drawingml/2006/chart" xmlns:dgm="http://schemas.openxmlformats.org/drawingml/2006/diagram" xmlns:o="urn:schemas-microsoft-com:office:office" xmlns:v="urn:schemas-microsoft-com:vml" xmlns:pvml="urn:schemas-microsoft-com:office:powerpoint" xmlns:com="http://schemas.openxmlformats.org/drawingml/2006/compatibility" xmlns:p14="http://schemas.microsoft.com/office/powerpoint/2010/main" xmlns:p15="http://schemas.microsoft.com/office/powerpoint/2012/main" showMasterPhAnim="0" showMasterSp="0">
+<p:notes xmlns:a="http://schemas.openxmlformats.org/drawingml/2006/main" xmlns:r="http://schemas.openxmlformats.org/officeDocument/2006/relationships" xmlns:p="http://schemas.openxmlformats.org/presentationml/2006/main" showMasterSp="0" showMasterPhAnim="0">
   <p:cSld>
     <p:spTree>
       <p:nvGrpSpPr>
-        <p:cNvPr id="70" name="Shape 70"/>
+        <p:cNvPr id="1" name="Shape 70"/>
         <p:cNvGrpSpPr/>
         <p:nvPr/>
       </p:nvGrpSpPr>
@@ -1469,19 +1647,26 @@
       <p:sp>
         <p:nvSpPr>
           <p:cNvPr id="71" name="Shape 71"/>
-          <p:cNvSpPr/>
+          <p:cNvSpPr>
+            <a:spLocks noGrp="1" noRot="1" noChangeAspect="1"/>
+          </p:cNvSpPr>
           <p:nvPr>
-            <p:ph idx="2" type="sldImg"/>
+            <p:ph type="sldImg" idx="2"/>
           </p:nvPr>
         </p:nvSpPr>
         <p:spPr>
           <a:xfrm>
-            <a:off x="381187" y="685800"/>
-            <a:ext cx="6096299" cy="3429000"/>
+            <a:off x="381000" y="685800"/>
+            <a:ext cx="6096000" cy="3429000"/>
           </a:xfrm>
           <a:custGeom>
+            <a:avLst/>
+            <a:gdLst/>
+            <a:ahLst/>
+            <a:cxnLst/>
+            <a:rect l="0" t="0" r="0" b="0"/>
             <a:pathLst>
-              <a:path extrusionOk="0" h="120000" w="120000">
+              <a:path w="120000" h="120000" extrusionOk="0">
                 <a:moveTo>
                   <a:pt x="0" y="0"/>
                 </a:moveTo>
@@ -1503,9 +1688,11 @@
       <p:sp>
         <p:nvSpPr>
           <p:cNvPr id="72" name="Shape 72"/>
-          <p:cNvSpPr txBox="1"/>
+          <p:cNvSpPr txBox="1">
+            <a:spLocks noGrp="1"/>
+          </p:cNvSpPr>
           <p:nvPr>
-            <p:ph idx="1" type="body"/>
+            <p:ph type="body" idx="1"/>
           </p:nvPr>
         </p:nvSpPr>
         <p:spPr>
@@ -1518,7 +1705,7 @@
           </a:prstGeom>
         </p:spPr>
         <p:txBody>
-          <a:bodyPr anchorCtr="0" anchor="t" bIns="91425" lIns="91425" rIns="91425" wrap="square" tIns="91425">
+          <a:bodyPr wrap="square" lIns="91425" tIns="91425" rIns="91425" bIns="91425" anchor="t" anchorCtr="0">
             <a:noAutofit/>
           </a:bodyPr>
           <a:lstStyle/>
@@ -1529,9 +1716,6 @@
               </a:spcBef>
               <a:buNone/>
             </a:pPr>
-            <a:r>
-              <a:t/>
-            </a:r>
             <a:endParaRPr/>
           </a:p>
         </p:txBody>
@@ -1545,11 +1729,11 @@
 </file>
 
 <file path=ppt/notesSlides/notesSlide20.xml><?xml version="1.0" encoding="utf-8"?>
-<p:notes xmlns:a="http://schemas.openxmlformats.org/drawingml/2006/main" xmlns:r="http://schemas.openxmlformats.org/officeDocument/2006/relationships" xmlns:mc="http://schemas.openxmlformats.org/markup-compatibility/2006" xmlns:mv="urn:schemas-microsoft-com:mac:vml" xmlns:p="http://schemas.openxmlformats.org/presentationml/2006/main" xmlns:c="http://schemas.openxmlformats.org/drawingml/2006/chart" xmlns:dgm="http://schemas.openxmlformats.org/drawingml/2006/diagram" xmlns:o="urn:schemas-microsoft-com:office:office" xmlns:v="urn:schemas-microsoft-com:vml" xmlns:pvml="urn:schemas-microsoft-com:office:powerpoint" xmlns:com="http://schemas.openxmlformats.org/drawingml/2006/compatibility" xmlns:p14="http://schemas.microsoft.com/office/powerpoint/2010/main" xmlns:p15="http://schemas.microsoft.com/office/powerpoint/2012/main" showMasterPhAnim="0" showMasterSp="0">
+<p:notes xmlns:a="http://schemas.openxmlformats.org/drawingml/2006/main" xmlns:r="http://schemas.openxmlformats.org/officeDocument/2006/relationships" xmlns:p="http://schemas.openxmlformats.org/presentationml/2006/main" showMasterSp="0" showMasterPhAnim="0">
   <p:cSld>
     <p:spTree>
       <p:nvGrpSpPr>
-        <p:cNvPr id="178" name="Shape 178"/>
+        <p:cNvPr id="1" name="Shape 178"/>
         <p:cNvGrpSpPr/>
         <p:nvPr/>
       </p:nvGrpSpPr>
@@ -1564,19 +1748,26 @@
       <p:sp>
         <p:nvSpPr>
           <p:cNvPr id="179" name="Shape 179"/>
-          <p:cNvSpPr/>
+          <p:cNvSpPr>
+            <a:spLocks noGrp="1" noRot="1" noChangeAspect="1"/>
+          </p:cNvSpPr>
           <p:nvPr>
-            <p:ph idx="2" type="sldImg"/>
+            <p:ph type="sldImg" idx="2"/>
           </p:nvPr>
         </p:nvSpPr>
         <p:spPr>
           <a:xfrm>
-            <a:off x="381300" y="685800"/>
+            <a:off x="381000" y="685800"/>
             <a:ext cx="6096000" cy="3429000"/>
           </a:xfrm>
           <a:custGeom>
+            <a:avLst/>
+            <a:gdLst/>
+            <a:ahLst/>
+            <a:cxnLst/>
+            <a:rect l="0" t="0" r="0" b="0"/>
             <a:pathLst>
-              <a:path extrusionOk="0" h="120000" w="120000">
+              <a:path w="120000" h="120000" extrusionOk="0">
                 <a:moveTo>
                   <a:pt x="0" y="0"/>
                 </a:moveTo>
@@ -1598,9 +1789,11 @@
       <p:sp>
         <p:nvSpPr>
           <p:cNvPr id="180" name="Shape 180"/>
-          <p:cNvSpPr txBox="1"/>
+          <p:cNvSpPr txBox="1">
+            <a:spLocks noGrp="1"/>
+          </p:cNvSpPr>
           <p:nvPr>
-            <p:ph idx="1" type="body"/>
+            <p:ph type="body" idx="1"/>
           </p:nvPr>
         </p:nvSpPr>
         <p:spPr>
@@ -1613,7 +1806,7 @@
           </a:prstGeom>
         </p:spPr>
         <p:txBody>
-          <a:bodyPr anchorCtr="0" anchor="t" bIns="91425" lIns="91425" rIns="91425" wrap="square" tIns="91425">
+          <a:bodyPr wrap="square" lIns="91425" tIns="91425" rIns="91425" bIns="91425" anchor="t" anchorCtr="0">
             <a:noAutofit/>
           </a:bodyPr>
           <a:lstStyle/>
@@ -1624,9 +1817,6 @@
               </a:spcBef>
               <a:buNone/>
             </a:pPr>
-            <a:r>
-              <a:t/>
-            </a:r>
             <a:endParaRPr/>
           </a:p>
         </p:txBody>
@@ -1640,11 +1830,11 @@
 </file>
 
 <file path=ppt/notesSlides/notesSlide21.xml><?xml version="1.0" encoding="utf-8"?>
-<p:notes xmlns:a="http://schemas.openxmlformats.org/drawingml/2006/main" xmlns:r="http://schemas.openxmlformats.org/officeDocument/2006/relationships" xmlns:mc="http://schemas.openxmlformats.org/markup-compatibility/2006" xmlns:mv="urn:schemas-microsoft-com:mac:vml" xmlns:p="http://schemas.openxmlformats.org/presentationml/2006/main" xmlns:c="http://schemas.openxmlformats.org/drawingml/2006/chart" xmlns:dgm="http://schemas.openxmlformats.org/drawingml/2006/diagram" xmlns:o="urn:schemas-microsoft-com:office:office" xmlns:v="urn:schemas-microsoft-com:vml" xmlns:pvml="urn:schemas-microsoft-com:office:powerpoint" xmlns:com="http://schemas.openxmlformats.org/drawingml/2006/compatibility" xmlns:p14="http://schemas.microsoft.com/office/powerpoint/2010/main" xmlns:p15="http://schemas.microsoft.com/office/powerpoint/2012/main" showMasterPhAnim="0" showMasterSp="0">
+<p:notes xmlns:a="http://schemas.openxmlformats.org/drawingml/2006/main" xmlns:r="http://schemas.openxmlformats.org/officeDocument/2006/relationships" xmlns:p="http://schemas.openxmlformats.org/presentationml/2006/main" showMasterSp="0" showMasterPhAnim="0">
   <p:cSld>
     <p:spTree>
       <p:nvGrpSpPr>
-        <p:cNvPr id="184" name="Shape 184"/>
+        <p:cNvPr id="1" name="Shape 184"/>
         <p:cNvGrpSpPr/>
         <p:nvPr/>
       </p:nvGrpSpPr>
@@ -1659,19 +1849,26 @@
       <p:sp>
         <p:nvSpPr>
           <p:cNvPr id="185" name="Shape 185"/>
-          <p:cNvSpPr/>
+          <p:cNvSpPr>
+            <a:spLocks noGrp="1" noRot="1" noChangeAspect="1"/>
+          </p:cNvSpPr>
           <p:nvPr>
-            <p:ph idx="2" type="sldImg"/>
+            <p:ph type="sldImg" idx="2"/>
           </p:nvPr>
         </p:nvSpPr>
         <p:spPr>
           <a:xfrm>
-            <a:off x="381187" y="685800"/>
-            <a:ext cx="6096299" cy="3429000"/>
+            <a:off x="381000" y="685800"/>
+            <a:ext cx="6096000" cy="3429000"/>
           </a:xfrm>
           <a:custGeom>
+            <a:avLst/>
+            <a:gdLst/>
+            <a:ahLst/>
+            <a:cxnLst/>
+            <a:rect l="0" t="0" r="0" b="0"/>
             <a:pathLst>
-              <a:path extrusionOk="0" h="120000" w="120000">
+              <a:path w="120000" h="120000" extrusionOk="0">
                 <a:moveTo>
                   <a:pt x="0" y="0"/>
                 </a:moveTo>
@@ -1693,9 +1890,11 @@
       <p:sp>
         <p:nvSpPr>
           <p:cNvPr id="186" name="Shape 186"/>
-          <p:cNvSpPr txBox="1"/>
+          <p:cNvSpPr txBox="1">
+            <a:spLocks noGrp="1"/>
+          </p:cNvSpPr>
           <p:nvPr>
-            <p:ph idx="1" type="body"/>
+            <p:ph type="body" idx="1"/>
           </p:nvPr>
         </p:nvSpPr>
         <p:spPr>
@@ -1708,7 +1907,7 @@
           </a:prstGeom>
         </p:spPr>
         <p:txBody>
-          <a:bodyPr anchorCtr="0" anchor="t" bIns="91425" lIns="91425" rIns="91425" wrap="square" tIns="91425">
+          <a:bodyPr wrap="square" lIns="91425" tIns="91425" rIns="91425" bIns="91425" anchor="t" anchorCtr="0">
             <a:noAutofit/>
           </a:bodyPr>
           <a:lstStyle/>
@@ -1719,9 +1918,6 @@
               </a:spcBef>
               <a:buNone/>
             </a:pPr>
-            <a:r>
-              <a:t/>
-            </a:r>
             <a:endParaRPr/>
           </a:p>
         </p:txBody>
@@ -1735,11 +1931,11 @@
 </file>
 
 <file path=ppt/notesSlides/notesSlide3.xml><?xml version="1.0" encoding="utf-8"?>
-<p:notes xmlns:a="http://schemas.openxmlformats.org/drawingml/2006/main" xmlns:r="http://schemas.openxmlformats.org/officeDocument/2006/relationships" xmlns:mc="http://schemas.openxmlformats.org/markup-compatibility/2006" xmlns:mv="urn:schemas-microsoft-com:mac:vml" xmlns:p="http://schemas.openxmlformats.org/presentationml/2006/main" xmlns:c="http://schemas.openxmlformats.org/drawingml/2006/chart" xmlns:dgm="http://schemas.openxmlformats.org/drawingml/2006/diagram" xmlns:o="urn:schemas-microsoft-com:office:office" xmlns:v="urn:schemas-microsoft-com:vml" xmlns:pvml="urn:schemas-microsoft-com:office:powerpoint" xmlns:com="http://schemas.openxmlformats.org/drawingml/2006/compatibility" xmlns:p14="http://schemas.microsoft.com/office/powerpoint/2010/main" xmlns:p15="http://schemas.microsoft.com/office/powerpoint/2012/main" showMasterPhAnim="0" showMasterSp="0">
+<p:notes xmlns:a="http://schemas.openxmlformats.org/drawingml/2006/main" xmlns:r="http://schemas.openxmlformats.org/officeDocument/2006/relationships" xmlns:p="http://schemas.openxmlformats.org/presentationml/2006/main" showMasterSp="0" showMasterPhAnim="0">
   <p:cSld>
     <p:spTree>
       <p:nvGrpSpPr>
-        <p:cNvPr id="76" name="Shape 76"/>
+        <p:cNvPr id="1" name="Shape 76"/>
         <p:cNvGrpSpPr/>
         <p:nvPr/>
       </p:nvGrpSpPr>
@@ -1754,19 +1950,26 @@
       <p:sp>
         <p:nvSpPr>
           <p:cNvPr id="77" name="Shape 77"/>
-          <p:cNvSpPr/>
+          <p:cNvSpPr>
+            <a:spLocks noGrp="1" noRot="1" noChangeAspect="1"/>
+          </p:cNvSpPr>
           <p:nvPr>
-            <p:ph idx="2" type="sldImg"/>
+            <p:ph type="sldImg" idx="2"/>
           </p:nvPr>
         </p:nvSpPr>
         <p:spPr>
           <a:xfrm>
-            <a:off x="381187" y="685800"/>
-            <a:ext cx="6096299" cy="3429000"/>
+            <a:off x="381000" y="685800"/>
+            <a:ext cx="6096000" cy="3429000"/>
           </a:xfrm>
           <a:custGeom>
+            <a:avLst/>
+            <a:gdLst/>
+            <a:ahLst/>
+            <a:cxnLst/>
+            <a:rect l="0" t="0" r="0" b="0"/>
             <a:pathLst>
-              <a:path extrusionOk="0" h="120000" w="120000">
+              <a:path w="120000" h="120000" extrusionOk="0">
                 <a:moveTo>
                   <a:pt x="0" y="0"/>
                 </a:moveTo>
@@ -1788,9 +1991,11 @@
       <p:sp>
         <p:nvSpPr>
           <p:cNvPr id="78" name="Shape 78"/>
-          <p:cNvSpPr txBox="1"/>
+          <p:cNvSpPr txBox="1">
+            <a:spLocks noGrp="1"/>
+          </p:cNvSpPr>
           <p:nvPr>
-            <p:ph idx="1" type="body"/>
+            <p:ph type="body" idx="1"/>
           </p:nvPr>
         </p:nvSpPr>
         <p:spPr>
@@ -1803,7 +2008,7 @@
           </a:prstGeom>
         </p:spPr>
         <p:txBody>
-          <a:bodyPr anchorCtr="0" anchor="t" bIns="91425" lIns="91425" rIns="91425" wrap="square" tIns="91425">
+          <a:bodyPr wrap="square" lIns="91425" tIns="91425" rIns="91425" bIns="91425" anchor="t" anchorCtr="0">
             <a:noAutofit/>
           </a:bodyPr>
           <a:lstStyle/>
@@ -1814,9 +2019,6 @@
               </a:spcBef>
               <a:buNone/>
             </a:pPr>
-            <a:r>
-              <a:t/>
-            </a:r>
             <a:endParaRPr/>
           </a:p>
         </p:txBody>
@@ -1830,11 +2032,11 @@
 </file>
 
 <file path=ppt/notesSlides/notesSlide4.xml><?xml version="1.0" encoding="utf-8"?>
-<p:notes xmlns:a="http://schemas.openxmlformats.org/drawingml/2006/main" xmlns:r="http://schemas.openxmlformats.org/officeDocument/2006/relationships" xmlns:mc="http://schemas.openxmlformats.org/markup-compatibility/2006" xmlns:mv="urn:schemas-microsoft-com:mac:vml" xmlns:p="http://schemas.openxmlformats.org/presentationml/2006/main" xmlns:c="http://schemas.openxmlformats.org/drawingml/2006/chart" xmlns:dgm="http://schemas.openxmlformats.org/drawingml/2006/diagram" xmlns:o="urn:schemas-microsoft-com:office:office" xmlns:v="urn:schemas-microsoft-com:vml" xmlns:pvml="urn:schemas-microsoft-com:office:powerpoint" xmlns:com="http://schemas.openxmlformats.org/drawingml/2006/compatibility" xmlns:p14="http://schemas.microsoft.com/office/powerpoint/2010/main" xmlns:p15="http://schemas.microsoft.com/office/powerpoint/2012/main" showMasterPhAnim="0" showMasterSp="0">
+<p:notes xmlns:a="http://schemas.openxmlformats.org/drawingml/2006/main" xmlns:r="http://schemas.openxmlformats.org/officeDocument/2006/relationships" xmlns:p="http://schemas.openxmlformats.org/presentationml/2006/main" showMasterSp="0" showMasterPhAnim="0">
   <p:cSld>
     <p:spTree>
       <p:nvGrpSpPr>
-        <p:cNvPr id="82" name="Shape 82"/>
+        <p:cNvPr id="1" name="Shape 82"/>
         <p:cNvGrpSpPr/>
         <p:nvPr/>
       </p:nvGrpSpPr>
@@ -1849,19 +2051,26 @@
       <p:sp>
         <p:nvSpPr>
           <p:cNvPr id="83" name="Shape 83"/>
-          <p:cNvSpPr/>
+          <p:cNvSpPr>
+            <a:spLocks noGrp="1" noRot="1" noChangeAspect="1"/>
+          </p:cNvSpPr>
           <p:nvPr>
-            <p:ph idx="2" type="sldImg"/>
+            <p:ph type="sldImg" idx="2"/>
           </p:nvPr>
         </p:nvSpPr>
         <p:spPr>
           <a:xfrm>
-            <a:off x="381187" y="685800"/>
-            <a:ext cx="6096299" cy="3429000"/>
+            <a:off x="381000" y="685800"/>
+            <a:ext cx="6096000" cy="3429000"/>
           </a:xfrm>
           <a:custGeom>
+            <a:avLst/>
+            <a:gdLst/>
+            <a:ahLst/>
+            <a:cxnLst/>
+            <a:rect l="0" t="0" r="0" b="0"/>
             <a:pathLst>
-              <a:path extrusionOk="0" h="120000" w="120000">
+              <a:path w="120000" h="120000" extrusionOk="0">
                 <a:moveTo>
                   <a:pt x="0" y="0"/>
                 </a:moveTo>
@@ -1883,9 +2092,11 @@
       <p:sp>
         <p:nvSpPr>
           <p:cNvPr id="84" name="Shape 84"/>
-          <p:cNvSpPr txBox="1"/>
+          <p:cNvSpPr txBox="1">
+            <a:spLocks noGrp="1"/>
+          </p:cNvSpPr>
           <p:nvPr>
-            <p:ph idx="1" type="body"/>
+            <p:ph type="body" idx="1"/>
           </p:nvPr>
         </p:nvSpPr>
         <p:spPr>
@@ -1898,7 +2109,7 @@
           </a:prstGeom>
         </p:spPr>
         <p:txBody>
-          <a:bodyPr anchorCtr="0" anchor="t" bIns="91425" lIns="91425" rIns="91425" wrap="square" tIns="91425">
+          <a:bodyPr wrap="square" lIns="91425" tIns="91425" rIns="91425" bIns="91425" anchor="t" anchorCtr="0">
             <a:noAutofit/>
           </a:bodyPr>
           <a:lstStyle/>
@@ -1909,9 +2120,6 @@
               </a:spcBef>
               <a:buNone/>
             </a:pPr>
-            <a:r>
-              <a:t/>
-            </a:r>
             <a:endParaRPr/>
           </a:p>
         </p:txBody>
@@ -1925,11 +2133,11 @@
 </file>
 
 <file path=ppt/notesSlides/notesSlide5.xml><?xml version="1.0" encoding="utf-8"?>
-<p:notes xmlns:a="http://schemas.openxmlformats.org/drawingml/2006/main" xmlns:r="http://schemas.openxmlformats.org/officeDocument/2006/relationships" xmlns:mc="http://schemas.openxmlformats.org/markup-compatibility/2006" xmlns:mv="urn:schemas-microsoft-com:mac:vml" xmlns:p="http://schemas.openxmlformats.org/presentationml/2006/main" xmlns:c="http://schemas.openxmlformats.org/drawingml/2006/chart" xmlns:dgm="http://schemas.openxmlformats.org/drawingml/2006/diagram" xmlns:o="urn:schemas-microsoft-com:office:office" xmlns:v="urn:schemas-microsoft-com:vml" xmlns:pvml="urn:schemas-microsoft-com:office:powerpoint" xmlns:com="http://schemas.openxmlformats.org/drawingml/2006/compatibility" xmlns:p14="http://schemas.microsoft.com/office/powerpoint/2010/main" xmlns:p15="http://schemas.microsoft.com/office/powerpoint/2012/main" showMasterPhAnim="0" showMasterSp="0">
+<p:notes xmlns:a="http://schemas.openxmlformats.org/drawingml/2006/main" xmlns:r="http://schemas.openxmlformats.org/officeDocument/2006/relationships" xmlns:p="http://schemas.openxmlformats.org/presentationml/2006/main" showMasterSp="0" showMasterPhAnim="0">
   <p:cSld>
     <p:spTree>
       <p:nvGrpSpPr>
-        <p:cNvPr id="88" name="Shape 88"/>
+        <p:cNvPr id="1" name="Shape 88"/>
         <p:cNvGrpSpPr/>
         <p:nvPr/>
       </p:nvGrpSpPr>
@@ -1944,19 +2152,26 @@
       <p:sp>
         <p:nvSpPr>
           <p:cNvPr id="89" name="Shape 89"/>
-          <p:cNvSpPr/>
+          <p:cNvSpPr>
+            <a:spLocks noGrp="1" noRot="1" noChangeAspect="1"/>
+          </p:cNvSpPr>
           <p:nvPr>
-            <p:ph idx="2" type="sldImg"/>
+            <p:ph type="sldImg" idx="2"/>
           </p:nvPr>
         </p:nvSpPr>
         <p:spPr>
           <a:xfrm>
-            <a:off x="381300" y="685800"/>
+            <a:off x="381000" y="685800"/>
             <a:ext cx="6096000" cy="3429000"/>
           </a:xfrm>
           <a:custGeom>
+            <a:avLst/>
+            <a:gdLst/>
+            <a:ahLst/>
+            <a:cxnLst/>
+            <a:rect l="0" t="0" r="0" b="0"/>
             <a:pathLst>
-              <a:path extrusionOk="0" h="120000" w="120000">
+              <a:path w="120000" h="120000" extrusionOk="0">
                 <a:moveTo>
                   <a:pt x="0" y="0"/>
                 </a:moveTo>
@@ -1978,9 +2193,11 @@
       <p:sp>
         <p:nvSpPr>
           <p:cNvPr id="90" name="Shape 90"/>
-          <p:cNvSpPr txBox="1"/>
+          <p:cNvSpPr txBox="1">
+            <a:spLocks noGrp="1"/>
+          </p:cNvSpPr>
           <p:nvPr>
-            <p:ph idx="1" type="body"/>
+            <p:ph type="body" idx="1"/>
           </p:nvPr>
         </p:nvSpPr>
         <p:spPr>
@@ -1993,7 +2210,7 @@
           </a:prstGeom>
         </p:spPr>
         <p:txBody>
-          <a:bodyPr anchorCtr="0" anchor="t" bIns="91425" lIns="91425" rIns="91425" wrap="square" tIns="91425">
+          <a:bodyPr wrap="square" lIns="91425" tIns="91425" rIns="91425" bIns="91425" anchor="t" anchorCtr="0">
             <a:noAutofit/>
           </a:bodyPr>
           <a:lstStyle/>
@@ -2004,9 +2221,6 @@
               </a:spcBef>
               <a:buNone/>
             </a:pPr>
-            <a:r>
-              <a:t/>
-            </a:r>
             <a:endParaRPr/>
           </a:p>
         </p:txBody>
@@ -2020,11 +2234,11 @@
 </file>
 
 <file path=ppt/notesSlides/notesSlide6.xml><?xml version="1.0" encoding="utf-8"?>
-<p:notes xmlns:a="http://schemas.openxmlformats.org/drawingml/2006/main" xmlns:r="http://schemas.openxmlformats.org/officeDocument/2006/relationships" xmlns:mc="http://schemas.openxmlformats.org/markup-compatibility/2006" xmlns:mv="urn:schemas-microsoft-com:mac:vml" xmlns:p="http://schemas.openxmlformats.org/presentationml/2006/main" xmlns:c="http://schemas.openxmlformats.org/drawingml/2006/chart" xmlns:dgm="http://schemas.openxmlformats.org/drawingml/2006/diagram" xmlns:o="urn:schemas-microsoft-com:office:office" xmlns:v="urn:schemas-microsoft-com:vml" xmlns:pvml="urn:schemas-microsoft-com:office:powerpoint" xmlns:com="http://schemas.openxmlformats.org/drawingml/2006/compatibility" xmlns:p14="http://schemas.microsoft.com/office/powerpoint/2010/main" xmlns:p15="http://schemas.microsoft.com/office/powerpoint/2012/main" showMasterPhAnim="0" showMasterSp="0">
+<p:notes xmlns:a="http://schemas.openxmlformats.org/drawingml/2006/main" xmlns:r="http://schemas.openxmlformats.org/officeDocument/2006/relationships" xmlns:p="http://schemas.openxmlformats.org/presentationml/2006/main" showMasterSp="0" showMasterPhAnim="0">
   <p:cSld>
     <p:spTree>
       <p:nvGrpSpPr>
-        <p:cNvPr id="94" name="Shape 94"/>
+        <p:cNvPr id="1" name="Shape 94"/>
         <p:cNvGrpSpPr/>
         <p:nvPr/>
       </p:nvGrpSpPr>
@@ -2039,19 +2253,26 @@
       <p:sp>
         <p:nvSpPr>
           <p:cNvPr id="95" name="Shape 95"/>
-          <p:cNvSpPr/>
+          <p:cNvSpPr>
+            <a:spLocks noGrp="1" noRot="1" noChangeAspect="1"/>
+          </p:cNvSpPr>
           <p:nvPr>
-            <p:ph idx="2" type="sldImg"/>
+            <p:ph type="sldImg" idx="2"/>
           </p:nvPr>
         </p:nvSpPr>
         <p:spPr>
           <a:xfrm>
-            <a:off x="381187" y="685800"/>
-            <a:ext cx="6096299" cy="3429000"/>
+            <a:off x="381000" y="685800"/>
+            <a:ext cx="6096000" cy="3429000"/>
           </a:xfrm>
           <a:custGeom>
+            <a:avLst/>
+            <a:gdLst/>
+            <a:ahLst/>
+            <a:cxnLst/>
+            <a:rect l="0" t="0" r="0" b="0"/>
             <a:pathLst>
-              <a:path extrusionOk="0" h="120000" w="120000">
+              <a:path w="120000" h="120000" extrusionOk="0">
                 <a:moveTo>
                   <a:pt x="0" y="0"/>
                 </a:moveTo>
@@ -2073,9 +2294,11 @@
       <p:sp>
         <p:nvSpPr>
           <p:cNvPr id="96" name="Shape 96"/>
-          <p:cNvSpPr txBox="1"/>
+          <p:cNvSpPr txBox="1">
+            <a:spLocks noGrp="1"/>
+          </p:cNvSpPr>
           <p:nvPr>
-            <p:ph idx="1" type="body"/>
+            <p:ph type="body" idx="1"/>
           </p:nvPr>
         </p:nvSpPr>
         <p:spPr>
@@ -2088,7 +2311,7 @@
           </a:prstGeom>
         </p:spPr>
         <p:txBody>
-          <a:bodyPr anchorCtr="0" anchor="t" bIns="91425" lIns="91425" rIns="91425" wrap="square" tIns="91425">
+          <a:bodyPr wrap="square" lIns="91425" tIns="91425" rIns="91425" bIns="91425" anchor="t" anchorCtr="0">
             <a:noAutofit/>
           </a:bodyPr>
           <a:lstStyle/>
@@ -2099,9 +2322,6 @@
               </a:spcBef>
               <a:buNone/>
             </a:pPr>
-            <a:r>
-              <a:t/>
-            </a:r>
             <a:endParaRPr/>
           </a:p>
         </p:txBody>
@@ -2115,11 +2335,11 @@
 </file>
 
 <file path=ppt/notesSlides/notesSlide7.xml><?xml version="1.0" encoding="utf-8"?>
-<p:notes xmlns:a="http://schemas.openxmlformats.org/drawingml/2006/main" xmlns:r="http://schemas.openxmlformats.org/officeDocument/2006/relationships" xmlns:mc="http://schemas.openxmlformats.org/markup-compatibility/2006" xmlns:mv="urn:schemas-microsoft-com:mac:vml" xmlns:p="http://schemas.openxmlformats.org/presentationml/2006/main" xmlns:c="http://schemas.openxmlformats.org/drawingml/2006/chart" xmlns:dgm="http://schemas.openxmlformats.org/drawingml/2006/diagram" xmlns:o="urn:schemas-microsoft-com:office:office" xmlns:v="urn:schemas-microsoft-com:vml" xmlns:pvml="urn:schemas-microsoft-com:office:powerpoint" xmlns:com="http://schemas.openxmlformats.org/drawingml/2006/compatibility" xmlns:p14="http://schemas.microsoft.com/office/powerpoint/2010/main" xmlns:p15="http://schemas.microsoft.com/office/powerpoint/2012/main" showMasterPhAnim="0" showMasterSp="0">
+<p:notes xmlns:a="http://schemas.openxmlformats.org/drawingml/2006/main" xmlns:r="http://schemas.openxmlformats.org/officeDocument/2006/relationships" xmlns:p="http://schemas.openxmlformats.org/presentationml/2006/main" showMasterSp="0" showMasterPhAnim="0">
   <p:cSld>
     <p:spTree>
       <p:nvGrpSpPr>
-        <p:cNvPr id="100" name="Shape 100"/>
+        <p:cNvPr id="1" name="Shape 100"/>
         <p:cNvGrpSpPr/>
         <p:nvPr/>
       </p:nvGrpSpPr>
@@ -2134,19 +2354,26 @@
       <p:sp>
         <p:nvSpPr>
           <p:cNvPr id="101" name="Shape 101"/>
-          <p:cNvSpPr/>
+          <p:cNvSpPr>
+            <a:spLocks noGrp="1" noRot="1" noChangeAspect="1"/>
+          </p:cNvSpPr>
           <p:nvPr>
-            <p:ph idx="2" type="sldImg"/>
+            <p:ph type="sldImg" idx="2"/>
           </p:nvPr>
         </p:nvSpPr>
         <p:spPr>
           <a:xfrm>
-            <a:off x="381187" y="685800"/>
-            <a:ext cx="6096299" cy="3429000"/>
+            <a:off x="381000" y="685800"/>
+            <a:ext cx="6096000" cy="3429000"/>
           </a:xfrm>
           <a:custGeom>
+            <a:avLst/>
+            <a:gdLst/>
+            <a:ahLst/>
+            <a:cxnLst/>
+            <a:rect l="0" t="0" r="0" b="0"/>
             <a:pathLst>
-              <a:path extrusionOk="0" h="120000" w="120000">
+              <a:path w="120000" h="120000" extrusionOk="0">
                 <a:moveTo>
                   <a:pt x="0" y="0"/>
                 </a:moveTo>
@@ -2168,9 +2395,11 @@
       <p:sp>
         <p:nvSpPr>
           <p:cNvPr id="102" name="Shape 102"/>
-          <p:cNvSpPr txBox="1"/>
+          <p:cNvSpPr txBox="1">
+            <a:spLocks noGrp="1"/>
+          </p:cNvSpPr>
           <p:nvPr>
-            <p:ph idx="1" type="body"/>
+            <p:ph type="body" idx="1"/>
           </p:nvPr>
         </p:nvSpPr>
         <p:spPr>
@@ -2183,7 +2412,7 @@
           </a:prstGeom>
         </p:spPr>
         <p:txBody>
-          <a:bodyPr anchorCtr="0" anchor="t" bIns="91425" lIns="91425" rIns="91425" wrap="square" tIns="91425">
+          <a:bodyPr wrap="square" lIns="91425" tIns="91425" rIns="91425" bIns="91425" anchor="t" anchorCtr="0">
             <a:noAutofit/>
           </a:bodyPr>
           <a:lstStyle/>
@@ -2194,9 +2423,6 @@
               </a:spcBef>
               <a:buNone/>
             </a:pPr>
-            <a:r>
-              <a:t/>
-            </a:r>
             <a:endParaRPr/>
           </a:p>
         </p:txBody>
@@ -2210,11 +2436,11 @@
 </file>
 
 <file path=ppt/notesSlides/notesSlide8.xml><?xml version="1.0" encoding="utf-8"?>
-<p:notes xmlns:a="http://schemas.openxmlformats.org/drawingml/2006/main" xmlns:r="http://schemas.openxmlformats.org/officeDocument/2006/relationships" xmlns:mc="http://schemas.openxmlformats.org/markup-compatibility/2006" xmlns:mv="urn:schemas-microsoft-com:mac:vml" xmlns:p="http://schemas.openxmlformats.org/presentationml/2006/main" xmlns:c="http://schemas.openxmlformats.org/drawingml/2006/chart" xmlns:dgm="http://schemas.openxmlformats.org/drawingml/2006/diagram" xmlns:o="urn:schemas-microsoft-com:office:office" xmlns:v="urn:schemas-microsoft-com:vml" xmlns:pvml="urn:schemas-microsoft-com:office:powerpoint" xmlns:com="http://schemas.openxmlformats.org/drawingml/2006/compatibility" xmlns:p14="http://schemas.microsoft.com/office/powerpoint/2010/main" xmlns:p15="http://schemas.microsoft.com/office/powerpoint/2012/main" showMasterPhAnim="0" showMasterSp="0">
+<p:notes xmlns:a="http://schemas.openxmlformats.org/drawingml/2006/main" xmlns:r="http://schemas.openxmlformats.org/officeDocument/2006/relationships" xmlns:p="http://schemas.openxmlformats.org/presentationml/2006/main" showMasterSp="0" showMasterPhAnim="0">
   <p:cSld>
     <p:spTree>
       <p:nvGrpSpPr>
-        <p:cNvPr id="106" name="Shape 106"/>
+        <p:cNvPr id="1" name="Shape 106"/>
         <p:cNvGrpSpPr/>
         <p:nvPr/>
       </p:nvGrpSpPr>
@@ -2229,19 +2455,26 @@
       <p:sp>
         <p:nvSpPr>
           <p:cNvPr id="107" name="Shape 107"/>
-          <p:cNvSpPr/>
+          <p:cNvSpPr>
+            <a:spLocks noGrp="1" noRot="1" noChangeAspect="1"/>
+          </p:cNvSpPr>
           <p:nvPr>
-            <p:ph idx="2" type="sldImg"/>
+            <p:ph type="sldImg" idx="2"/>
           </p:nvPr>
         </p:nvSpPr>
         <p:spPr>
           <a:xfrm>
-            <a:off x="381300" y="685800"/>
+            <a:off x="381000" y="685800"/>
             <a:ext cx="6096000" cy="3429000"/>
           </a:xfrm>
           <a:custGeom>
+            <a:avLst/>
+            <a:gdLst/>
+            <a:ahLst/>
+            <a:cxnLst/>
+            <a:rect l="0" t="0" r="0" b="0"/>
             <a:pathLst>
-              <a:path extrusionOk="0" h="120000" w="120000">
+              <a:path w="120000" h="120000" extrusionOk="0">
                 <a:moveTo>
                   <a:pt x="0" y="0"/>
                 </a:moveTo>
@@ -2263,9 +2496,11 @@
       <p:sp>
         <p:nvSpPr>
           <p:cNvPr id="108" name="Shape 108"/>
-          <p:cNvSpPr txBox="1"/>
+          <p:cNvSpPr txBox="1">
+            <a:spLocks noGrp="1"/>
+          </p:cNvSpPr>
           <p:nvPr>
-            <p:ph idx="1" type="body"/>
+            <p:ph type="body" idx="1"/>
           </p:nvPr>
         </p:nvSpPr>
         <p:spPr>
@@ -2278,7 +2513,7 @@
           </a:prstGeom>
         </p:spPr>
         <p:txBody>
-          <a:bodyPr anchorCtr="0" anchor="t" bIns="91425" lIns="91425" rIns="91425" wrap="square" tIns="91425">
+          <a:bodyPr wrap="square" lIns="91425" tIns="91425" rIns="91425" bIns="91425" anchor="t" anchorCtr="0">
             <a:noAutofit/>
           </a:bodyPr>
           <a:lstStyle/>
@@ -2289,9 +2524,6 @@
               </a:spcBef>
               <a:buNone/>
             </a:pPr>
-            <a:r>
-              <a:t/>
-            </a:r>
             <a:endParaRPr/>
           </a:p>
         </p:txBody>
@@ -2305,11 +2537,11 @@
 </file>
 
 <file path=ppt/notesSlides/notesSlide9.xml><?xml version="1.0" encoding="utf-8"?>
-<p:notes xmlns:a="http://schemas.openxmlformats.org/drawingml/2006/main" xmlns:r="http://schemas.openxmlformats.org/officeDocument/2006/relationships" xmlns:mc="http://schemas.openxmlformats.org/markup-compatibility/2006" xmlns:mv="urn:schemas-microsoft-com:mac:vml" xmlns:p="http://schemas.openxmlformats.org/presentationml/2006/main" xmlns:c="http://schemas.openxmlformats.org/drawingml/2006/chart" xmlns:dgm="http://schemas.openxmlformats.org/drawingml/2006/diagram" xmlns:o="urn:schemas-microsoft-com:office:office" xmlns:v="urn:schemas-microsoft-com:vml" xmlns:pvml="urn:schemas-microsoft-com:office:powerpoint" xmlns:com="http://schemas.openxmlformats.org/drawingml/2006/compatibility" xmlns:p14="http://schemas.microsoft.com/office/powerpoint/2010/main" xmlns:p15="http://schemas.microsoft.com/office/powerpoint/2012/main" showMasterPhAnim="0" showMasterSp="0">
+<p:notes xmlns:a="http://schemas.openxmlformats.org/drawingml/2006/main" xmlns:r="http://schemas.openxmlformats.org/officeDocument/2006/relationships" xmlns:p="http://schemas.openxmlformats.org/presentationml/2006/main" showMasterSp="0" showMasterPhAnim="0">
   <p:cSld>
     <p:spTree>
       <p:nvGrpSpPr>
-        <p:cNvPr id="112" name="Shape 112"/>
+        <p:cNvPr id="1" name="Shape 112"/>
         <p:cNvGrpSpPr/>
         <p:nvPr/>
       </p:nvGrpSpPr>
@@ -2324,19 +2556,26 @@
       <p:sp>
         <p:nvSpPr>
           <p:cNvPr id="113" name="Shape 113"/>
-          <p:cNvSpPr/>
+          <p:cNvSpPr>
+            <a:spLocks noGrp="1" noRot="1" noChangeAspect="1"/>
+          </p:cNvSpPr>
           <p:nvPr>
-            <p:ph idx="2" type="sldImg"/>
+            <p:ph type="sldImg" idx="2"/>
           </p:nvPr>
         </p:nvSpPr>
         <p:spPr>
           <a:xfrm>
-            <a:off x="381187" y="685800"/>
-            <a:ext cx="6096299" cy="3429000"/>
+            <a:off x="381000" y="685800"/>
+            <a:ext cx="6096000" cy="3429000"/>
           </a:xfrm>
           <a:custGeom>
+            <a:avLst/>
+            <a:gdLst/>
+            <a:ahLst/>
+            <a:cxnLst/>
+            <a:rect l="0" t="0" r="0" b="0"/>
             <a:pathLst>
-              <a:path extrusionOk="0" h="120000" w="120000">
+              <a:path w="120000" h="120000" extrusionOk="0">
                 <a:moveTo>
                   <a:pt x="0" y="0"/>
                 </a:moveTo>
@@ -2358,9 +2597,11 @@
       <p:sp>
         <p:nvSpPr>
           <p:cNvPr id="114" name="Shape 114"/>
-          <p:cNvSpPr txBox="1"/>
+          <p:cNvSpPr txBox="1">
+            <a:spLocks noGrp="1"/>
+          </p:cNvSpPr>
           <p:nvPr>
-            <p:ph idx="1" type="body"/>
+            <p:ph type="body" idx="1"/>
           </p:nvPr>
         </p:nvSpPr>
         <p:spPr>
@@ -2373,7 +2614,7 @@
           </a:prstGeom>
         </p:spPr>
         <p:txBody>
-          <a:bodyPr anchorCtr="0" anchor="t" bIns="91425" lIns="91425" rIns="91425" wrap="square" tIns="91425">
+          <a:bodyPr wrap="square" lIns="91425" tIns="91425" rIns="91425" bIns="91425" anchor="t" anchorCtr="0">
             <a:noAutofit/>
           </a:bodyPr>
           <a:lstStyle/>
@@ -2384,9 +2625,6 @@
               </a:spcBef>
               <a:buNone/>
             </a:pPr>
-            <a:r>
-              <a:t/>
-            </a:r>
             <a:endParaRPr/>
           </a:p>
         </p:txBody>
@@ -2400,11 +2638,11 @@
 </file>
 
 <file path=ppt/slideLayouts/slideLayout1.xml><?xml version="1.0" encoding="utf-8"?>
-<p:sldLayout xmlns:a="http://schemas.openxmlformats.org/drawingml/2006/main" xmlns:r="http://schemas.openxmlformats.org/officeDocument/2006/relationships" xmlns:mc="http://schemas.openxmlformats.org/markup-compatibility/2006" xmlns:mv="urn:schemas-microsoft-com:mac:vml" xmlns:p="http://schemas.openxmlformats.org/presentationml/2006/main" xmlns:c="http://schemas.openxmlformats.org/drawingml/2006/chart" xmlns:dgm="http://schemas.openxmlformats.org/drawingml/2006/diagram" xmlns:o="urn:schemas-microsoft-com:office:office" xmlns:v="urn:schemas-microsoft-com:vml" xmlns:pvml="urn:schemas-microsoft-com:office:powerpoint" xmlns:com="http://schemas.openxmlformats.org/drawingml/2006/compatibility" xmlns:p14="http://schemas.microsoft.com/office/powerpoint/2010/main" xmlns:p15="http://schemas.microsoft.com/office/powerpoint/2012/main" type="title">
+<p:sldLayout xmlns:a="http://schemas.openxmlformats.org/drawingml/2006/main" xmlns:r="http://schemas.openxmlformats.org/officeDocument/2006/relationships" xmlns:p="http://schemas.openxmlformats.org/presentationml/2006/main" type="title">
   <p:cSld name="Title slide">
     <p:spTree>
       <p:nvGrpSpPr>
-        <p:cNvPr id="9" name="Shape 9"/>
+        <p:cNvPr id="1" name="Shape 9"/>
         <p:cNvGrpSpPr/>
         <p:nvPr/>
       </p:nvGrpSpPr>
@@ -2438,7 +2676,7 @@
           </a:ln>
         </p:spPr>
         <p:txBody>
-          <a:bodyPr anchorCtr="0" anchor="ctr" bIns="91425" lIns="91425" rIns="91425" wrap="square" tIns="91425">
+          <a:bodyPr wrap="square" lIns="91425" tIns="91425" rIns="91425" bIns="91425" anchor="ctr" anchorCtr="0">
             <a:noAutofit/>
           </a:bodyPr>
           <a:lstStyle/>
@@ -2449,9 +2687,6 @@
               </a:spcBef>
               <a:buNone/>
             </a:pPr>
-            <a:r>
-              <a:t/>
-            </a:r>
             <a:endParaRPr/>
           </a:p>
         </p:txBody>
@@ -2469,7 +2704,7 @@
           </a:xfrm>
           <a:prstGeom prst="round1Rect">
             <a:avLst>
-              <a:gd fmla="val 16667" name="adj"/>
+              <a:gd name="adj" fmla="val 16667"/>
             </a:avLst>
           </a:prstGeom>
           <a:solidFill>
@@ -2482,7 +2717,7 @@
           </a:ln>
         </p:spPr>
         <p:txBody>
-          <a:bodyPr anchorCtr="0" anchor="ctr" bIns="91425" lIns="91425" rIns="91425" wrap="square" tIns="91425">
+          <a:bodyPr wrap="square" lIns="91425" tIns="91425" rIns="91425" bIns="91425" anchor="ctr" anchorCtr="0">
             <a:noAutofit/>
           </a:bodyPr>
           <a:lstStyle/>
@@ -2493,9 +2728,6 @@
               </a:spcBef>
               <a:buNone/>
             </a:pPr>
-            <a:r>
-              <a:t/>
-            </a:r>
             <a:endParaRPr/>
           </a:p>
         </p:txBody>
@@ -2503,7 +2735,9 @@
       <p:sp>
         <p:nvSpPr>
           <p:cNvPr id="12" name="Shape 12"/>
-          <p:cNvSpPr txBox="1"/>
+          <p:cNvSpPr txBox="1">
+            <a:spLocks noGrp="1"/>
+          </p:cNvSpPr>
           <p:nvPr>
             <p:ph type="ctrTitle"/>
           </p:nvPr>
@@ -2518,7 +2752,7 @@
           </a:prstGeom>
         </p:spPr>
         <p:txBody>
-          <a:bodyPr anchorCtr="0" anchor="b" bIns="91425" lIns="91425" rIns="91425" wrap="square" tIns="91425"/>
+          <a:bodyPr wrap="square" lIns="91425" tIns="91425" rIns="91425" bIns="91425" anchor="b" anchorCtr="0"/>
           <a:lstStyle>
             <a:lvl1pPr lvl="0">
               <a:spcBef>
@@ -2584,15 +2818,19 @@
               <a:defRPr sz="4800"/>
             </a:lvl9pPr>
           </a:lstStyle>
-          <a:p/>
+          <a:p>
+            <a:endParaRPr/>
+          </a:p>
         </p:txBody>
       </p:sp>
       <p:sp>
         <p:nvSpPr>
           <p:cNvPr id="13" name="Shape 13"/>
-          <p:cNvSpPr txBox="1"/>
+          <p:cNvSpPr txBox="1">
+            <a:spLocks noGrp="1"/>
+          </p:cNvSpPr>
           <p:nvPr>
-            <p:ph idx="1" type="subTitle"/>
+            <p:ph type="subTitle" idx="1"/>
           </p:nvPr>
         </p:nvSpPr>
         <p:spPr>
@@ -2605,7 +2843,7 @@
           </a:prstGeom>
         </p:spPr>
         <p:txBody>
-          <a:bodyPr anchorCtr="0" anchor="t" bIns="91425" lIns="91425" rIns="91425" wrap="square" tIns="91425"/>
+          <a:bodyPr wrap="square" lIns="91425" tIns="91425" rIns="91425" bIns="91425" anchor="t" anchorCtr="0"/>
           <a:lstStyle>
             <a:lvl1pPr lvl="0">
               <a:lnSpc>
@@ -2796,15 +3034,19 @@
               </a:defRPr>
             </a:lvl9pPr>
           </a:lstStyle>
-          <a:p/>
+          <a:p>
+            <a:endParaRPr/>
+          </a:p>
         </p:txBody>
       </p:sp>
       <p:sp>
         <p:nvSpPr>
           <p:cNvPr id="14" name="Shape 14"/>
-          <p:cNvSpPr txBox="1"/>
+          <p:cNvSpPr txBox="1">
+            <a:spLocks noGrp="1"/>
+          </p:cNvSpPr>
           <p:nvPr>
-            <p:ph idx="12" type="sldNum"/>
+            <p:ph type="sldNum" idx="12"/>
           </p:nvPr>
         </p:nvSpPr>
         <p:spPr>
@@ -2817,7 +3059,7 @@
           </a:prstGeom>
         </p:spPr>
         <p:txBody>
-          <a:bodyPr anchorCtr="0" anchor="ctr" bIns="91425" lIns="91425" rIns="91425" wrap="square" tIns="91425">
+          <a:bodyPr wrap="square" lIns="91425" tIns="91425" rIns="91425" bIns="91425" anchor="ctr" anchorCtr="0">
             <a:noAutofit/>
           </a:bodyPr>
           <a:lstStyle/>
@@ -2832,6 +3074,7 @@
               <a:rPr lang="en"/>
               <a:t>‹#›</a:t>
             </a:fld>
+            <a:endParaRPr lang="en"/>
           </a:p>
         </p:txBody>
       </p:sp>
@@ -2844,18 +3087,19 @@
 </file>
 
 <file path=ppt/slideLayouts/slideLayout10.xml><?xml version="1.0" encoding="utf-8"?>
-<p:sldLayout xmlns:a="http://schemas.openxmlformats.org/drawingml/2006/main" xmlns:r="http://schemas.openxmlformats.org/officeDocument/2006/relationships" xmlns:mc="http://schemas.openxmlformats.org/markup-compatibility/2006" xmlns:mv="urn:schemas-microsoft-com:mac:vml" xmlns:p="http://schemas.openxmlformats.org/presentationml/2006/main" xmlns:c="http://schemas.openxmlformats.org/drawingml/2006/chart" xmlns:dgm="http://schemas.openxmlformats.org/drawingml/2006/diagram" xmlns:o="urn:schemas-microsoft-com:office:office" xmlns:v="urn:schemas-microsoft-com:vml" xmlns:pvml="urn:schemas-microsoft-com:office:powerpoint" xmlns:com="http://schemas.openxmlformats.org/drawingml/2006/compatibility" xmlns:p14="http://schemas.microsoft.com/office/powerpoint/2010/main" xmlns:p15="http://schemas.microsoft.com/office/powerpoint/2012/main">
+<p:sldLayout xmlns:a="http://schemas.openxmlformats.org/drawingml/2006/main" xmlns:r="http://schemas.openxmlformats.org/officeDocument/2006/relationships" xmlns:p="http://schemas.openxmlformats.org/presentationml/2006/main">
   <p:cSld name="Big number">
     <p:bg>
       <p:bgPr>
         <a:solidFill>
           <a:schemeClr val="accent4"/>
         </a:solidFill>
+        <a:effectLst/>
       </p:bgPr>
     </p:bg>
     <p:spTree>
       <p:nvGrpSpPr>
-        <p:cNvPr id="57" name="Shape 57"/>
+        <p:cNvPr id="1" name="Shape 57"/>
         <p:cNvGrpSpPr/>
         <p:nvPr/>
       </p:nvGrpSpPr>
@@ -2870,7 +3114,9 @@
       <p:sp>
         <p:nvSpPr>
           <p:cNvPr id="58" name="Shape 58"/>
-          <p:cNvSpPr txBox="1"/>
+          <p:cNvSpPr txBox="1">
+            <a:spLocks noGrp="1"/>
+          </p:cNvSpPr>
           <p:nvPr>
             <p:ph type="title"/>
           </p:nvPr>
@@ -2885,7 +3131,7 @@
           </a:prstGeom>
         </p:spPr>
         <p:txBody>
-          <a:bodyPr anchorCtr="0" anchor="b" bIns="91425" lIns="91425" rIns="91425" wrap="square" tIns="91425"/>
+          <a:bodyPr wrap="square" lIns="91425" tIns="91425" rIns="91425" bIns="91425" anchor="b" anchorCtr="0"/>
           <a:lstStyle>
             <a:lvl1pPr lvl="0" algn="ctr">
               <a:spcBef>
@@ -3014,15 +3260,19 @@
               </a:defRPr>
             </a:lvl9pPr>
           </a:lstStyle>
-          <a:p/>
+          <a:p>
+            <a:endParaRPr/>
+          </a:p>
         </p:txBody>
       </p:sp>
       <p:sp>
         <p:nvSpPr>
           <p:cNvPr id="59" name="Shape 59"/>
-          <p:cNvSpPr txBox="1"/>
+          <p:cNvSpPr txBox="1">
+            <a:spLocks noGrp="1"/>
+          </p:cNvSpPr>
           <p:nvPr>
-            <p:ph idx="1" type="body"/>
+            <p:ph type="body" idx="1"/>
           </p:nvPr>
         </p:nvSpPr>
         <p:spPr>
@@ -3035,7 +3285,7 @@
           </a:prstGeom>
         </p:spPr>
         <p:txBody>
-          <a:bodyPr anchorCtr="0" anchor="t" bIns="91425" lIns="91425" rIns="91425" wrap="square" tIns="91425"/>
+          <a:bodyPr wrap="square" lIns="91425" tIns="91425" rIns="91425" bIns="91425" anchor="t" anchorCtr="0"/>
           <a:lstStyle>
             <a:lvl1pPr lvl="0" algn="ctr">
               <a:spcBef>
@@ -3092,15 +3342,19 @@
               <a:defRPr/>
             </a:lvl9pPr>
           </a:lstStyle>
-          <a:p/>
+          <a:p>
+            <a:endParaRPr/>
+          </a:p>
         </p:txBody>
       </p:sp>
       <p:sp>
         <p:nvSpPr>
           <p:cNvPr id="60" name="Shape 60"/>
-          <p:cNvSpPr txBox="1"/>
+          <p:cNvSpPr txBox="1">
+            <a:spLocks noGrp="1"/>
+          </p:cNvSpPr>
           <p:nvPr>
-            <p:ph idx="12" type="sldNum"/>
+            <p:ph type="sldNum" idx="12"/>
           </p:nvPr>
         </p:nvSpPr>
         <p:spPr>
@@ -3113,7 +3367,7 @@
           </a:prstGeom>
         </p:spPr>
         <p:txBody>
-          <a:bodyPr anchorCtr="0" anchor="ctr" bIns="91425" lIns="91425" rIns="91425" wrap="square" tIns="91425">
+          <a:bodyPr wrap="square" lIns="91425" tIns="91425" rIns="91425" bIns="91425" anchor="ctr" anchorCtr="0">
             <a:noAutofit/>
           </a:bodyPr>
           <a:lstStyle/>
@@ -3128,6 +3382,7 @@
               <a:rPr lang="en"/>
               <a:t>‹#›</a:t>
             </a:fld>
+            <a:endParaRPr lang="en"/>
           </a:p>
         </p:txBody>
       </p:sp>
@@ -3140,18 +3395,19 @@
 </file>
 
 <file path=ppt/slideLayouts/slideLayout11.xml><?xml version="1.0" encoding="utf-8"?>
-<p:sldLayout xmlns:a="http://schemas.openxmlformats.org/drawingml/2006/main" xmlns:r="http://schemas.openxmlformats.org/officeDocument/2006/relationships" xmlns:mc="http://schemas.openxmlformats.org/markup-compatibility/2006" xmlns:mv="urn:schemas-microsoft-com:mac:vml" xmlns:p="http://schemas.openxmlformats.org/presentationml/2006/main" xmlns:c="http://schemas.openxmlformats.org/drawingml/2006/chart" xmlns:dgm="http://schemas.openxmlformats.org/drawingml/2006/diagram" xmlns:o="urn:schemas-microsoft-com:office:office" xmlns:v="urn:schemas-microsoft-com:vml" xmlns:pvml="urn:schemas-microsoft-com:office:powerpoint" xmlns:com="http://schemas.openxmlformats.org/drawingml/2006/compatibility" xmlns:p14="http://schemas.microsoft.com/office/powerpoint/2010/main" xmlns:p15="http://schemas.microsoft.com/office/powerpoint/2012/main" type="blank">
+<p:sldLayout xmlns:a="http://schemas.openxmlformats.org/drawingml/2006/main" xmlns:r="http://schemas.openxmlformats.org/officeDocument/2006/relationships" xmlns:p="http://schemas.openxmlformats.org/presentationml/2006/main" type="blank">
   <p:cSld name="Blank">
     <p:bg>
       <p:bgPr>
         <a:solidFill>
           <a:schemeClr val="accent4"/>
         </a:solidFill>
+        <a:effectLst/>
       </p:bgPr>
     </p:bg>
     <p:spTree>
       <p:nvGrpSpPr>
-        <p:cNvPr id="61" name="Shape 61"/>
+        <p:cNvPr id="1" name="Shape 61"/>
         <p:cNvGrpSpPr/>
         <p:nvPr/>
       </p:nvGrpSpPr>
@@ -3166,9 +3422,11 @@
       <p:sp>
         <p:nvSpPr>
           <p:cNvPr id="62" name="Shape 62"/>
-          <p:cNvSpPr txBox="1"/>
+          <p:cNvSpPr txBox="1">
+            <a:spLocks noGrp="1"/>
+          </p:cNvSpPr>
           <p:nvPr>
-            <p:ph idx="12" type="sldNum"/>
+            <p:ph type="sldNum" idx="12"/>
           </p:nvPr>
         </p:nvSpPr>
         <p:spPr>
@@ -3181,7 +3439,7 @@
           </a:prstGeom>
         </p:spPr>
         <p:txBody>
-          <a:bodyPr anchorCtr="0" anchor="ctr" bIns="91425" lIns="91425" rIns="91425" wrap="square" tIns="91425">
+          <a:bodyPr wrap="square" lIns="91425" tIns="91425" rIns="91425" bIns="91425" anchor="ctr" anchorCtr="0">
             <a:noAutofit/>
           </a:bodyPr>
           <a:lstStyle/>
@@ -3196,6 +3454,7 @@
               <a:rPr lang="en"/>
               <a:t>‹#›</a:t>
             </a:fld>
+            <a:endParaRPr lang="en"/>
           </a:p>
         </p:txBody>
       </p:sp>
@@ -3208,11 +3467,11 @@
 </file>
 
 <file path=ppt/slideLayouts/slideLayout2.xml><?xml version="1.0" encoding="utf-8"?>
-<p:sldLayout xmlns:a="http://schemas.openxmlformats.org/drawingml/2006/main" xmlns:r="http://schemas.openxmlformats.org/officeDocument/2006/relationships" xmlns:mc="http://schemas.openxmlformats.org/markup-compatibility/2006" xmlns:mv="urn:schemas-microsoft-com:mac:vml" xmlns:p="http://schemas.openxmlformats.org/presentationml/2006/main" xmlns:c="http://schemas.openxmlformats.org/drawingml/2006/chart" xmlns:dgm="http://schemas.openxmlformats.org/drawingml/2006/diagram" xmlns:o="urn:schemas-microsoft-com:office:office" xmlns:v="urn:schemas-microsoft-com:vml" xmlns:pvml="urn:schemas-microsoft-com:office:powerpoint" xmlns:com="http://schemas.openxmlformats.org/drawingml/2006/compatibility" xmlns:p14="http://schemas.microsoft.com/office/powerpoint/2010/main" xmlns:p15="http://schemas.microsoft.com/office/powerpoint/2012/main" type="secHead">
+<p:sldLayout xmlns:a="http://schemas.openxmlformats.org/drawingml/2006/main" xmlns:r="http://schemas.openxmlformats.org/officeDocument/2006/relationships" xmlns:p="http://schemas.openxmlformats.org/presentationml/2006/main" type="secHead">
   <p:cSld name="Section header">
     <p:spTree>
       <p:nvGrpSpPr>
-        <p:cNvPr id="15" name="Shape 15"/>
+        <p:cNvPr id="1" name="Shape 15"/>
         <p:cNvGrpSpPr/>
         <p:nvPr/>
       </p:nvGrpSpPr>
@@ -3227,7 +3486,9 @@
       <p:sp>
         <p:nvSpPr>
           <p:cNvPr id="16" name="Shape 16"/>
-          <p:cNvSpPr txBox="1"/>
+          <p:cNvSpPr txBox="1">
+            <a:spLocks noGrp="1"/>
+          </p:cNvSpPr>
           <p:nvPr>
             <p:ph type="title"/>
           </p:nvPr>
@@ -3242,7 +3503,7 @@
           </a:prstGeom>
         </p:spPr>
         <p:txBody>
-          <a:bodyPr anchorCtr="0" anchor="ctr" bIns="91425" lIns="91425" rIns="91425" wrap="square" tIns="91425"/>
+          <a:bodyPr wrap="square" lIns="91425" tIns="91425" rIns="91425" bIns="91425" anchor="ctr" anchorCtr="0"/>
           <a:lstStyle>
             <a:lvl1pPr lvl="0">
               <a:spcBef>
@@ -3308,15 +3569,19 @@
               <a:defRPr sz="4200"/>
             </a:lvl9pPr>
           </a:lstStyle>
-          <a:p/>
+          <a:p>
+            <a:endParaRPr/>
+          </a:p>
         </p:txBody>
       </p:sp>
       <p:sp>
         <p:nvSpPr>
           <p:cNvPr id="17" name="Shape 17"/>
-          <p:cNvSpPr txBox="1"/>
+          <p:cNvSpPr txBox="1">
+            <a:spLocks noGrp="1"/>
+          </p:cNvSpPr>
           <p:nvPr>
-            <p:ph idx="12" type="sldNum"/>
+            <p:ph type="sldNum" idx="12"/>
           </p:nvPr>
         </p:nvSpPr>
         <p:spPr>
@@ -3329,7 +3594,7 @@
           </a:prstGeom>
         </p:spPr>
         <p:txBody>
-          <a:bodyPr anchorCtr="0" anchor="ctr" bIns="91425" lIns="91425" rIns="91425" wrap="square" tIns="91425">
+          <a:bodyPr wrap="square" lIns="91425" tIns="91425" rIns="91425" bIns="91425" anchor="ctr" anchorCtr="0">
             <a:noAutofit/>
           </a:bodyPr>
           <a:lstStyle/>
@@ -3348,6 +3613,11 @@
               </a:rPr>
               <a:t>‹#›</a:t>
             </a:fld>
+            <a:endParaRPr lang="en">
+              <a:solidFill>
+                <a:schemeClr val="lt1"/>
+              </a:solidFill>
+            </a:endParaRPr>
           </a:p>
         </p:txBody>
       </p:sp>
@@ -3360,11 +3630,11 @@
 </file>
 
 <file path=ppt/slideLayouts/slideLayout3.xml><?xml version="1.0" encoding="utf-8"?>
-<p:sldLayout xmlns:a="http://schemas.openxmlformats.org/drawingml/2006/main" xmlns:r="http://schemas.openxmlformats.org/officeDocument/2006/relationships" xmlns:mc="http://schemas.openxmlformats.org/markup-compatibility/2006" xmlns:mv="urn:schemas-microsoft-com:mac:vml" xmlns:p="http://schemas.openxmlformats.org/presentationml/2006/main" xmlns:c="http://schemas.openxmlformats.org/drawingml/2006/chart" xmlns:dgm="http://schemas.openxmlformats.org/drawingml/2006/diagram" xmlns:o="urn:schemas-microsoft-com:office:office" xmlns:v="urn:schemas-microsoft-com:vml" xmlns:pvml="urn:schemas-microsoft-com:office:powerpoint" xmlns:com="http://schemas.openxmlformats.org/drawingml/2006/compatibility" xmlns:p14="http://schemas.microsoft.com/office/powerpoint/2010/main" xmlns:p15="http://schemas.microsoft.com/office/powerpoint/2012/main" type="tx">
+<p:sldLayout xmlns:a="http://schemas.openxmlformats.org/drawingml/2006/main" xmlns:r="http://schemas.openxmlformats.org/officeDocument/2006/relationships" xmlns:p="http://schemas.openxmlformats.org/presentationml/2006/main" type="tx">
   <p:cSld name="Title and body">
     <p:spTree>
       <p:nvGrpSpPr>
-        <p:cNvPr id="18" name="Shape 18"/>
+        <p:cNvPr id="1" name="Shape 18"/>
         <p:cNvGrpSpPr/>
         <p:nvPr/>
       </p:nvGrpSpPr>
@@ -3383,7 +3653,7 @@
           <p:nvPr/>
         </p:nvSpPr>
         <p:spPr>
-          <a:xfrm flipH="1" rot="10800000">
+          <a:xfrm rot="10800000" flipH="1">
             <a:off x="0" y="1685999"/>
             <a:ext cx="9144000" cy="3457500"/>
           </a:xfrm>
@@ -3398,7 +3668,7 @@
           </a:ln>
         </p:spPr>
         <p:txBody>
-          <a:bodyPr anchorCtr="0" anchor="ctr" bIns="91425" lIns="91425" rIns="91425" wrap="square" tIns="91425">
+          <a:bodyPr wrap="square" lIns="91425" tIns="91425" rIns="91425" bIns="91425" anchor="ctr" anchorCtr="0">
             <a:noAutofit/>
           </a:bodyPr>
           <a:lstStyle/>
@@ -3409,9 +3679,6 @@
               </a:spcBef>
               <a:buNone/>
             </a:pPr>
-            <a:r>
-              <a:t/>
-            </a:r>
             <a:endParaRPr/>
           </a:p>
         </p:txBody>
@@ -3452,7 +3719,7 @@
           </a:ln>
         </p:spPr>
         <p:txBody>
-          <a:bodyPr anchorCtr="0" anchor="ctr" bIns="91425" lIns="91425" rIns="91425" wrap="square" tIns="91425">
+          <a:bodyPr wrap="square" lIns="91425" tIns="91425" rIns="91425" bIns="91425" anchor="ctr" anchorCtr="0">
             <a:noAutofit/>
           </a:bodyPr>
           <a:lstStyle/>
@@ -3463,9 +3730,6 @@
               </a:spcBef>
               <a:buNone/>
             </a:pPr>
-            <a:r>
-              <a:t/>
-            </a:r>
             <a:endParaRPr/>
           </a:p>
         </p:txBody>
@@ -3473,7 +3737,9 @@
       <p:sp>
         <p:nvSpPr>
           <p:cNvPr id="21" name="Shape 21"/>
-          <p:cNvSpPr txBox="1"/>
+          <p:cNvSpPr txBox="1">
+            <a:spLocks noGrp="1"/>
+          </p:cNvSpPr>
           <p:nvPr>
             <p:ph type="title"/>
           </p:nvPr>
@@ -3488,7 +3754,7 @@
           </a:prstGeom>
         </p:spPr>
         <p:txBody>
-          <a:bodyPr anchorCtr="0" anchor="b" bIns="91425" lIns="91425" rIns="91425" wrap="square" tIns="91425"/>
+          <a:bodyPr wrap="square" lIns="91425" tIns="91425" rIns="91425" bIns="91425" anchor="b" anchorCtr="0"/>
           <a:lstStyle>
             <a:lvl1pPr lvl="0">
               <a:spcBef>
@@ -3545,15 +3811,19 @@
               <a:defRPr/>
             </a:lvl9pPr>
           </a:lstStyle>
-          <a:p/>
+          <a:p>
+            <a:endParaRPr/>
+          </a:p>
         </p:txBody>
       </p:sp>
       <p:sp>
         <p:nvSpPr>
           <p:cNvPr id="22" name="Shape 22"/>
-          <p:cNvSpPr txBox="1"/>
+          <p:cNvSpPr txBox="1">
+            <a:spLocks noGrp="1"/>
+          </p:cNvSpPr>
           <p:nvPr>
-            <p:ph idx="1" type="body"/>
+            <p:ph type="body" idx="1"/>
           </p:nvPr>
         </p:nvSpPr>
         <p:spPr>
@@ -3566,7 +3836,7 @@
           </a:prstGeom>
         </p:spPr>
         <p:txBody>
-          <a:bodyPr anchorCtr="0" anchor="t" bIns="91425" lIns="91425" rIns="91425" wrap="square" tIns="91425"/>
+          <a:bodyPr wrap="square" lIns="91425" tIns="91425" rIns="91425" bIns="91425" anchor="t" anchorCtr="0"/>
           <a:lstStyle>
             <a:lvl1pPr lvl="0">
               <a:spcBef>
@@ -3623,15 +3893,19 @@
               <a:defRPr/>
             </a:lvl9pPr>
           </a:lstStyle>
-          <a:p/>
+          <a:p>
+            <a:endParaRPr/>
+          </a:p>
         </p:txBody>
       </p:sp>
       <p:sp>
         <p:nvSpPr>
           <p:cNvPr id="23" name="Shape 23"/>
-          <p:cNvSpPr txBox="1"/>
+          <p:cNvSpPr txBox="1">
+            <a:spLocks noGrp="1"/>
+          </p:cNvSpPr>
           <p:nvPr>
-            <p:ph idx="12" type="sldNum"/>
+            <p:ph type="sldNum" idx="12"/>
           </p:nvPr>
         </p:nvSpPr>
         <p:spPr>
@@ -3644,7 +3918,7 @@
           </a:prstGeom>
         </p:spPr>
         <p:txBody>
-          <a:bodyPr anchorCtr="0" anchor="ctr" bIns="91425" lIns="91425" rIns="91425" wrap="square" tIns="91425">
+          <a:bodyPr wrap="square" lIns="91425" tIns="91425" rIns="91425" bIns="91425" anchor="ctr" anchorCtr="0">
             <a:noAutofit/>
           </a:bodyPr>
           <a:lstStyle/>
@@ -3659,6 +3933,7 @@
               <a:rPr lang="en"/>
               <a:t>‹#›</a:t>
             </a:fld>
+            <a:endParaRPr lang="en"/>
           </a:p>
         </p:txBody>
       </p:sp>
@@ -3671,11 +3946,11 @@
 </file>
 
 <file path=ppt/slideLayouts/slideLayout4.xml><?xml version="1.0" encoding="utf-8"?>
-<p:sldLayout xmlns:a="http://schemas.openxmlformats.org/drawingml/2006/main" xmlns:r="http://schemas.openxmlformats.org/officeDocument/2006/relationships" xmlns:mc="http://schemas.openxmlformats.org/markup-compatibility/2006" xmlns:mv="urn:schemas-microsoft-com:mac:vml" xmlns:p="http://schemas.openxmlformats.org/presentationml/2006/main" xmlns:c="http://schemas.openxmlformats.org/drawingml/2006/chart" xmlns:dgm="http://schemas.openxmlformats.org/drawingml/2006/diagram" xmlns:o="urn:schemas-microsoft-com:office:office" xmlns:v="urn:schemas-microsoft-com:vml" xmlns:pvml="urn:schemas-microsoft-com:office:powerpoint" xmlns:com="http://schemas.openxmlformats.org/drawingml/2006/compatibility" xmlns:p14="http://schemas.microsoft.com/office/powerpoint/2010/main" xmlns:p15="http://schemas.microsoft.com/office/powerpoint/2012/main" type="twoColTx">
+<p:sldLayout xmlns:a="http://schemas.openxmlformats.org/drawingml/2006/main" xmlns:r="http://schemas.openxmlformats.org/officeDocument/2006/relationships" xmlns:p="http://schemas.openxmlformats.org/presentationml/2006/main" type="twoColTx">
   <p:cSld name="Title and two columns">
     <p:spTree>
       <p:nvGrpSpPr>
-        <p:cNvPr id="24" name="Shape 24"/>
+        <p:cNvPr id="1" name="Shape 24"/>
         <p:cNvGrpSpPr/>
         <p:nvPr/>
       </p:nvGrpSpPr>
@@ -3694,7 +3969,7 @@
           <p:nvPr/>
         </p:nvSpPr>
         <p:spPr>
-          <a:xfrm flipH="1" rot="10800000">
+          <a:xfrm rot="10800000" flipH="1">
             <a:off x="0" y="1685999"/>
             <a:ext cx="9144000" cy="3457500"/>
           </a:xfrm>
@@ -3709,7 +3984,7 @@
           </a:ln>
         </p:spPr>
         <p:txBody>
-          <a:bodyPr anchorCtr="0" anchor="ctr" bIns="91425" lIns="91425" rIns="91425" wrap="square" tIns="91425">
+          <a:bodyPr wrap="square" lIns="91425" tIns="91425" rIns="91425" bIns="91425" anchor="ctr" anchorCtr="0">
             <a:noAutofit/>
           </a:bodyPr>
           <a:lstStyle/>
@@ -3720,9 +3995,6 @@
               </a:spcBef>
               <a:buNone/>
             </a:pPr>
-            <a:r>
-              <a:t/>
-            </a:r>
             <a:endParaRPr/>
           </a:p>
         </p:txBody>
@@ -3763,7 +4035,7 @@
           </a:ln>
         </p:spPr>
         <p:txBody>
-          <a:bodyPr anchorCtr="0" anchor="ctr" bIns="91425" lIns="91425" rIns="91425" wrap="square" tIns="91425">
+          <a:bodyPr wrap="square" lIns="91425" tIns="91425" rIns="91425" bIns="91425" anchor="ctr" anchorCtr="0">
             <a:noAutofit/>
           </a:bodyPr>
           <a:lstStyle/>
@@ -3774,9 +4046,6 @@
               </a:spcBef>
               <a:buNone/>
             </a:pPr>
-            <a:r>
-              <a:t/>
-            </a:r>
             <a:endParaRPr/>
           </a:p>
         </p:txBody>
@@ -3784,7 +4053,9 @@
       <p:sp>
         <p:nvSpPr>
           <p:cNvPr id="27" name="Shape 27"/>
-          <p:cNvSpPr txBox="1"/>
+          <p:cNvSpPr txBox="1">
+            <a:spLocks noGrp="1"/>
+          </p:cNvSpPr>
           <p:nvPr>
             <p:ph type="title"/>
           </p:nvPr>
@@ -3799,7 +4070,7 @@
           </a:prstGeom>
         </p:spPr>
         <p:txBody>
-          <a:bodyPr anchorCtr="0" anchor="b" bIns="91425" lIns="91425" rIns="91425" wrap="square" tIns="91425"/>
+          <a:bodyPr wrap="square" lIns="91425" tIns="91425" rIns="91425" bIns="91425" anchor="b" anchorCtr="0"/>
           <a:lstStyle>
             <a:lvl1pPr lvl="0">
               <a:spcBef>
@@ -3856,15 +4127,19 @@
               <a:defRPr/>
             </a:lvl9pPr>
           </a:lstStyle>
-          <a:p/>
+          <a:p>
+            <a:endParaRPr/>
+          </a:p>
         </p:txBody>
       </p:sp>
       <p:sp>
         <p:nvSpPr>
           <p:cNvPr id="28" name="Shape 28"/>
-          <p:cNvSpPr txBox="1"/>
+          <p:cNvSpPr txBox="1">
+            <a:spLocks noGrp="1"/>
+          </p:cNvSpPr>
           <p:nvPr>
-            <p:ph idx="1" type="body"/>
+            <p:ph type="body" idx="1"/>
           </p:nvPr>
         </p:nvSpPr>
         <p:spPr>
@@ -3877,7 +4152,7 @@
           </a:prstGeom>
         </p:spPr>
         <p:txBody>
-          <a:bodyPr anchorCtr="0" anchor="t" bIns="91425" lIns="91425" rIns="91425" wrap="square" tIns="91425"/>
+          <a:bodyPr wrap="square" lIns="91425" tIns="91425" rIns="91425" bIns="91425" anchor="t" anchorCtr="0"/>
           <a:lstStyle>
             <a:lvl1pPr lvl="0">
               <a:spcBef>
@@ -3943,15 +4218,19 @@
               <a:defRPr sz="1200"/>
             </a:lvl9pPr>
           </a:lstStyle>
-          <a:p/>
+          <a:p>
+            <a:endParaRPr/>
+          </a:p>
         </p:txBody>
       </p:sp>
       <p:sp>
         <p:nvSpPr>
           <p:cNvPr id="29" name="Shape 29"/>
-          <p:cNvSpPr txBox="1"/>
+          <p:cNvSpPr txBox="1">
+            <a:spLocks noGrp="1"/>
+          </p:cNvSpPr>
           <p:nvPr>
-            <p:ph idx="2" type="body"/>
+            <p:ph type="body" idx="2"/>
           </p:nvPr>
         </p:nvSpPr>
         <p:spPr>
@@ -3964,7 +4243,7 @@
           </a:prstGeom>
         </p:spPr>
         <p:txBody>
-          <a:bodyPr anchorCtr="0" anchor="t" bIns="91425" lIns="91425" rIns="91425" wrap="square" tIns="91425"/>
+          <a:bodyPr wrap="square" lIns="91425" tIns="91425" rIns="91425" bIns="91425" anchor="t" anchorCtr="0"/>
           <a:lstStyle>
             <a:lvl1pPr lvl="0">
               <a:spcBef>
@@ -4030,15 +4309,19 @@
               <a:defRPr sz="1200"/>
             </a:lvl9pPr>
           </a:lstStyle>
-          <a:p/>
+          <a:p>
+            <a:endParaRPr/>
+          </a:p>
         </p:txBody>
       </p:sp>
       <p:sp>
         <p:nvSpPr>
           <p:cNvPr id="30" name="Shape 30"/>
-          <p:cNvSpPr txBox="1"/>
+          <p:cNvSpPr txBox="1">
+            <a:spLocks noGrp="1"/>
+          </p:cNvSpPr>
           <p:nvPr>
-            <p:ph idx="12" type="sldNum"/>
+            <p:ph type="sldNum" idx="12"/>
           </p:nvPr>
         </p:nvSpPr>
         <p:spPr>
@@ -4051,7 +4334,7 @@
           </a:prstGeom>
         </p:spPr>
         <p:txBody>
-          <a:bodyPr anchorCtr="0" anchor="ctr" bIns="91425" lIns="91425" rIns="91425" wrap="square" tIns="91425">
+          <a:bodyPr wrap="square" lIns="91425" tIns="91425" rIns="91425" bIns="91425" anchor="ctr" anchorCtr="0">
             <a:noAutofit/>
           </a:bodyPr>
           <a:lstStyle/>
@@ -4066,6 +4349,7 @@
               <a:rPr lang="en"/>
               <a:t>‹#›</a:t>
             </a:fld>
+            <a:endParaRPr lang="en"/>
           </a:p>
         </p:txBody>
       </p:sp>
@@ -4078,11 +4362,11 @@
 </file>
 
 <file path=ppt/slideLayouts/slideLayout5.xml><?xml version="1.0" encoding="utf-8"?>
-<p:sldLayout xmlns:a="http://schemas.openxmlformats.org/drawingml/2006/main" xmlns:r="http://schemas.openxmlformats.org/officeDocument/2006/relationships" xmlns:mc="http://schemas.openxmlformats.org/markup-compatibility/2006" xmlns:mv="urn:schemas-microsoft-com:mac:vml" xmlns:p="http://schemas.openxmlformats.org/presentationml/2006/main" xmlns:c="http://schemas.openxmlformats.org/drawingml/2006/chart" xmlns:dgm="http://schemas.openxmlformats.org/drawingml/2006/diagram" xmlns:o="urn:schemas-microsoft-com:office:office" xmlns:v="urn:schemas-microsoft-com:vml" xmlns:pvml="urn:schemas-microsoft-com:office:powerpoint" xmlns:com="http://schemas.openxmlformats.org/drawingml/2006/compatibility" xmlns:p14="http://schemas.microsoft.com/office/powerpoint/2010/main" xmlns:p15="http://schemas.microsoft.com/office/powerpoint/2012/main" type="titleOnly">
+<p:sldLayout xmlns:a="http://schemas.openxmlformats.org/drawingml/2006/main" xmlns:r="http://schemas.openxmlformats.org/officeDocument/2006/relationships" xmlns:p="http://schemas.openxmlformats.org/presentationml/2006/main" type="titleOnly">
   <p:cSld name="Title only">
     <p:spTree>
       <p:nvGrpSpPr>
-        <p:cNvPr id="31" name="Shape 31"/>
+        <p:cNvPr id="1" name="Shape 31"/>
         <p:cNvGrpSpPr/>
         <p:nvPr/>
       </p:nvGrpSpPr>
@@ -4101,7 +4385,7 @@
           <p:nvPr/>
         </p:nvSpPr>
         <p:spPr>
-          <a:xfrm flipH="1" rot="10800000">
+          <a:xfrm rot="10800000" flipH="1">
             <a:off x="0" y="656399"/>
             <a:ext cx="9144000" cy="4487100"/>
           </a:xfrm>
@@ -4116,7 +4400,7 @@
           </a:ln>
         </p:spPr>
         <p:txBody>
-          <a:bodyPr anchorCtr="0" anchor="ctr" bIns="91425" lIns="91425" rIns="91425" wrap="square" tIns="91425">
+          <a:bodyPr wrap="square" lIns="91425" tIns="91425" rIns="91425" bIns="91425" anchor="ctr" anchorCtr="0">
             <a:noAutofit/>
           </a:bodyPr>
           <a:lstStyle/>
@@ -4127,9 +4411,6 @@
               </a:spcBef>
               <a:buNone/>
             </a:pPr>
-            <a:r>
-              <a:t/>
-            </a:r>
             <a:endParaRPr/>
           </a:p>
         </p:txBody>
@@ -4170,7 +4451,7 @@
           </a:ln>
         </p:spPr>
         <p:txBody>
-          <a:bodyPr anchorCtr="0" anchor="ctr" bIns="91425" lIns="91425" rIns="91425" wrap="square" tIns="91425">
+          <a:bodyPr wrap="square" lIns="91425" tIns="91425" rIns="91425" bIns="91425" anchor="ctr" anchorCtr="0">
             <a:noAutofit/>
           </a:bodyPr>
           <a:lstStyle/>
@@ -4181,9 +4462,6 @@
               </a:spcBef>
               <a:buNone/>
             </a:pPr>
-            <a:r>
-              <a:t/>
-            </a:r>
             <a:endParaRPr/>
           </a:p>
         </p:txBody>
@@ -4191,7 +4469,9 @@
       <p:sp>
         <p:nvSpPr>
           <p:cNvPr id="34" name="Shape 34"/>
-          <p:cNvSpPr txBox="1"/>
+          <p:cNvSpPr txBox="1">
+            <a:spLocks noGrp="1"/>
+          </p:cNvSpPr>
           <p:nvPr>
             <p:ph type="title"/>
           </p:nvPr>
@@ -4206,7 +4486,7 @@
           </a:prstGeom>
         </p:spPr>
         <p:txBody>
-          <a:bodyPr anchorCtr="0" anchor="ctr" bIns="91425" lIns="91425" rIns="91425" wrap="square" tIns="91425"/>
+          <a:bodyPr wrap="square" lIns="91425" tIns="91425" rIns="91425" bIns="91425" anchor="ctr" anchorCtr="0"/>
           <a:lstStyle>
             <a:lvl1pPr lvl="0">
               <a:spcBef>
@@ -4272,15 +4552,19 @@
               <a:defRPr sz="1800"/>
             </a:lvl9pPr>
           </a:lstStyle>
-          <a:p/>
+          <a:p>
+            <a:endParaRPr/>
+          </a:p>
         </p:txBody>
       </p:sp>
       <p:sp>
         <p:nvSpPr>
           <p:cNvPr id="35" name="Shape 35"/>
-          <p:cNvSpPr txBox="1"/>
+          <p:cNvSpPr txBox="1">
+            <a:spLocks noGrp="1"/>
+          </p:cNvSpPr>
           <p:nvPr>
-            <p:ph idx="12" type="sldNum"/>
+            <p:ph type="sldNum" idx="12"/>
           </p:nvPr>
         </p:nvSpPr>
         <p:spPr>
@@ -4293,7 +4577,7 @@
           </a:prstGeom>
         </p:spPr>
         <p:txBody>
-          <a:bodyPr anchorCtr="0" anchor="ctr" bIns="91425" lIns="91425" rIns="91425" wrap="square" tIns="91425">
+          <a:bodyPr wrap="square" lIns="91425" tIns="91425" rIns="91425" bIns="91425" anchor="ctr" anchorCtr="0">
             <a:noAutofit/>
           </a:bodyPr>
           <a:lstStyle/>
@@ -4308,6 +4592,7 @@
               <a:rPr lang="en"/>
               <a:t>‹#›</a:t>
             </a:fld>
+            <a:endParaRPr lang="en"/>
           </a:p>
         </p:txBody>
       </p:sp>
@@ -4320,11 +4605,11 @@
 </file>
 
 <file path=ppt/slideLayouts/slideLayout6.xml><?xml version="1.0" encoding="utf-8"?>
-<p:sldLayout xmlns:a="http://schemas.openxmlformats.org/drawingml/2006/main" xmlns:r="http://schemas.openxmlformats.org/officeDocument/2006/relationships" xmlns:mc="http://schemas.openxmlformats.org/markup-compatibility/2006" xmlns:mv="urn:schemas-microsoft-com:mac:vml" xmlns:p="http://schemas.openxmlformats.org/presentationml/2006/main" xmlns:c="http://schemas.openxmlformats.org/drawingml/2006/chart" xmlns:dgm="http://schemas.openxmlformats.org/drawingml/2006/diagram" xmlns:o="urn:schemas-microsoft-com:office:office" xmlns:v="urn:schemas-microsoft-com:vml" xmlns:pvml="urn:schemas-microsoft-com:office:powerpoint" xmlns:com="http://schemas.openxmlformats.org/drawingml/2006/compatibility" xmlns:p14="http://schemas.microsoft.com/office/powerpoint/2010/main" xmlns:p15="http://schemas.microsoft.com/office/powerpoint/2012/main">
+<p:sldLayout xmlns:a="http://schemas.openxmlformats.org/drawingml/2006/main" xmlns:r="http://schemas.openxmlformats.org/officeDocument/2006/relationships" xmlns:p="http://schemas.openxmlformats.org/presentationml/2006/main">
   <p:cSld name="One column text">
     <p:spTree>
       <p:nvGrpSpPr>
-        <p:cNvPr id="36" name="Shape 36"/>
+        <p:cNvPr id="1" name="Shape 36"/>
         <p:cNvGrpSpPr/>
         <p:nvPr/>
       </p:nvGrpSpPr>
@@ -4343,7 +4628,7 @@
           <p:nvPr/>
         </p:nvSpPr>
         <p:spPr>
-          <a:xfrm flipH="1" rot="10800000">
+          <a:xfrm rot="10800000" flipH="1">
             <a:off x="3276600" y="25"/>
             <a:ext cx="5867400" cy="5143499"/>
           </a:xfrm>
@@ -4358,7 +4643,7 @@
           </a:ln>
         </p:spPr>
         <p:txBody>
-          <a:bodyPr anchorCtr="0" anchor="ctr" bIns="91425" lIns="91425" rIns="91425" wrap="square" tIns="91425">
+          <a:bodyPr wrap="square" lIns="91425" tIns="91425" rIns="91425" bIns="91425" anchor="ctr" anchorCtr="0">
             <a:noAutofit/>
           </a:bodyPr>
           <a:lstStyle/>
@@ -4369,9 +4654,6 @@
               </a:spcBef>
               <a:buNone/>
             </a:pPr>
-            <a:r>
-              <a:t/>
-            </a:r>
             <a:endParaRPr/>
           </a:p>
         </p:txBody>
@@ -4412,7 +4694,7 @@
           </a:ln>
         </p:spPr>
         <p:txBody>
-          <a:bodyPr anchorCtr="0" anchor="ctr" bIns="91425" lIns="91425" rIns="91425" wrap="square" tIns="91425">
+          <a:bodyPr wrap="square" lIns="91425" tIns="91425" rIns="91425" bIns="91425" anchor="ctr" anchorCtr="0">
             <a:noAutofit/>
           </a:bodyPr>
           <a:lstStyle/>
@@ -4423,9 +4705,6 @@
               </a:spcBef>
               <a:buNone/>
             </a:pPr>
-            <a:r>
-              <a:t/>
-            </a:r>
             <a:endParaRPr/>
           </a:p>
         </p:txBody>
@@ -4433,7 +4712,9 @@
       <p:sp>
         <p:nvSpPr>
           <p:cNvPr id="39" name="Shape 39"/>
-          <p:cNvSpPr txBox="1"/>
+          <p:cNvSpPr txBox="1">
+            <a:spLocks noGrp="1"/>
+          </p:cNvSpPr>
           <p:nvPr>
             <p:ph type="title"/>
           </p:nvPr>
@@ -4448,7 +4729,7 @@
           </a:prstGeom>
         </p:spPr>
         <p:txBody>
-          <a:bodyPr anchorCtr="0" anchor="b" bIns="91425" lIns="91425" rIns="91425" wrap="square" tIns="91425"/>
+          <a:bodyPr wrap="square" lIns="91425" tIns="91425" rIns="91425" bIns="91425" anchor="b" anchorCtr="0"/>
           <a:lstStyle>
             <a:lvl1pPr lvl="0">
               <a:spcBef>
@@ -4514,15 +4795,19 @@
               <a:defRPr sz="2400"/>
             </a:lvl9pPr>
           </a:lstStyle>
-          <a:p/>
+          <a:p>
+            <a:endParaRPr/>
+          </a:p>
         </p:txBody>
       </p:sp>
       <p:sp>
         <p:nvSpPr>
           <p:cNvPr id="40" name="Shape 40"/>
-          <p:cNvSpPr txBox="1"/>
+          <p:cNvSpPr txBox="1">
+            <a:spLocks noGrp="1"/>
+          </p:cNvSpPr>
           <p:nvPr>
-            <p:ph idx="1" type="body"/>
+            <p:ph type="body" idx="1"/>
           </p:nvPr>
         </p:nvSpPr>
         <p:spPr>
@@ -4535,7 +4820,7 @@
           </a:prstGeom>
         </p:spPr>
         <p:txBody>
-          <a:bodyPr anchorCtr="0" anchor="t" bIns="91425" lIns="91425" rIns="91425" wrap="square" tIns="91425"/>
+          <a:bodyPr wrap="square" lIns="91425" tIns="91425" rIns="91425" bIns="91425" anchor="t" anchorCtr="0"/>
           <a:lstStyle>
             <a:lvl1pPr lvl="0">
               <a:spcBef>
@@ -4664,15 +4949,19 @@
               </a:defRPr>
             </a:lvl9pPr>
           </a:lstStyle>
-          <a:p/>
+          <a:p>
+            <a:endParaRPr/>
+          </a:p>
         </p:txBody>
       </p:sp>
       <p:sp>
         <p:nvSpPr>
           <p:cNvPr id="41" name="Shape 41"/>
-          <p:cNvSpPr txBox="1"/>
+          <p:cNvSpPr txBox="1">
+            <a:spLocks noGrp="1"/>
+          </p:cNvSpPr>
           <p:nvPr>
-            <p:ph idx="12" type="sldNum"/>
+            <p:ph type="sldNum" idx="12"/>
           </p:nvPr>
         </p:nvSpPr>
         <p:spPr>
@@ -4685,7 +4974,7 @@
           </a:prstGeom>
         </p:spPr>
         <p:txBody>
-          <a:bodyPr anchorCtr="0" anchor="ctr" bIns="91425" lIns="91425" rIns="91425" wrap="square" tIns="91425">
+          <a:bodyPr wrap="square" lIns="91425" tIns="91425" rIns="91425" bIns="91425" anchor="ctr" anchorCtr="0">
             <a:noAutofit/>
           </a:bodyPr>
           <a:lstStyle/>
@@ -4700,6 +4989,7 @@
               <a:rPr lang="en"/>
               <a:t>‹#›</a:t>
             </a:fld>
+            <a:endParaRPr lang="en"/>
           </a:p>
         </p:txBody>
       </p:sp>
@@ -4712,11 +5002,11 @@
 </file>
 
 <file path=ppt/slideLayouts/slideLayout7.xml><?xml version="1.0" encoding="utf-8"?>
-<p:sldLayout xmlns:a="http://schemas.openxmlformats.org/drawingml/2006/main" xmlns:r="http://schemas.openxmlformats.org/officeDocument/2006/relationships" xmlns:mc="http://schemas.openxmlformats.org/markup-compatibility/2006" xmlns:mv="urn:schemas-microsoft-com:mac:vml" xmlns:p="http://schemas.openxmlformats.org/presentationml/2006/main" xmlns:c="http://schemas.openxmlformats.org/drawingml/2006/chart" xmlns:dgm="http://schemas.openxmlformats.org/drawingml/2006/diagram" xmlns:o="urn:schemas-microsoft-com:office:office" xmlns:v="urn:schemas-microsoft-com:vml" xmlns:pvml="urn:schemas-microsoft-com:office:powerpoint" xmlns:com="http://schemas.openxmlformats.org/drawingml/2006/compatibility" xmlns:p14="http://schemas.microsoft.com/office/powerpoint/2010/main" xmlns:p15="http://schemas.microsoft.com/office/powerpoint/2012/main">
+<p:sldLayout xmlns:a="http://schemas.openxmlformats.org/drawingml/2006/main" xmlns:r="http://schemas.openxmlformats.org/officeDocument/2006/relationships" xmlns:p="http://schemas.openxmlformats.org/presentationml/2006/main">
   <p:cSld name="Main point">
     <p:spTree>
       <p:nvGrpSpPr>
-        <p:cNvPr id="42" name="Shape 42"/>
+        <p:cNvPr id="1" name="Shape 42"/>
         <p:cNvGrpSpPr/>
         <p:nvPr/>
       </p:nvGrpSpPr>
@@ -4731,7 +5021,9 @@
       <p:sp>
         <p:nvSpPr>
           <p:cNvPr id="43" name="Shape 43"/>
-          <p:cNvSpPr txBox="1"/>
+          <p:cNvSpPr txBox="1">
+            <a:spLocks noGrp="1"/>
+          </p:cNvSpPr>
           <p:nvPr>
             <p:ph type="title"/>
           </p:nvPr>
@@ -4746,7 +5038,7 @@
           </a:prstGeom>
         </p:spPr>
         <p:txBody>
-          <a:bodyPr anchorCtr="0" anchor="ctr" bIns="91425" lIns="91425" rIns="91425" wrap="square" tIns="91425"/>
+          <a:bodyPr wrap="square" lIns="91425" tIns="91425" rIns="91425" bIns="91425" anchor="ctr" anchorCtr="0"/>
           <a:lstStyle>
             <a:lvl1pPr lvl="0">
               <a:spcBef>
@@ -4812,15 +5104,19 @@
               <a:defRPr sz="6000"/>
             </a:lvl9pPr>
           </a:lstStyle>
-          <a:p/>
+          <a:p>
+            <a:endParaRPr/>
+          </a:p>
         </p:txBody>
       </p:sp>
       <p:sp>
         <p:nvSpPr>
           <p:cNvPr id="44" name="Shape 44"/>
-          <p:cNvSpPr txBox="1"/>
+          <p:cNvSpPr txBox="1">
+            <a:spLocks noGrp="1"/>
+          </p:cNvSpPr>
           <p:nvPr>
-            <p:ph idx="12" type="sldNum"/>
+            <p:ph type="sldNum" idx="12"/>
           </p:nvPr>
         </p:nvSpPr>
         <p:spPr>
@@ -4833,7 +5129,7 @@
           </a:prstGeom>
         </p:spPr>
         <p:txBody>
-          <a:bodyPr anchorCtr="0" anchor="ctr" bIns="91425" lIns="91425" rIns="91425" wrap="square" tIns="91425">
+          <a:bodyPr wrap="square" lIns="91425" tIns="91425" rIns="91425" bIns="91425" anchor="ctr" anchorCtr="0">
             <a:noAutofit/>
           </a:bodyPr>
           <a:lstStyle/>
@@ -4852,6 +5148,11 @@
               </a:rPr>
               <a:t>‹#›</a:t>
             </a:fld>
+            <a:endParaRPr lang="en">
+              <a:solidFill>
+                <a:schemeClr val="lt1"/>
+              </a:solidFill>
+            </a:endParaRPr>
           </a:p>
         </p:txBody>
       </p:sp>
@@ -4864,11 +5165,11 @@
 </file>
 
 <file path=ppt/slideLayouts/slideLayout8.xml><?xml version="1.0" encoding="utf-8"?>
-<p:sldLayout xmlns:a="http://schemas.openxmlformats.org/drawingml/2006/main" xmlns:r="http://schemas.openxmlformats.org/officeDocument/2006/relationships" xmlns:mc="http://schemas.openxmlformats.org/markup-compatibility/2006" xmlns:mv="urn:schemas-microsoft-com:mac:vml" xmlns:p="http://schemas.openxmlformats.org/presentationml/2006/main" xmlns:c="http://schemas.openxmlformats.org/drawingml/2006/chart" xmlns:dgm="http://schemas.openxmlformats.org/drawingml/2006/diagram" xmlns:o="urn:schemas-microsoft-com:office:office" xmlns:v="urn:schemas-microsoft-com:vml" xmlns:pvml="urn:schemas-microsoft-com:office:powerpoint" xmlns:com="http://schemas.openxmlformats.org/drawingml/2006/compatibility" xmlns:p14="http://schemas.microsoft.com/office/powerpoint/2010/main" xmlns:p15="http://schemas.microsoft.com/office/powerpoint/2012/main">
+<p:sldLayout xmlns:a="http://schemas.openxmlformats.org/drawingml/2006/main" xmlns:r="http://schemas.openxmlformats.org/officeDocument/2006/relationships" xmlns:p="http://schemas.openxmlformats.org/presentationml/2006/main">
   <p:cSld name="Section title and description">
     <p:spTree>
       <p:nvGrpSpPr>
-        <p:cNvPr id="45" name="Shape 45"/>
+        <p:cNvPr id="1" name="Shape 45"/>
         <p:cNvGrpSpPr/>
         <p:nvPr/>
       </p:nvGrpSpPr>
@@ -4902,7 +5203,7 @@
           </a:ln>
         </p:spPr>
         <p:txBody>
-          <a:bodyPr anchorCtr="0" anchor="ctr" bIns="91425" lIns="91425" rIns="91425" wrap="square" tIns="91425">
+          <a:bodyPr wrap="square" lIns="91425" tIns="91425" rIns="91425" bIns="91425" anchor="ctr" anchorCtr="0">
             <a:noAutofit/>
           </a:bodyPr>
           <a:lstStyle/>
@@ -4913,9 +5214,6 @@
               </a:spcBef>
               <a:buNone/>
             </a:pPr>
-            <a:r>
-              <a:t/>
-            </a:r>
             <a:endParaRPr/>
           </a:p>
         </p:txBody>
@@ -4956,7 +5254,7 @@
           </a:ln>
         </p:spPr>
         <p:txBody>
-          <a:bodyPr anchorCtr="0" anchor="ctr" bIns="91425" lIns="91425" rIns="91425" wrap="square" tIns="91425">
+          <a:bodyPr wrap="square" lIns="91425" tIns="91425" rIns="91425" bIns="91425" anchor="ctr" anchorCtr="0">
             <a:noAutofit/>
           </a:bodyPr>
           <a:lstStyle/>
@@ -4967,9 +5265,6 @@
               </a:spcBef>
               <a:buNone/>
             </a:pPr>
-            <a:r>
-              <a:t/>
-            </a:r>
             <a:endParaRPr/>
           </a:p>
         </p:txBody>
@@ -4977,7 +5272,9 @@
       <p:sp>
         <p:nvSpPr>
           <p:cNvPr id="48" name="Shape 48"/>
-          <p:cNvSpPr txBox="1"/>
+          <p:cNvSpPr txBox="1">
+            <a:spLocks noGrp="1"/>
+          </p:cNvSpPr>
           <p:nvPr>
             <p:ph type="title"/>
           </p:nvPr>
@@ -4992,7 +5289,7 @@
           </a:prstGeom>
         </p:spPr>
         <p:txBody>
-          <a:bodyPr anchorCtr="0" anchor="b" bIns="91425" lIns="91425" rIns="91425" wrap="square" tIns="91425"/>
+          <a:bodyPr wrap="square" lIns="91425" tIns="91425" rIns="91425" bIns="91425" anchor="b" anchorCtr="0"/>
           <a:lstStyle>
             <a:lvl1pPr lvl="0" algn="ctr">
               <a:spcBef>
@@ -5121,15 +5418,19 @@
               </a:defRPr>
             </a:lvl9pPr>
           </a:lstStyle>
-          <a:p/>
+          <a:p>
+            <a:endParaRPr/>
+          </a:p>
         </p:txBody>
       </p:sp>
       <p:sp>
         <p:nvSpPr>
           <p:cNvPr id="49" name="Shape 49"/>
-          <p:cNvSpPr txBox="1"/>
+          <p:cNvSpPr txBox="1">
+            <a:spLocks noGrp="1"/>
+          </p:cNvSpPr>
           <p:nvPr>
-            <p:ph idx="1" type="subTitle"/>
+            <p:ph type="subTitle" idx="1"/>
           </p:nvPr>
         </p:nvSpPr>
         <p:spPr>
@@ -5142,7 +5443,7 @@
           </a:prstGeom>
         </p:spPr>
         <p:txBody>
-          <a:bodyPr anchorCtr="0" anchor="t" bIns="91425" lIns="91425" rIns="91425" wrap="square" tIns="91425"/>
+          <a:bodyPr wrap="square" lIns="91425" tIns="91425" rIns="91425" bIns="91425" anchor="t" anchorCtr="0"/>
           <a:lstStyle>
             <a:lvl1pPr lvl="0" algn="ctr">
               <a:lnSpc>
@@ -5271,15 +5572,19 @@
               <a:defRPr sz="2100"/>
             </a:lvl9pPr>
           </a:lstStyle>
-          <a:p/>
+          <a:p>
+            <a:endParaRPr/>
+          </a:p>
         </p:txBody>
       </p:sp>
       <p:sp>
         <p:nvSpPr>
           <p:cNvPr id="50" name="Shape 50"/>
-          <p:cNvSpPr txBox="1"/>
+          <p:cNvSpPr txBox="1">
+            <a:spLocks noGrp="1"/>
+          </p:cNvSpPr>
           <p:nvPr>
-            <p:ph idx="2" type="body"/>
+            <p:ph type="body" idx="2"/>
           </p:nvPr>
         </p:nvSpPr>
         <p:spPr>
@@ -5292,7 +5597,7 @@
           </a:prstGeom>
         </p:spPr>
         <p:txBody>
-          <a:bodyPr anchorCtr="0" anchor="ctr" bIns="91425" lIns="91425" rIns="91425" wrap="square" tIns="91425"/>
+          <a:bodyPr wrap="square" lIns="91425" tIns="91425" rIns="91425" bIns="91425" anchor="ctr" anchorCtr="0"/>
           <a:lstStyle>
             <a:lvl1pPr lvl="0">
               <a:spcBef>
@@ -5412,15 +5717,19 @@
               </a:defRPr>
             </a:lvl9pPr>
           </a:lstStyle>
-          <a:p/>
+          <a:p>
+            <a:endParaRPr/>
+          </a:p>
         </p:txBody>
       </p:sp>
       <p:sp>
         <p:nvSpPr>
           <p:cNvPr id="51" name="Shape 51"/>
-          <p:cNvSpPr txBox="1"/>
+          <p:cNvSpPr txBox="1">
+            <a:spLocks noGrp="1"/>
+          </p:cNvSpPr>
           <p:nvPr>
-            <p:ph idx="12" type="sldNum"/>
+            <p:ph type="sldNum" idx="12"/>
           </p:nvPr>
         </p:nvSpPr>
         <p:spPr>
@@ -5433,7 +5742,7 @@
           </a:prstGeom>
         </p:spPr>
         <p:txBody>
-          <a:bodyPr anchorCtr="0" anchor="ctr" bIns="91425" lIns="91425" rIns="91425" wrap="square" tIns="91425">
+          <a:bodyPr wrap="square" lIns="91425" tIns="91425" rIns="91425" bIns="91425" anchor="ctr" anchorCtr="0">
             <a:noAutofit/>
           </a:bodyPr>
           <a:lstStyle/>
@@ -5452,6 +5761,11 @@
               </a:rPr>
               <a:t>‹#›</a:t>
             </a:fld>
+            <a:endParaRPr lang="en">
+              <a:solidFill>
+                <a:schemeClr val="lt1"/>
+              </a:solidFill>
+            </a:endParaRPr>
           </a:p>
         </p:txBody>
       </p:sp>
@@ -5464,11 +5778,11 @@
 </file>
 
 <file path=ppt/slideLayouts/slideLayout9.xml><?xml version="1.0" encoding="utf-8"?>
-<p:sldLayout xmlns:a="http://schemas.openxmlformats.org/drawingml/2006/main" xmlns:r="http://schemas.openxmlformats.org/officeDocument/2006/relationships" xmlns:mc="http://schemas.openxmlformats.org/markup-compatibility/2006" xmlns:mv="urn:schemas-microsoft-com:mac:vml" xmlns:p="http://schemas.openxmlformats.org/presentationml/2006/main" xmlns:c="http://schemas.openxmlformats.org/drawingml/2006/chart" xmlns:dgm="http://schemas.openxmlformats.org/drawingml/2006/diagram" xmlns:o="urn:schemas-microsoft-com:office:office" xmlns:v="urn:schemas-microsoft-com:vml" xmlns:pvml="urn:schemas-microsoft-com:office:powerpoint" xmlns:com="http://schemas.openxmlformats.org/drawingml/2006/compatibility" xmlns:p14="http://schemas.microsoft.com/office/powerpoint/2010/main" xmlns:p15="http://schemas.microsoft.com/office/powerpoint/2012/main">
+<p:sldLayout xmlns:a="http://schemas.openxmlformats.org/drawingml/2006/main" xmlns:r="http://schemas.openxmlformats.org/officeDocument/2006/relationships" xmlns:p="http://schemas.openxmlformats.org/presentationml/2006/main">
   <p:cSld name="Caption">
     <p:spTree>
       <p:nvGrpSpPr>
-        <p:cNvPr id="52" name="Shape 52"/>
+        <p:cNvPr id="1" name="Shape 52"/>
         <p:cNvGrpSpPr/>
         <p:nvPr/>
       </p:nvGrpSpPr>
@@ -5487,7 +5801,7 @@
           <p:nvPr/>
         </p:nvSpPr>
         <p:spPr>
-          <a:xfrm flipH="1" rot="10800000">
+          <a:xfrm rot="10800000" flipH="1">
             <a:off x="0" y="0"/>
             <a:ext cx="9144000" cy="4695899"/>
           </a:xfrm>
@@ -5502,7 +5816,7 @@
           </a:ln>
         </p:spPr>
         <p:txBody>
-          <a:bodyPr anchorCtr="0" anchor="ctr" bIns="91425" lIns="91425" rIns="91425" wrap="square" tIns="91425">
+          <a:bodyPr wrap="square" lIns="91425" tIns="91425" rIns="91425" bIns="91425" anchor="ctr" anchorCtr="0">
             <a:noAutofit/>
           </a:bodyPr>
           <a:lstStyle/>
@@ -5513,9 +5827,6 @@
               </a:spcBef>
               <a:buNone/>
             </a:pPr>
-            <a:r>
-              <a:t/>
-            </a:r>
             <a:endParaRPr/>
           </a:p>
         </p:txBody>
@@ -5527,7 +5838,7 @@
           <p:nvPr/>
         </p:nvSpPr>
         <p:spPr>
-          <a:xfrm flipH="1" rot="10800000">
+          <a:xfrm rot="10800000" flipH="1">
             <a:off x="0" y="4622724"/>
             <a:ext cx="9144000" cy="74100"/>
           </a:xfrm>
@@ -5556,7 +5867,7 @@
           </a:ln>
         </p:spPr>
         <p:txBody>
-          <a:bodyPr anchorCtr="0" anchor="ctr" bIns="91425" lIns="91425" rIns="91425" wrap="square" tIns="91425">
+          <a:bodyPr wrap="square" lIns="91425" tIns="91425" rIns="91425" bIns="91425" anchor="ctr" anchorCtr="0">
             <a:noAutofit/>
           </a:bodyPr>
           <a:lstStyle/>
@@ -5567,9 +5878,6 @@
               </a:spcBef>
               <a:buNone/>
             </a:pPr>
-            <a:r>
-              <a:t/>
-            </a:r>
             <a:endParaRPr/>
           </a:p>
         </p:txBody>
@@ -5577,9 +5885,11 @@
       <p:sp>
         <p:nvSpPr>
           <p:cNvPr id="55" name="Shape 55"/>
-          <p:cNvSpPr txBox="1"/>
+          <p:cNvSpPr txBox="1">
+            <a:spLocks noGrp="1"/>
+          </p:cNvSpPr>
           <p:nvPr>
-            <p:ph idx="1" type="body"/>
+            <p:ph type="body" idx="1"/>
           </p:nvPr>
         </p:nvSpPr>
         <p:spPr>
@@ -5592,7 +5902,7 @@
           </a:prstGeom>
         </p:spPr>
         <p:txBody>
-          <a:bodyPr anchorCtr="0" anchor="ctr" bIns="91425" lIns="91425" rIns="91425" wrap="square" tIns="91425"/>
+          <a:bodyPr wrap="square" lIns="91425" tIns="91425" rIns="91425" bIns="91425" anchor="ctr" anchorCtr="0"/>
           <a:lstStyle>
             <a:lvl1pPr lvl="0">
               <a:lnSpc>
@@ -5616,15 +5926,19 @@
               </a:defRPr>
             </a:lvl1pPr>
           </a:lstStyle>
-          <a:p/>
+          <a:p>
+            <a:endParaRPr/>
+          </a:p>
         </p:txBody>
       </p:sp>
       <p:sp>
         <p:nvSpPr>
           <p:cNvPr id="56" name="Shape 56"/>
-          <p:cNvSpPr txBox="1"/>
+          <p:cNvSpPr txBox="1">
+            <a:spLocks noGrp="1"/>
+          </p:cNvSpPr>
           <p:nvPr>
-            <p:ph idx="12" type="sldNum"/>
+            <p:ph type="sldNum" idx="12"/>
           </p:nvPr>
         </p:nvSpPr>
         <p:spPr>
@@ -5637,7 +5951,7 @@
           </a:prstGeom>
         </p:spPr>
         <p:txBody>
-          <a:bodyPr anchorCtr="0" anchor="ctr" bIns="91425" lIns="91425" rIns="91425" wrap="square" tIns="91425">
+          <a:bodyPr wrap="square" lIns="91425" tIns="91425" rIns="91425" bIns="91425" anchor="ctr" anchorCtr="0">
             <a:noAutofit/>
           </a:bodyPr>
           <a:lstStyle/>
@@ -5656,6 +5970,11 @@
               </a:rPr>
               <a:t>‹#›</a:t>
             </a:fld>
+            <a:endParaRPr lang="en">
+              <a:solidFill>
+                <a:schemeClr val="lt1"/>
+              </a:solidFill>
+            </a:endParaRPr>
           </a:p>
         </p:txBody>
       </p:sp>
@@ -5668,18 +5987,19 @@
 </file>
 
 <file path=ppt/slideMasters/slideMaster1.xml><?xml version="1.0" encoding="utf-8"?>
-<p:sldMaster xmlns:a="http://schemas.openxmlformats.org/drawingml/2006/main" xmlns:r="http://schemas.openxmlformats.org/officeDocument/2006/relationships" xmlns:mc="http://schemas.openxmlformats.org/markup-compatibility/2006" xmlns:mv="urn:schemas-microsoft-com:mac:vml" xmlns:p="http://schemas.openxmlformats.org/presentationml/2006/main" xmlns:c="http://schemas.openxmlformats.org/drawingml/2006/chart" xmlns:dgm="http://schemas.openxmlformats.org/drawingml/2006/diagram" xmlns:o="urn:schemas-microsoft-com:office:office" xmlns:v="urn:schemas-microsoft-com:vml" xmlns:pvml="urn:schemas-microsoft-com:office:powerpoint" xmlns:com="http://schemas.openxmlformats.org/drawingml/2006/compatibility" xmlns:p14="http://schemas.microsoft.com/office/powerpoint/2010/main" xmlns:p15="http://schemas.microsoft.com/office/powerpoint/2012/main">
+<p:sldMaster xmlns:a="http://schemas.openxmlformats.org/drawingml/2006/main" xmlns:r="http://schemas.openxmlformats.org/officeDocument/2006/relationships" xmlns:p="http://schemas.openxmlformats.org/presentationml/2006/main">
   <p:cSld name="material">
     <p:bg>
       <p:bgPr>
         <a:solidFill>
           <a:schemeClr val="dk1"/>
         </a:solidFill>
+        <a:effectLst/>
       </p:bgPr>
     </p:bg>
     <p:spTree>
       <p:nvGrpSpPr>
-        <p:cNvPr id="5" name="Shape 5"/>
+        <p:cNvPr id="1" name="Shape 5"/>
         <p:cNvGrpSpPr/>
         <p:nvPr/>
       </p:nvGrpSpPr>
@@ -5694,7 +6014,9 @@
       <p:sp>
         <p:nvSpPr>
           <p:cNvPr id="6" name="Shape 6"/>
-          <p:cNvSpPr txBox="1"/>
+          <p:cNvSpPr txBox="1">
+            <a:spLocks noGrp="1"/>
+          </p:cNvSpPr>
           <p:nvPr>
             <p:ph type="title"/>
           </p:nvPr>
@@ -5713,7 +6035,7 @@
           </a:ln>
         </p:spPr>
         <p:txBody>
-          <a:bodyPr anchorCtr="0" anchor="b" bIns="91425" lIns="91425" rIns="91425" wrap="square" tIns="91425"/>
+          <a:bodyPr wrap="square" lIns="91425" tIns="91425" rIns="91425" bIns="91425" anchor="b" anchorCtr="0"/>
           <a:lstStyle>
             <a:lvl1pPr lvl="0">
               <a:spcBef>
@@ -5896,15 +6218,19 @@
               </a:defRPr>
             </a:lvl9pPr>
           </a:lstStyle>
-          <a:p/>
+          <a:p>
+            <a:endParaRPr/>
+          </a:p>
         </p:txBody>
       </p:sp>
       <p:sp>
         <p:nvSpPr>
           <p:cNvPr id="7" name="Shape 7"/>
-          <p:cNvSpPr txBox="1"/>
+          <p:cNvSpPr txBox="1">
+            <a:spLocks noGrp="1"/>
+          </p:cNvSpPr>
           <p:nvPr>
-            <p:ph idx="1" type="body"/>
+            <p:ph type="body" idx="1"/>
           </p:nvPr>
         </p:nvSpPr>
         <p:spPr>
@@ -5921,7 +6247,7 @@
           </a:ln>
         </p:spPr>
         <p:txBody>
-          <a:bodyPr anchorCtr="0" anchor="t" bIns="91425" lIns="91425" rIns="91425" wrap="square" tIns="91425"/>
+          <a:bodyPr wrap="square" lIns="91425" tIns="91425" rIns="91425" bIns="91425" anchor="t" anchorCtr="0"/>
           <a:lstStyle>
             <a:lvl1pPr lvl="0">
               <a:lnSpc>
@@ -6150,15 +6476,19 @@
               </a:defRPr>
             </a:lvl9pPr>
           </a:lstStyle>
-          <a:p/>
+          <a:p>
+            <a:endParaRPr/>
+          </a:p>
         </p:txBody>
       </p:sp>
       <p:sp>
         <p:nvSpPr>
           <p:cNvPr id="8" name="Shape 8"/>
-          <p:cNvSpPr txBox="1"/>
+          <p:cNvSpPr txBox="1">
+            <a:spLocks noGrp="1"/>
+          </p:cNvSpPr>
           <p:nvPr>
-            <p:ph idx="12" type="sldNum"/>
+            <p:ph type="sldNum" idx="12"/>
           </p:nvPr>
         </p:nvSpPr>
         <p:spPr>
@@ -6175,7 +6505,7 @@
           </a:ln>
         </p:spPr>
         <p:txBody>
-          <a:bodyPr anchorCtr="0" anchor="ctr" bIns="91425" lIns="91425" rIns="91425" wrap="square" tIns="91425">
+          <a:bodyPr wrap="square" lIns="91425" tIns="91425" rIns="91425" bIns="91425" anchor="ctr" anchorCtr="0">
             <a:noAutofit/>
           </a:bodyPr>
           <a:lstStyle/>
@@ -6198,12 +6528,21 @@
               </a:rPr>
               <a:t>‹#›</a:t>
             </a:fld>
+            <a:endParaRPr lang="en" sz="1000">
+              <a:solidFill>
+                <a:schemeClr val="lt2"/>
+              </a:solidFill>
+              <a:latin typeface="Roboto"/>
+              <a:ea typeface="Roboto"/>
+              <a:cs typeface="Roboto"/>
+              <a:sym typeface="Roboto"/>
+            </a:endParaRPr>
           </a:p>
         </p:txBody>
       </p:sp>
     </p:spTree>
   </p:cSld>
-  <p:clrMap accent1="accent1" accent2="accent2" accent3="accent3" accent4="accent4" accent5="accent5" accent6="accent6" bg1="lt1" bg2="dk2" tx1="dk1" tx2="lt2" folHlink="folHlink" hlink="hlink"/>
+  <p:clrMap bg1="lt1" tx1="dk1" bg2="dk2" tx2="lt2" accent1="accent1" accent2="accent2" accent3="accent3" accent4="accent4" accent5="accent5" accent6="accent6" hlink="hlink" folHlink="folHlink"/>
   <p:sldLayoutIdLst>
     <p:sldLayoutId id="2147483648" r:id="rId1"/>
     <p:sldLayoutId id="2147483649" r:id="rId2"/>
@@ -6217,10 +6556,10 @@
     <p:sldLayoutId id="2147483657" r:id="rId10"/>
     <p:sldLayoutId id="2147483658" r:id="rId11"/>
   </p:sldLayoutIdLst>
-  <p:hf dt="0" ftr="0" hdr="0" sldNum="0"/>
+  <p:hf sldNum="0" hdr="0" ftr="0" dt="0"/>
   <p:txStyles>
     <p:titleStyle>
-      <a:defPPr lvl="0" marR="0" rtl="0" algn="l">
+      <a:defPPr marR="0" lvl="0" algn="l" rtl="0">
         <a:lnSpc>
           <a:spcPct val="100000"/>
         </a:lnSpc>
@@ -6231,7 +6570,7 @@
           <a:spcPts val="0"/>
         </a:spcAft>
       </a:defPPr>
-      <a:lvl1pPr lvl="0" marR="0" rtl="0" algn="l">
+      <a:lvl1pPr marR="0" lvl="0" algn="l" rtl="0">
         <a:lnSpc>
           <a:spcPct val="100000"/>
         </a:lnSpc>
@@ -6242,7 +6581,7 @@
           <a:spcPts val="0"/>
         </a:spcAft>
         <a:buNone/>
-        <a:defRPr b="0" i="0" sz="1400" u="none" cap="none" strike="noStrike">
+        <a:defRPr sz="1400" b="0" i="0" u="none" strike="noStrike" cap="none">
           <a:solidFill>
             <a:srgbClr val="000000"/>
           </a:solidFill>
@@ -6254,7 +6593,7 @@
       </a:lvl1pPr>
     </p:titleStyle>
     <p:bodyStyle>
-      <a:defPPr lvl="0" marR="0" rtl="0" algn="l">
+      <a:defPPr marR="0" lvl="0" algn="l" rtl="0">
         <a:lnSpc>
           <a:spcPct val="100000"/>
         </a:lnSpc>
@@ -6265,7 +6604,7 @@
           <a:spcPts val="0"/>
         </a:spcAft>
       </a:defPPr>
-      <a:lvl1pPr lvl="0" marR="0" rtl="0" algn="l">
+      <a:lvl1pPr marR="0" lvl="0" algn="l" rtl="0">
         <a:lnSpc>
           <a:spcPct val="100000"/>
         </a:lnSpc>
@@ -6276,7 +6615,7 @@
           <a:spcPts val="0"/>
         </a:spcAft>
         <a:buNone/>
-        <a:defRPr b="0" i="0" sz="1400" u="none" cap="none" strike="noStrike">
+        <a:defRPr sz="1400" b="0" i="0" u="none" strike="noStrike" cap="none">
           <a:solidFill>
             <a:srgbClr val="000000"/>
           </a:solidFill>
@@ -6286,7 +6625,7 @@
           <a:sym typeface="Arial"/>
         </a:defRPr>
       </a:lvl1pPr>
-      <a:lvl2pPr lvl="1" marR="0" rtl="0" algn="l">
+      <a:lvl2pPr marR="0" lvl="1" algn="l" rtl="0">
         <a:lnSpc>
           <a:spcPct val="100000"/>
         </a:lnSpc>
@@ -6297,7 +6636,7 @@
           <a:spcPts val="0"/>
         </a:spcAft>
         <a:buNone/>
-        <a:defRPr b="0" i="0" sz="1400" u="none" cap="none" strike="noStrike">
+        <a:defRPr sz="1400" b="0" i="0" u="none" strike="noStrike" cap="none">
           <a:solidFill>
             <a:srgbClr val="000000"/>
           </a:solidFill>
@@ -6307,7 +6646,7 @@
           <a:sym typeface="Arial"/>
         </a:defRPr>
       </a:lvl2pPr>
-      <a:lvl3pPr lvl="2" marR="0" rtl="0" algn="l">
+      <a:lvl3pPr marR="0" lvl="2" algn="l" rtl="0">
         <a:lnSpc>
           <a:spcPct val="100000"/>
         </a:lnSpc>
@@ -6318,7 +6657,7 @@
           <a:spcPts val="0"/>
         </a:spcAft>
         <a:buNone/>
-        <a:defRPr b="0" i="0" sz="1400" u="none" cap="none" strike="noStrike">
+        <a:defRPr sz="1400" b="0" i="0" u="none" strike="noStrike" cap="none">
           <a:solidFill>
             <a:srgbClr val="000000"/>
           </a:solidFill>
@@ -6328,7 +6667,7 @@
           <a:sym typeface="Arial"/>
         </a:defRPr>
       </a:lvl3pPr>
-      <a:lvl4pPr lvl="3" marR="0" rtl="0" algn="l">
+      <a:lvl4pPr marR="0" lvl="3" algn="l" rtl="0">
         <a:lnSpc>
           <a:spcPct val="100000"/>
         </a:lnSpc>
@@ -6339,7 +6678,7 @@
           <a:spcPts val="0"/>
         </a:spcAft>
         <a:buNone/>
-        <a:defRPr b="0" i="0" sz="1400" u="none" cap="none" strike="noStrike">
+        <a:defRPr sz="1400" b="0" i="0" u="none" strike="noStrike" cap="none">
           <a:solidFill>
             <a:srgbClr val="000000"/>
           </a:solidFill>
@@ -6349,7 +6688,7 @@
           <a:sym typeface="Arial"/>
         </a:defRPr>
       </a:lvl4pPr>
-      <a:lvl5pPr lvl="4" marR="0" rtl="0" algn="l">
+      <a:lvl5pPr marR="0" lvl="4" algn="l" rtl="0">
         <a:lnSpc>
           <a:spcPct val="100000"/>
         </a:lnSpc>
@@ -6360,7 +6699,7 @@
           <a:spcPts val="0"/>
         </a:spcAft>
         <a:buNone/>
-        <a:defRPr b="0" i="0" sz="1400" u="none" cap="none" strike="noStrike">
+        <a:defRPr sz="1400" b="0" i="0" u="none" strike="noStrike" cap="none">
           <a:solidFill>
             <a:srgbClr val="000000"/>
           </a:solidFill>
@@ -6370,7 +6709,7 @@
           <a:sym typeface="Arial"/>
         </a:defRPr>
       </a:lvl5pPr>
-      <a:lvl6pPr lvl="5" marR="0" rtl="0" algn="l">
+      <a:lvl6pPr marR="0" lvl="5" algn="l" rtl="0">
         <a:lnSpc>
           <a:spcPct val="100000"/>
         </a:lnSpc>
@@ -6381,7 +6720,7 @@
           <a:spcPts val="0"/>
         </a:spcAft>
         <a:buNone/>
-        <a:defRPr b="0" i="0" sz="1400" u="none" cap="none" strike="noStrike">
+        <a:defRPr sz="1400" b="0" i="0" u="none" strike="noStrike" cap="none">
           <a:solidFill>
             <a:srgbClr val="000000"/>
           </a:solidFill>
@@ -6391,7 +6730,7 @@
           <a:sym typeface="Arial"/>
         </a:defRPr>
       </a:lvl6pPr>
-      <a:lvl7pPr lvl="6" marR="0" rtl="0" algn="l">
+      <a:lvl7pPr marR="0" lvl="6" algn="l" rtl="0">
         <a:lnSpc>
           <a:spcPct val="100000"/>
         </a:lnSpc>
@@ -6402,7 +6741,7 @@
           <a:spcPts val="0"/>
         </a:spcAft>
         <a:buNone/>
-        <a:defRPr b="0" i="0" sz="1400" u="none" cap="none" strike="noStrike">
+        <a:defRPr sz="1400" b="0" i="0" u="none" strike="noStrike" cap="none">
           <a:solidFill>
             <a:srgbClr val="000000"/>
           </a:solidFill>
@@ -6412,7 +6751,7 @@
           <a:sym typeface="Arial"/>
         </a:defRPr>
       </a:lvl7pPr>
-      <a:lvl8pPr lvl="7" marR="0" rtl="0" algn="l">
+      <a:lvl8pPr marR="0" lvl="7" algn="l" rtl="0">
         <a:lnSpc>
           <a:spcPct val="100000"/>
         </a:lnSpc>
@@ -6423,7 +6762,7 @@
           <a:spcPts val="0"/>
         </a:spcAft>
         <a:buNone/>
-        <a:defRPr b="0" i="0" sz="1400" u="none" cap="none" strike="noStrike">
+        <a:defRPr sz="1400" b="0" i="0" u="none" strike="noStrike" cap="none">
           <a:solidFill>
             <a:srgbClr val="000000"/>
           </a:solidFill>
@@ -6433,7 +6772,7 @@
           <a:sym typeface="Arial"/>
         </a:defRPr>
       </a:lvl8pPr>
-      <a:lvl9pPr lvl="8" marR="0" rtl="0" algn="l">
+      <a:lvl9pPr marR="0" lvl="8" algn="l" rtl="0">
         <a:lnSpc>
           <a:spcPct val="100000"/>
         </a:lnSpc>
@@ -6444,7 +6783,7 @@
           <a:spcPts val="0"/>
         </a:spcAft>
         <a:buNone/>
-        <a:defRPr b="0" i="0" sz="1400" u="none" cap="none" strike="noStrike">
+        <a:defRPr sz="1400" b="0" i="0" u="none" strike="noStrike" cap="none">
           <a:solidFill>
             <a:srgbClr val="000000"/>
           </a:solidFill>
@@ -6456,7 +6795,7 @@
       </a:lvl9pPr>
     </p:bodyStyle>
     <p:otherStyle>
-      <a:defPPr lvl="0" marR="0" rtl="0" algn="l">
+      <a:defPPr marR="0" lvl="0" algn="l" rtl="0">
         <a:lnSpc>
           <a:spcPct val="100000"/>
         </a:lnSpc>
@@ -6467,7 +6806,7 @@
           <a:spcPts val="0"/>
         </a:spcAft>
       </a:defPPr>
-      <a:lvl1pPr lvl="0" marR="0" rtl="0" algn="l">
+      <a:lvl1pPr marR="0" lvl="0" algn="l" rtl="0">
         <a:lnSpc>
           <a:spcPct val="100000"/>
         </a:lnSpc>
@@ -6478,7 +6817,7 @@
           <a:spcPts val="0"/>
         </a:spcAft>
         <a:buNone/>
-        <a:defRPr b="0" i="0" sz="1400" u="none" cap="none" strike="noStrike">
+        <a:defRPr sz="1400" b="0" i="0" u="none" strike="noStrike" cap="none">
           <a:solidFill>
             <a:srgbClr val="000000"/>
           </a:solidFill>
@@ -6488,7 +6827,7 @@
           <a:sym typeface="Arial"/>
         </a:defRPr>
       </a:lvl1pPr>
-      <a:lvl2pPr lvl="1" marR="0" rtl="0" algn="l">
+      <a:lvl2pPr marR="0" lvl="1" algn="l" rtl="0">
         <a:lnSpc>
           <a:spcPct val="100000"/>
         </a:lnSpc>
@@ -6499,7 +6838,7 @@
           <a:spcPts val="0"/>
         </a:spcAft>
         <a:buNone/>
-        <a:defRPr b="0" i="0" sz="1400" u="none" cap="none" strike="noStrike">
+        <a:defRPr sz="1400" b="0" i="0" u="none" strike="noStrike" cap="none">
           <a:solidFill>
             <a:srgbClr val="000000"/>
           </a:solidFill>
@@ -6509,7 +6848,7 @@
           <a:sym typeface="Arial"/>
         </a:defRPr>
       </a:lvl2pPr>
-      <a:lvl3pPr lvl="2" marR="0" rtl="0" algn="l">
+      <a:lvl3pPr marR="0" lvl="2" algn="l" rtl="0">
         <a:lnSpc>
           <a:spcPct val="100000"/>
         </a:lnSpc>
@@ -6520,7 +6859,7 @@
           <a:spcPts val="0"/>
         </a:spcAft>
         <a:buNone/>
-        <a:defRPr b="0" i="0" sz="1400" u="none" cap="none" strike="noStrike">
+        <a:defRPr sz="1400" b="0" i="0" u="none" strike="noStrike" cap="none">
           <a:solidFill>
             <a:srgbClr val="000000"/>
           </a:solidFill>
@@ -6530,7 +6869,7 @@
           <a:sym typeface="Arial"/>
         </a:defRPr>
       </a:lvl3pPr>
-      <a:lvl4pPr lvl="3" marR="0" rtl="0" algn="l">
+      <a:lvl4pPr marR="0" lvl="3" algn="l" rtl="0">
         <a:lnSpc>
           <a:spcPct val="100000"/>
         </a:lnSpc>
@@ -6541,7 +6880,7 @@
           <a:spcPts val="0"/>
         </a:spcAft>
         <a:buNone/>
-        <a:defRPr b="0" i="0" sz="1400" u="none" cap="none" strike="noStrike">
+        <a:defRPr sz="1400" b="0" i="0" u="none" strike="noStrike" cap="none">
           <a:solidFill>
             <a:srgbClr val="000000"/>
           </a:solidFill>
@@ -6551,7 +6890,7 @@
           <a:sym typeface="Arial"/>
         </a:defRPr>
       </a:lvl4pPr>
-      <a:lvl5pPr lvl="4" marR="0" rtl="0" algn="l">
+      <a:lvl5pPr marR="0" lvl="4" algn="l" rtl="0">
         <a:lnSpc>
           <a:spcPct val="100000"/>
         </a:lnSpc>
@@ -6562,7 +6901,7 @@
           <a:spcPts val="0"/>
         </a:spcAft>
         <a:buNone/>
-        <a:defRPr b="0" i="0" sz="1400" u="none" cap="none" strike="noStrike">
+        <a:defRPr sz="1400" b="0" i="0" u="none" strike="noStrike" cap="none">
           <a:solidFill>
             <a:srgbClr val="000000"/>
           </a:solidFill>
@@ -6572,7 +6911,7 @@
           <a:sym typeface="Arial"/>
         </a:defRPr>
       </a:lvl5pPr>
-      <a:lvl6pPr lvl="5" marR="0" rtl="0" algn="l">
+      <a:lvl6pPr marR="0" lvl="5" algn="l" rtl="0">
         <a:lnSpc>
           <a:spcPct val="100000"/>
         </a:lnSpc>
@@ -6583,7 +6922,7 @@
           <a:spcPts val="0"/>
         </a:spcAft>
         <a:buNone/>
-        <a:defRPr b="0" i="0" sz="1400" u="none" cap="none" strike="noStrike">
+        <a:defRPr sz="1400" b="0" i="0" u="none" strike="noStrike" cap="none">
           <a:solidFill>
             <a:srgbClr val="000000"/>
           </a:solidFill>
@@ -6593,7 +6932,7 @@
           <a:sym typeface="Arial"/>
         </a:defRPr>
       </a:lvl6pPr>
-      <a:lvl7pPr lvl="6" marR="0" rtl="0" algn="l">
+      <a:lvl7pPr marR="0" lvl="6" algn="l" rtl="0">
         <a:lnSpc>
           <a:spcPct val="100000"/>
         </a:lnSpc>
@@ -6604,7 +6943,7 @@
           <a:spcPts val="0"/>
         </a:spcAft>
         <a:buNone/>
-        <a:defRPr b="0" i="0" sz="1400" u="none" cap="none" strike="noStrike">
+        <a:defRPr sz="1400" b="0" i="0" u="none" strike="noStrike" cap="none">
           <a:solidFill>
             <a:srgbClr val="000000"/>
           </a:solidFill>
@@ -6614,7 +6953,7 @@
           <a:sym typeface="Arial"/>
         </a:defRPr>
       </a:lvl7pPr>
-      <a:lvl8pPr lvl="7" marR="0" rtl="0" algn="l">
+      <a:lvl8pPr marR="0" lvl="7" algn="l" rtl="0">
         <a:lnSpc>
           <a:spcPct val="100000"/>
         </a:lnSpc>
@@ -6625,7 +6964,7 @@
           <a:spcPts val="0"/>
         </a:spcAft>
         <a:buNone/>
-        <a:defRPr b="0" i="0" sz="1400" u="none" cap="none" strike="noStrike">
+        <a:defRPr sz="1400" b="0" i="0" u="none" strike="noStrike" cap="none">
           <a:solidFill>
             <a:srgbClr val="000000"/>
           </a:solidFill>
@@ -6635,7 +6974,7 @@
           <a:sym typeface="Arial"/>
         </a:defRPr>
       </a:lvl8pPr>
-      <a:lvl9pPr lvl="8" marR="0" rtl="0" algn="l">
+      <a:lvl9pPr marR="0" lvl="8" algn="l" rtl="0">
         <a:lnSpc>
           <a:spcPct val="100000"/>
         </a:lnSpc>
@@ -6646,7 +6985,7 @@
           <a:spcPts val="0"/>
         </a:spcAft>
         <a:buNone/>
-        <a:defRPr b="0" i="0" sz="1400" u="none" cap="none" strike="noStrike">
+        <a:defRPr sz="1400" b="0" i="0" u="none" strike="noStrike" cap="none">
           <a:solidFill>
             <a:srgbClr val="000000"/>
           </a:solidFill>
@@ -6662,11 +7001,11 @@
 </file>
 
 <file path=ppt/slides/slide1.xml><?xml version="1.0" encoding="utf-8"?>
-<p:sld xmlns:a="http://schemas.openxmlformats.org/drawingml/2006/main" xmlns:r="http://schemas.openxmlformats.org/officeDocument/2006/relationships" xmlns:mc="http://schemas.openxmlformats.org/markup-compatibility/2006" xmlns:mv="urn:schemas-microsoft-com:mac:vml" xmlns:p="http://schemas.openxmlformats.org/presentationml/2006/main" xmlns:c="http://schemas.openxmlformats.org/drawingml/2006/chart" xmlns:dgm="http://schemas.openxmlformats.org/drawingml/2006/diagram" xmlns:o="urn:schemas-microsoft-com:office:office" xmlns:v="urn:schemas-microsoft-com:vml" xmlns:pvml="urn:schemas-microsoft-com:office:powerpoint" xmlns:com="http://schemas.openxmlformats.org/drawingml/2006/compatibility" xmlns:p14="http://schemas.microsoft.com/office/powerpoint/2010/main" xmlns:p15="http://schemas.microsoft.com/office/powerpoint/2012/main">
+<p:sld xmlns:a="http://schemas.openxmlformats.org/drawingml/2006/main" xmlns:r="http://schemas.openxmlformats.org/officeDocument/2006/relationships" xmlns:p="http://schemas.openxmlformats.org/presentationml/2006/main">
   <p:cSld>
     <p:spTree>
       <p:nvGrpSpPr>
-        <p:cNvPr id="66" name="Shape 66"/>
+        <p:cNvPr id="1" name="Shape 66"/>
         <p:cNvGrpSpPr/>
         <p:nvPr/>
       </p:nvGrpSpPr>
@@ -6681,7 +7020,9 @@
       <p:sp>
         <p:nvSpPr>
           <p:cNvPr id="67" name="Shape 67"/>
-          <p:cNvSpPr txBox="1"/>
+          <p:cNvSpPr txBox="1">
+            <a:spLocks noGrp="1"/>
+          </p:cNvSpPr>
           <p:nvPr>
             <p:ph type="ctrTitle"/>
           </p:nvPr>
@@ -6696,7 +7037,7 @@
           </a:prstGeom>
         </p:spPr>
         <p:txBody>
-          <a:bodyPr anchorCtr="0" anchor="b" bIns="91425" lIns="91425" rIns="91425" wrap="square" tIns="91425">
+          <a:bodyPr wrap="square" lIns="91425" tIns="91425" rIns="91425" bIns="91425" anchor="b" anchorCtr="0">
             <a:noAutofit/>
           </a:bodyPr>
           <a:lstStyle/>
@@ -6717,9 +7058,11 @@
       <p:sp>
         <p:nvSpPr>
           <p:cNvPr id="68" name="Shape 68"/>
-          <p:cNvSpPr txBox="1"/>
+          <p:cNvSpPr txBox="1">
+            <a:spLocks noGrp="1"/>
+          </p:cNvSpPr>
           <p:nvPr>
-            <p:ph idx="1" type="subTitle"/>
+            <p:ph type="subTitle" idx="1"/>
           </p:nvPr>
         </p:nvSpPr>
         <p:spPr>
@@ -6732,7 +7075,7 @@
           </a:prstGeom>
         </p:spPr>
         <p:txBody>
-          <a:bodyPr anchorCtr="0" anchor="t" bIns="91425" lIns="91425" rIns="91425" wrap="square" tIns="91425">
+          <a:bodyPr wrap="square" lIns="91425" tIns="91425" rIns="91425" bIns="91425" anchor="t" anchorCtr="0">
             <a:noAutofit/>
           </a:bodyPr>
           <a:lstStyle/>
@@ -6755,9 +7098,6 @@
               </a:spcBef>
               <a:buNone/>
             </a:pPr>
-            <a:r>
-              <a:t/>
-            </a:r>
             <a:endParaRPr sz="2400"/>
           </a:p>
         </p:txBody>
@@ -6799,11 +7139,11 @@
 </file>
 
 <file path=ppt/slides/slide10.xml><?xml version="1.0" encoding="utf-8"?>
-<p:sld xmlns:a="http://schemas.openxmlformats.org/drawingml/2006/main" xmlns:r="http://schemas.openxmlformats.org/officeDocument/2006/relationships" xmlns:mc="http://schemas.openxmlformats.org/markup-compatibility/2006" xmlns:mv="urn:schemas-microsoft-com:mac:vml" xmlns:p="http://schemas.openxmlformats.org/presentationml/2006/main" xmlns:c="http://schemas.openxmlformats.org/drawingml/2006/chart" xmlns:dgm="http://schemas.openxmlformats.org/drawingml/2006/diagram" xmlns:o="urn:schemas-microsoft-com:office:office" xmlns:v="urn:schemas-microsoft-com:vml" xmlns:pvml="urn:schemas-microsoft-com:office:powerpoint" xmlns:com="http://schemas.openxmlformats.org/drawingml/2006/compatibility" xmlns:p14="http://schemas.microsoft.com/office/powerpoint/2010/main" xmlns:p15="http://schemas.microsoft.com/office/powerpoint/2012/main">
+<p:sld xmlns:a="http://schemas.openxmlformats.org/drawingml/2006/main" xmlns:r="http://schemas.openxmlformats.org/officeDocument/2006/relationships" xmlns:p="http://schemas.openxmlformats.org/presentationml/2006/main">
   <p:cSld>
     <p:spTree>
       <p:nvGrpSpPr>
-        <p:cNvPr id="121" name="Shape 121"/>
+        <p:cNvPr id="1" name="Shape 121"/>
         <p:cNvGrpSpPr/>
         <p:nvPr/>
       </p:nvGrpSpPr>
@@ -6818,7 +7158,9 @@
       <p:sp>
         <p:nvSpPr>
           <p:cNvPr id="122" name="Shape 122"/>
-          <p:cNvSpPr txBox="1"/>
+          <p:cNvSpPr txBox="1">
+            <a:spLocks noGrp="1"/>
+          </p:cNvSpPr>
           <p:nvPr>
             <p:ph type="title"/>
           </p:nvPr>
@@ -6833,7 +7175,7 @@
           </a:prstGeom>
         </p:spPr>
         <p:txBody>
-          <a:bodyPr anchorCtr="0" anchor="b" bIns="91425" lIns="91425" rIns="91425" wrap="square" tIns="91425">
+          <a:bodyPr wrap="square" lIns="91425" tIns="91425" rIns="91425" bIns="91425" anchor="b" anchorCtr="0">
             <a:noAutofit/>
           </a:bodyPr>
           <a:lstStyle/>
@@ -6846,11 +7188,7 @@
             </a:pPr>
             <a:r>
               <a:rPr lang="en"/>
-              <a:t>Quit a game</a:t>
-            </a:r>
-            <a:r>
-              <a:rPr lang="en"/>
-              <a:t> (cont.) </a:t>
+              <a:t>Quit a game (cont.) </a:t>
             </a:r>
           </a:p>
         </p:txBody>
@@ -6858,9 +7196,11 @@
       <p:sp>
         <p:nvSpPr>
           <p:cNvPr id="123" name="Shape 123"/>
-          <p:cNvSpPr txBox="1"/>
+          <p:cNvSpPr txBox="1">
+            <a:spLocks noGrp="1"/>
+          </p:cNvSpPr>
           <p:nvPr>
-            <p:ph idx="1" type="body"/>
+            <p:ph type="body" idx="1"/>
           </p:nvPr>
         </p:nvSpPr>
         <p:spPr>
@@ -6873,7 +7213,7 @@
           </a:prstGeom>
         </p:spPr>
         <p:txBody>
-          <a:bodyPr anchorCtr="0" anchor="t" bIns="91425" lIns="91425" rIns="91425" wrap="square" tIns="91425">
+          <a:bodyPr wrap="square" lIns="91425" tIns="91425" rIns="91425" bIns="91425" anchor="t" anchorCtr="0">
             <a:noAutofit/>
           </a:bodyPr>
           <a:lstStyle/>
@@ -6891,7 +7231,7 @@
               <a:buNone/>
             </a:pPr>
             <a:r>
-              <a:rPr b="1" lang="en" sz="1800">
+              <a:rPr lang="en" sz="1800" b="1">
                 <a:solidFill>
                   <a:srgbClr val="000000"/>
                 </a:solidFill>
@@ -6903,7 +7243,7 @@
               <a:t>Main Success Scenario:</a:t>
             </a:r>
             <a:br>
-              <a:rPr b="1" lang="en">
+              <a:rPr lang="en" b="1">
                 <a:solidFill>
                   <a:srgbClr val="000000"/>
                 </a:solidFill>
@@ -7043,9 +7383,6 @@
               </a:spcAft>
               <a:buNone/>
             </a:pPr>
-            <a:r>
-              <a:t/>
-            </a:r>
             <a:endParaRPr b="1">
               <a:solidFill>
                 <a:srgbClr val="000000"/>
@@ -7063,9 +7400,6 @@
               </a:spcBef>
               <a:buNone/>
             </a:pPr>
-            <a:r>
-              <a:t/>
-            </a:r>
             <a:endParaRPr/>
           </a:p>
         </p:txBody>
@@ -7079,11 +7413,11 @@
 </file>
 
 <file path=ppt/slides/slide11.xml><?xml version="1.0" encoding="utf-8"?>
-<p:sld xmlns:a="http://schemas.openxmlformats.org/drawingml/2006/main" xmlns:r="http://schemas.openxmlformats.org/officeDocument/2006/relationships" xmlns:mc="http://schemas.openxmlformats.org/markup-compatibility/2006" xmlns:mv="urn:schemas-microsoft-com:mac:vml" xmlns:p="http://schemas.openxmlformats.org/presentationml/2006/main" xmlns:c="http://schemas.openxmlformats.org/drawingml/2006/chart" xmlns:dgm="http://schemas.openxmlformats.org/drawingml/2006/diagram" xmlns:o="urn:schemas-microsoft-com:office:office" xmlns:v="urn:schemas-microsoft-com:vml" xmlns:pvml="urn:schemas-microsoft-com:office:powerpoint" xmlns:com="http://schemas.openxmlformats.org/drawingml/2006/compatibility" xmlns:p14="http://schemas.microsoft.com/office/powerpoint/2010/main" xmlns:p15="http://schemas.microsoft.com/office/powerpoint/2012/main">
+<p:sld xmlns:a="http://schemas.openxmlformats.org/drawingml/2006/main" xmlns:r="http://schemas.openxmlformats.org/officeDocument/2006/relationships" xmlns:p="http://schemas.openxmlformats.org/presentationml/2006/main">
   <p:cSld>
     <p:spTree>
       <p:nvGrpSpPr>
-        <p:cNvPr id="127" name="Shape 127"/>
+        <p:cNvPr id="1" name="Shape 127"/>
         <p:cNvGrpSpPr/>
         <p:nvPr/>
       </p:nvGrpSpPr>
@@ -7098,7 +7432,9 @@
       <p:sp>
         <p:nvSpPr>
           <p:cNvPr id="128" name="Shape 128"/>
-          <p:cNvSpPr txBox="1"/>
+          <p:cNvSpPr txBox="1">
+            <a:spLocks noGrp="1"/>
+          </p:cNvSpPr>
           <p:nvPr>
             <p:ph type="title"/>
           </p:nvPr>
@@ -7113,7 +7449,7 @@
           </a:prstGeom>
         </p:spPr>
         <p:txBody>
-          <a:bodyPr anchorCtr="0" anchor="b" bIns="91425" lIns="91425" rIns="91425" wrap="square" tIns="91425">
+          <a:bodyPr wrap="square" lIns="91425" tIns="91425" rIns="91425" bIns="91425" anchor="b" anchorCtr="0">
             <a:noAutofit/>
           </a:bodyPr>
           <a:lstStyle/>
@@ -7126,11 +7462,7 @@
             </a:pPr>
             <a:r>
               <a:rPr lang="en"/>
-              <a:t>Quit a game</a:t>
-            </a:r>
-            <a:r>
-              <a:rPr lang="en"/>
-              <a:t> (cont.)</a:t>
+              <a:t>Quit a game (cont.)</a:t>
             </a:r>
           </a:p>
         </p:txBody>
@@ -7138,9 +7470,11 @@
       <p:sp>
         <p:nvSpPr>
           <p:cNvPr id="129" name="Shape 129"/>
-          <p:cNvSpPr txBox="1"/>
+          <p:cNvSpPr txBox="1">
+            <a:spLocks noGrp="1"/>
+          </p:cNvSpPr>
           <p:nvPr>
-            <p:ph idx="1" type="body"/>
+            <p:ph type="body" idx="1"/>
           </p:nvPr>
         </p:nvSpPr>
         <p:spPr>
@@ -7153,7 +7487,7 @@
           </a:prstGeom>
         </p:spPr>
         <p:txBody>
-          <a:bodyPr anchorCtr="0" anchor="t" bIns="91425" lIns="91425" rIns="91425" wrap="square" tIns="91425">
+          <a:bodyPr wrap="square" lIns="91425" tIns="91425" rIns="91425" bIns="91425" anchor="t" anchorCtr="0">
             <a:noAutofit/>
           </a:bodyPr>
           <a:lstStyle/>
@@ -7171,7 +7505,7 @@
               <a:buNone/>
             </a:pPr>
             <a:r>
-              <a:rPr b="1" lang="en">
+              <a:rPr lang="en" b="1">
                 <a:solidFill>
                   <a:srgbClr val="000000"/>
                 </a:solidFill>
@@ -7183,7 +7517,7 @@
               <a:t>Extensions:</a:t>
             </a:r>
             <a:br>
-              <a:rPr b="1" lang="en">
+              <a:rPr lang="en" b="1">
                 <a:solidFill>
                   <a:srgbClr val="000000"/>
                 </a:solidFill>
@@ -7194,7 +7528,7 @@
               </a:rPr>
             </a:br>
             <a:r>
-              <a:rPr b="1" lang="en">
+              <a:rPr lang="en" b="1">
                 <a:solidFill>
                   <a:srgbClr val="000000"/>
                 </a:solidFill>
@@ -7206,7 +7540,7 @@
               <a:t> </a:t>
             </a:r>
             <a:br>
-              <a:rPr b="1" lang="en">
+              <a:rPr lang="en" b="1">
                 <a:solidFill>
                   <a:srgbClr val="000000"/>
                 </a:solidFill>
@@ -7334,9 +7668,6 @@
               </a:spcAft>
               <a:buNone/>
             </a:pPr>
-            <a:r>
-              <a:t/>
-            </a:r>
             <a:endParaRPr b="1">
               <a:solidFill>
                 <a:srgbClr val="000000"/>
@@ -7354,9 +7685,6 @@
               </a:spcBef>
               <a:buNone/>
             </a:pPr>
-            <a:r>
-              <a:t/>
-            </a:r>
             <a:endParaRPr/>
           </a:p>
         </p:txBody>
@@ -7370,11 +7698,11 @@
 </file>
 
 <file path=ppt/slides/slide12.xml><?xml version="1.0" encoding="utf-8"?>
-<p:sld xmlns:a="http://schemas.openxmlformats.org/drawingml/2006/main" xmlns:r="http://schemas.openxmlformats.org/officeDocument/2006/relationships" xmlns:mc="http://schemas.openxmlformats.org/markup-compatibility/2006" xmlns:mv="urn:schemas-microsoft-com:mac:vml" xmlns:p="http://schemas.openxmlformats.org/presentationml/2006/main" xmlns:c="http://schemas.openxmlformats.org/drawingml/2006/chart" xmlns:dgm="http://schemas.openxmlformats.org/drawingml/2006/diagram" xmlns:o="urn:schemas-microsoft-com:office:office" xmlns:v="urn:schemas-microsoft-com:vml" xmlns:pvml="urn:schemas-microsoft-com:office:powerpoint" xmlns:com="http://schemas.openxmlformats.org/drawingml/2006/compatibility" xmlns:p14="http://schemas.microsoft.com/office/powerpoint/2010/main" xmlns:p15="http://schemas.microsoft.com/office/powerpoint/2012/main">
+<p:sld xmlns:a="http://schemas.openxmlformats.org/drawingml/2006/main" xmlns:r="http://schemas.openxmlformats.org/officeDocument/2006/relationships" xmlns:p="http://schemas.openxmlformats.org/presentationml/2006/main">
   <p:cSld>
     <p:spTree>
       <p:nvGrpSpPr>
-        <p:cNvPr id="133" name="Shape 133"/>
+        <p:cNvPr id="1" name="Shape 133"/>
         <p:cNvGrpSpPr/>
         <p:nvPr/>
       </p:nvGrpSpPr>
@@ -7389,7 +7717,9 @@
       <p:sp>
         <p:nvSpPr>
           <p:cNvPr id="134" name="Shape 134"/>
-          <p:cNvSpPr txBox="1"/>
+          <p:cNvSpPr txBox="1">
+            <a:spLocks noGrp="1"/>
+          </p:cNvSpPr>
           <p:nvPr>
             <p:ph type="title"/>
           </p:nvPr>
@@ -7404,7 +7734,7 @@
           </a:prstGeom>
         </p:spPr>
         <p:txBody>
-          <a:bodyPr anchorCtr="0" anchor="b" bIns="91425" lIns="91425" rIns="91425" wrap="square" tIns="91425">
+          <a:bodyPr wrap="square" lIns="91425" tIns="91425" rIns="91425" bIns="91425" anchor="b" anchorCtr="0">
             <a:noAutofit/>
           </a:bodyPr>
           <a:lstStyle/>
@@ -7425,9 +7755,11 @@
       <p:sp>
         <p:nvSpPr>
           <p:cNvPr id="135" name="Shape 135"/>
-          <p:cNvSpPr txBox="1"/>
+          <p:cNvSpPr txBox="1">
+            <a:spLocks noGrp="1"/>
+          </p:cNvSpPr>
           <p:nvPr>
-            <p:ph idx="1" type="body"/>
+            <p:ph type="body" idx="1"/>
           </p:nvPr>
         </p:nvSpPr>
         <p:spPr>
@@ -7440,7 +7772,7 @@
           </a:prstGeom>
         </p:spPr>
         <p:txBody>
-          <a:bodyPr anchorCtr="0" anchor="t" bIns="91425" lIns="91425" rIns="91425" wrap="square" tIns="91425">
+          <a:bodyPr wrap="square" lIns="91425" tIns="91425" rIns="91425" bIns="91425" anchor="t" anchorCtr="0">
             <a:noAutofit/>
           </a:bodyPr>
           <a:lstStyle/>
@@ -7452,7 +7784,7 @@
               <a:buNone/>
             </a:pPr>
             <a:r>
-              <a:rPr b="1" lang="en" sz="1400">
+              <a:rPr lang="en" sz="1400" b="1">
                 <a:solidFill>
                   <a:srgbClr val="000000"/>
                 </a:solidFill>
@@ -7510,7 +7842,7 @@
               </a:rPr>
             </a:br>
             <a:r>
-              <a:rPr b="1" lang="en" sz="1400">
+              <a:rPr lang="en" sz="1400" b="1">
                 <a:solidFill>
                   <a:srgbClr val="000000"/>
                 </a:solidFill>
@@ -7568,7 +7900,7 @@
               </a:rPr>
             </a:br>
             <a:r>
-              <a:rPr b="1" lang="en" sz="1400">
+              <a:rPr lang="en" sz="1400" b="1">
                 <a:solidFill>
                   <a:srgbClr val="000000"/>
                 </a:solidFill>
@@ -7635,8 +7967,16 @@
                 <a:cs typeface="Arial"/>
                 <a:sym typeface="Arial"/>
               </a:rPr>
-              <a:t>	</a:t>
-            </a:r>
+              <a:t>	Player: Wants to be able to unregister from the game client at any time.</a:t>
+            </a:r>
+          </a:p>
+          <a:p>
+            <a:pPr lvl="0">
+              <a:spcBef>
+                <a:spcPts val="0"/>
+              </a:spcBef>
+              <a:buNone/>
+            </a:pPr>
             <a:r>
               <a:rPr lang="en" sz="1400">
                 <a:solidFill>
@@ -7647,7 +7987,31 @@
                 <a:cs typeface="Arial"/>
                 <a:sym typeface="Arial"/>
               </a:rPr>
-              <a:t>Player: Wants to be able to unregister from the game client at any time.</a:t>
+              <a:t> </a:t>
+            </a:r>
+            <a:r>
+              <a:rPr lang="en" sz="1400" b="1">
+                <a:solidFill>
+                  <a:srgbClr val="000000"/>
+                </a:solidFill>
+                <a:latin typeface="Arial"/>
+                <a:ea typeface="Arial"/>
+                <a:cs typeface="Arial"/>
+                <a:sym typeface="Arial"/>
+              </a:rPr>
+              <a:t>Preconditions</a:t>
+            </a:r>
+            <a:r>
+              <a:rPr lang="en" sz="1400">
+                <a:solidFill>
+                  <a:srgbClr val="000000"/>
+                </a:solidFill>
+                <a:latin typeface="Arial"/>
+                <a:ea typeface="Arial"/>
+                <a:cs typeface="Arial"/>
+                <a:sym typeface="Arial"/>
+              </a:rPr>
+              <a:t>: The player must have a valid registered account on the game client.</a:t>
             </a:r>
           </a:p>
           <a:p>
@@ -7670,16 +8034,16 @@
               <a:t> </a:t>
             </a:r>
             <a:r>
-              <a:rPr b="1" lang="en" sz="1400">
-                <a:solidFill>
-                  <a:srgbClr val="000000"/>
-                </a:solidFill>
-                <a:latin typeface="Arial"/>
-                <a:ea typeface="Arial"/>
-                <a:cs typeface="Arial"/>
-                <a:sym typeface="Arial"/>
-              </a:rPr>
-              <a:t>Preconditions</a:t>
+              <a:rPr lang="en" sz="1400" b="1">
+                <a:solidFill>
+                  <a:srgbClr val="000000"/>
+                </a:solidFill>
+                <a:latin typeface="Arial"/>
+                <a:ea typeface="Arial"/>
+                <a:cs typeface="Arial"/>
+                <a:sym typeface="Arial"/>
+              </a:rPr>
+              <a:t>Success Guarantee</a:t>
             </a:r>
             <a:r>
               <a:rPr lang="en" sz="1400">
@@ -7691,75 +8055,7 @@
                 <a:cs typeface="Arial"/>
                 <a:sym typeface="Arial"/>
               </a:rPr>
-              <a:t>: </a:t>
-            </a:r>
-            <a:r>
-              <a:rPr lang="en" sz="1400">
-                <a:solidFill>
-                  <a:srgbClr val="000000"/>
-                </a:solidFill>
-                <a:latin typeface="Arial"/>
-                <a:ea typeface="Arial"/>
-                <a:cs typeface="Arial"/>
-                <a:sym typeface="Arial"/>
-              </a:rPr>
-              <a:t>The player must have a valid registered account on the game client.</a:t>
-            </a:r>
-          </a:p>
-          <a:p>
-            <a:pPr lvl="0">
-              <a:spcBef>
-                <a:spcPts val="0"/>
-              </a:spcBef>
-              <a:buNone/>
-            </a:pPr>
-            <a:r>
-              <a:rPr lang="en" sz="1400">
-                <a:solidFill>
-                  <a:srgbClr val="000000"/>
-                </a:solidFill>
-                <a:latin typeface="Arial"/>
-                <a:ea typeface="Arial"/>
-                <a:cs typeface="Arial"/>
-                <a:sym typeface="Arial"/>
-              </a:rPr>
-              <a:t> </a:t>
-            </a:r>
-            <a:r>
-              <a:rPr b="1" lang="en" sz="1400">
-                <a:solidFill>
-                  <a:srgbClr val="000000"/>
-                </a:solidFill>
-                <a:latin typeface="Arial"/>
-                <a:ea typeface="Arial"/>
-                <a:cs typeface="Arial"/>
-                <a:sym typeface="Arial"/>
-              </a:rPr>
-              <a:t>Success Guarantee</a:t>
-            </a:r>
-            <a:r>
-              <a:rPr lang="en" sz="1400">
-                <a:solidFill>
-                  <a:srgbClr val="000000"/>
-                </a:solidFill>
-                <a:latin typeface="Arial"/>
-                <a:ea typeface="Arial"/>
-                <a:cs typeface="Arial"/>
-                <a:sym typeface="Arial"/>
-              </a:rPr>
-              <a:t>: </a:t>
-            </a:r>
-            <a:r>
-              <a:rPr lang="en" sz="1400">
-                <a:solidFill>
-                  <a:srgbClr val="000000"/>
-                </a:solidFill>
-                <a:latin typeface="Arial"/>
-                <a:ea typeface="Arial"/>
-                <a:cs typeface="Arial"/>
-                <a:sym typeface="Arial"/>
-              </a:rPr>
-              <a:t>The player’s account is no longer registered to the game client.  The player’s profile/nickname/history/email are deleted from the system.  The player’s profile is no longer visible to other users.</a:t>
+              <a:t>: The player’s account is no longer registered to the game client.  The player’s profile/nickname/history/email are deleted from the system.  The player’s profile is no longer visible to other users.</a:t>
             </a:r>
           </a:p>
           <a:p>
@@ -7769,9 +8065,6 @@
               </a:spcBef>
               <a:buNone/>
             </a:pPr>
-            <a:r>
-              <a:t/>
-            </a:r>
             <a:endParaRPr sz="1400">
               <a:solidFill>
                 <a:srgbClr val="000000"/>
@@ -7789,9 +8082,6 @@
               </a:spcBef>
               <a:buNone/>
             </a:pPr>
-            <a:r>
-              <a:t/>
-            </a:r>
             <a:endParaRPr sz="1400"/>
           </a:p>
         </p:txBody>
@@ -7805,11 +8095,11 @@
 </file>
 
 <file path=ppt/slides/slide13.xml><?xml version="1.0" encoding="utf-8"?>
-<p:sld xmlns:a="http://schemas.openxmlformats.org/drawingml/2006/main" xmlns:r="http://schemas.openxmlformats.org/officeDocument/2006/relationships" xmlns:mc="http://schemas.openxmlformats.org/markup-compatibility/2006" xmlns:mv="urn:schemas-microsoft-com:mac:vml" xmlns:p="http://schemas.openxmlformats.org/presentationml/2006/main" xmlns:c="http://schemas.openxmlformats.org/drawingml/2006/chart" xmlns:dgm="http://schemas.openxmlformats.org/drawingml/2006/diagram" xmlns:o="urn:schemas-microsoft-com:office:office" xmlns:v="urn:schemas-microsoft-com:vml" xmlns:pvml="urn:schemas-microsoft-com:office:powerpoint" xmlns:com="http://schemas.openxmlformats.org/drawingml/2006/compatibility" xmlns:p14="http://schemas.microsoft.com/office/powerpoint/2010/main" xmlns:p15="http://schemas.microsoft.com/office/powerpoint/2012/main">
+<p:sld xmlns:a="http://schemas.openxmlformats.org/drawingml/2006/main" xmlns:r="http://schemas.openxmlformats.org/officeDocument/2006/relationships" xmlns:p="http://schemas.openxmlformats.org/presentationml/2006/main">
   <p:cSld>
     <p:spTree>
       <p:nvGrpSpPr>
-        <p:cNvPr id="139" name="Shape 139"/>
+        <p:cNvPr id="1" name="Shape 139"/>
         <p:cNvGrpSpPr/>
         <p:nvPr/>
       </p:nvGrpSpPr>
@@ -7824,7 +8114,9 @@
       <p:sp>
         <p:nvSpPr>
           <p:cNvPr id="140" name="Shape 140"/>
-          <p:cNvSpPr txBox="1"/>
+          <p:cNvSpPr txBox="1">
+            <a:spLocks noGrp="1"/>
+          </p:cNvSpPr>
           <p:nvPr>
             <p:ph type="title"/>
           </p:nvPr>
@@ -7839,7 +8131,7 @@
           </a:prstGeom>
         </p:spPr>
         <p:txBody>
-          <a:bodyPr anchorCtr="0" anchor="b" bIns="91425" lIns="91425" rIns="91425" wrap="square" tIns="91425">
+          <a:bodyPr wrap="square" lIns="91425" tIns="91425" rIns="91425" bIns="91425" anchor="b" anchorCtr="0">
             <a:noAutofit/>
           </a:bodyPr>
           <a:lstStyle/>
@@ -7852,11 +8144,7 @@
             </a:pPr>
             <a:r>
               <a:rPr lang="en"/>
-              <a:t>Unregister</a:t>
-            </a:r>
-            <a:r>
-              <a:rPr lang="en"/>
-              <a:t> (cont.) </a:t>
+              <a:t>Unregister (cont.) </a:t>
             </a:r>
           </a:p>
         </p:txBody>
@@ -7864,9 +8152,11 @@
       <p:sp>
         <p:nvSpPr>
           <p:cNvPr id="141" name="Shape 141"/>
-          <p:cNvSpPr txBox="1"/>
+          <p:cNvSpPr txBox="1">
+            <a:spLocks noGrp="1"/>
+          </p:cNvSpPr>
           <p:nvPr>
-            <p:ph idx="1" type="body"/>
+            <p:ph type="body" idx="1"/>
           </p:nvPr>
         </p:nvSpPr>
         <p:spPr>
@@ -7879,7 +8169,7 @@
           </a:prstGeom>
         </p:spPr>
         <p:txBody>
-          <a:bodyPr anchorCtr="0" anchor="t" bIns="91425" lIns="91425" rIns="91425" wrap="square" tIns="91425">
+          <a:bodyPr wrap="square" lIns="91425" tIns="91425" rIns="91425" bIns="91425" anchor="t" anchorCtr="0">
             <a:noAutofit/>
           </a:bodyPr>
           <a:lstStyle/>
@@ -7897,7 +8187,7 @@
               <a:buNone/>
             </a:pPr>
             <a:r>
-              <a:rPr b="1" lang="en" sz="1800">
+              <a:rPr lang="en" sz="1800" b="1">
                 <a:solidFill>
                   <a:srgbClr val="000000"/>
                 </a:solidFill>
@@ -7909,7 +8199,7 @@
               <a:t>Main Success Scenario:</a:t>
             </a:r>
             <a:br>
-              <a:rPr b="1" lang="en">
+              <a:rPr lang="en" b="1">
                 <a:solidFill>
                   <a:srgbClr val="000000"/>
                 </a:solidFill>
@@ -8060,9 +8350,6 @@
               </a:spcAft>
               <a:buNone/>
             </a:pPr>
-            <a:r>
-              <a:t/>
-            </a:r>
             <a:endParaRPr>
               <a:solidFill>
                 <a:srgbClr val="000000"/>
@@ -8086,9 +8373,6 @@
               </a:spcAft>
               <a:buNone/>
             </a:pPr>
-            <a:r>
-              <a:t/>
-            </a:r>
             <a:endParaRPr b="1">
               <a:solidFill>
                 <a:srgbClr val="000000"/>
@@ -8106,9 +8390,6 @@
               </a:spcBef>
               <a:buNone/>
             </a:pPr>
-            <a:r>
-              <a:t/>
-            </a:r>
             <a:endParaRPr/>
           </a:p>
         </p:txBody>
@@ -8122,11 +8403,11 @@
 </file>
 
 <file path=ppt/slides/slide14.xml><?xml version="1.0" encoding="utf-8"?>
-<p:sld xmlns:a="http://schemas.openxmlformats.org/drawingml/2006/main" xmlns:r="http://schemas.openxmlformats.org/officeDocument/2006/relationships" xmlns:mc="http://schemas.openxmlformats.org/markup-compatibility/2006" xmlns:mv="urn:schemas-microsoft-com:mac:vml" xmlns:p="http://schemas.openxmlformats.org/presentationml/2006/main" xmlns:c="http://schemas.openxmlformats.org/drawingml/2006/chart" xmlns:dgm="http://schemas.openxmlformats.org/drawingml/2006/diagram" xmlns:o="urn:schemas-microsoft-com:office:office" xmlns:v="urn:schemas-microsoft-com:vml" xmlns:pvml="urn:schemas-microsoft-com:office:powerpoint" xmlns:com="http://schemas.openxmlformats.org/drawingml/2006/compatibility" xmlns:p14="http://schemas.microsoft.com/office/powerpoint/2010/main" xmlns:p15="http://schemas.microsoft.com/office/powerpoint/2012/main">
+<p:sld xmlns:a="http://schemas.openxmlformats.org/drawingml/2006/main" xmlns:r="http://schemas.openxmlformats.org/officeDocument/2006/relationships" xmlns:p="http://schemas.openxmlformats.org/presentationml/2006/main">
   <p:cSld>
     <p:spTree>
       <p:nvGrpSpPr>
-        <p:cNvPr id="145" name="Shape 145"/>
+        <p:cNvPr id="1" name="Shape 145"/>
         <p:cNvGrpSpPr/>
         <p:nvPr/>
       </p:nvGrpSpPr>
@@ -8141,7 +8422,9 @@
       <p:sp>
         <p:nvSpPr>
           <p:cNvPr id="146" name="Shape 146"/>
-          <p:cNvSpPr txBox="1"/>
+          <p:cNvSpPr txBox="1">
+            <a:spLocks noGrp="1"/>
+          </p:cNvSpPr>
           <p:nvPr>
             <p:ph type="title"/>
           </p:nvPr>
@@ -8156,7 +8439,7 @@
           </a:prstGeom>
         </p:spPr>
         <p:txBody>
-          <a:bodyPr anchorCtr="0" anchor="b" bIns="91425" lIns="91425" rIns="91425" wrap="square" tIns="91425">
+          <a:bodyPr wrap="square" lIns="91425" tIns="91425" rIns="91425" bIns="91425" anchor="b" anchorCtr="0">
             <a:noAutofit/>
           </a:bodyPr>
           <a:lstStyle/>
@@ -8177,9 +8460,11 @@
       <p:sp>
         <p:nvSpPr>
           <p:cNvPr id="147" name="Shape 147"/>
-          <p:cNvSpPr txBox="1"/>
+          <p:cNvSpPr txBox="1">
+            <a:spLocks noGrp="1"/>
+          </p:cNvSpPr>
           <p:nvPr>
-            <p:ph idx="1" type="body"/>
+            <p:ph type="body" idx="1"/>
           </p:nvPr>
         </p:nvSpPr>
         <p:spPr>
@@ -8192,7 +8477,7 @@
           </a:prstGeom>
         </p:spPr>
         <p:txBody>
-          <a:bodyPr anchorCtr="0" anchor="t" bIns="91425" lIns="91425" rIns="91425" wrap="square" tIns="91425">
+          <a:bodyPr wrap="square" lIns="91425" tIns="91425" rIns="91425" bIns="91425" anchor="t" anchorCtr="0">
             <a:noAutofit/>
           </a:bodyPr>
           <a:lstStyle/>
@@ -8210,7 +8495,7 @@
               <a:buNone/>
             </a:pPr>
             <a:r>
-              <a:rPr b="1" lang="en" sz="1400">
+              <a:rPr lang="en" sz="1400" b="1">
                 <a:solidFill>
                   <a:srgbClr val="000000"/>
                 </a:solidFill>
@@ -8248,7 +8533,7 @@
               <a:buNone/>
             </a:pPr>
             <a:r>
-              <a:rPr b="1" lang="en" sz="1400">
+              <a:rPr lang="en" sz="1400" b="1">
                 <a:solidFill>
                   <a:srgbClr val="000000"/>
                 </a:solidFill>
@@ -8286,7 +8571,7 @@
               <a:buNone/>
             </a:pPr>
             <a:r>
-              <a:rPr b="1" lang="en" sz="1400">
+              <a:rPr lang="en" sz="1400" b="1">
                 <a:solidFill>
                   <a:srgbClr val="000000"/>
                 </a:solidFill>
@@ -8310,7 +8595,7 @@
               <a:t> </a:t>
             </a:r>
             <a:r>
-              <a:rPr b="1" lang="en" sz="1400">
+              <a:rPr lang="en" sz="1400" b="1">
                 <a:solidFill>
                   <a:srgbClr val="000000"/>
                 </a:solidFill>
@@ -8335,7 +8620,7 @@
             </a:r>
           </a:p>
           <a:p>
-            <a:pPr indent="457200" lvl="0" rtl="0">
+            <a:pPr lvl="0" indent="457200" rtl="0">
               <a:lnSpc>
                 <a:spcPct val="150000"/>
               </a:lnSpc>
@@ -8374,7 +8659,7 @@
               <a:buNone/>
             </a:pPr>
             <a:r>
-              <a:rPr b="1" lang="en" sz="1400">
+              <a:rPr lang="en" sz="1400" b="1">
                 <a:solidFill>
                   <a:srgbClr val="000000"/>
                 </a:solidFill>
@@ -8412,7 +8697,7 @@
               <a:buNone/>
             </a:pPr>
             <a:r>
-              <a:rPr b="1" lang="en" sz="1400">
+              <a:rPr lang="en" sz="1400" b="1">
                 <a:solidFill>
                   <a:srgbClr val="000000"/>
                 </a:solidFill>
@@ -8447,11 +8732,11 @@
 </file>
 
 <file path=ppt/slides/slide15.xml><?xml version="1.0" encoding="utf-8"?>
-<p:sld xmlns:a="http://schemas.openxmlformats.org/drawingml/2006/main" xmlns:r="http://schemas.openxmlformats.org/officeDocument/2006/relationships" xmlns:mc="http://schemas.openxmlformats.org/markup-compatibility/2006" xmlns:mv="urn:schemas-microsoft-com:mac:vml" xmlns:p="http://schemas.openxmlformats.org/presentationml/2006/main" xmlns:c="http://schemas.openxmlformats.org/drawingml/2006/chart" xmlns:dgm="http://schemas.openxmlformats.org/drawingml/2006/diagram" xmlns:o="urn:schemas-microsoft-com:office:office" xmlns:v="urn:schemas-microsoft-com:vml" xmlns:pvml="urn:schemas-microsoft-com:office:powerpoint" xmlns:com="http://schemas.openxmlformats.org/drawingml/2006/compatibility" xmlns:p14="http://schemas.microsoft.com/office/powerpoint/2010/main" xmlns:p15="http://schemas.microsoft.com/office/powerpoint/2012/main">
+<p:sld xmlns:a="http://schemas.openxmlformats.org/drawingml/2006/main" xmlns:r="http://schemas.openxmlformats.org/officeDocument/2006/relationships" xmlns:p="http://schemas.openxmlformats.org/presentationml/2006/main">
   <p:cSld>
     <p:spTree>
       <p:nvGrpSpPr>
-        <p:cNvPr id="151" name="Shape 151"/>
+        <p:cNvPr id="1" name="Shape 151"/>
         <p:cNvGrpSpPr/>
         <p:nvPr/>
       </p:nvGrpSpPr>
@@ -8466,7 +8751,9 @@
       <p:sp>
         <p:nvSpPr>
           <p:cNvPr id="152" name="Shape 152"/>
-          <p:cNvSpPr txBox="1"/>
+          <p:cNvSpPr txBox="1">
+            <a:spLocks noGrp="1"/>
+          </p:cNvSpPr>
           <p:nvPr>
             <p:ph type="title"/>
           </p:nvPr>
@@ -8481,7 +8768,7 @@
           </a:prstGeom>
         </p:spPr>
         <p:txBody>
-          <a:bodyPr anchorCtr="0" anchor="b" bIns="91425" lIns="91425" rIns="91425" wrap="square" tIns="91425">
+          <a:bodyPr wrap="square" lIns="91425" tIns="91425" rIns="91425" bIns="91425" anchor="b" anchorCtr="0">
             <a:noAutofit/>
           </a:bodyPr>
           <a:lstStyle/>
@@ -8494,11 +8781,7 @@
             </a:pPr>
             <a:r>
               <a:rPr lang="en"/>
-              <a:t>Player History</a:t>
-            </a:r>
-            <a:r>
-              <a:rPr lang="en"/>
-              <a:t> (cont.) </a:t>
+              <a:t>Player History (cont.) </a:t>
             </a:r>
           </a:p>
         </p:txBody>
@@ -8506,9 +8789,11 @@
       <p:sp>
         <p:nvSpPr>
           <p:cNvPr id="153" name="Shape 153"/>
-          <p:cNvSpPr txBox="1"/>
+          <p:cNvSpPr txBox="1">
+            <a:spLocks noGrp="1"/>
+          </p:cNvSpPr>
           <p:nvPr>
-            <p:ph idx="1" type="body"/>
+            <p:ph type="body" idx="1"/>
           </p:nvPr>
         </p:nvSpPr>
         <p:spPr>
@@ -8521,7 +8806,7 @@
           </a:prstGeom>
         </p:spPr>
         <p:txBody>
-          <a:bodyPr anchorCtr="0" anchor="t" bIns="91425" lIns="91425" rIns="91425" wrap="square" tIns="91425">
+          <a:bodyPr wrap="square" lIns="91425" tIns="91425" rIns="91425" bIns="91425" anchor="t" anchorCtr="0">
             <a:noAutofit/>
           </a:bodyPr>
           <a:lstStyle/>
@@ -8539,7 +8824,7 @@
               <a:buNone/>
             </a:pPr>
             <a:r>
-              <a:rPr b="1" lang="en" sz="1800">
+              <a:rPr lang="en" sz="1800" b="1">
                 <a:solidFill>
                   <a:srgbClr val="000000"/>
                 </a:solidFill>
@@ -8564,7 +8849,7 @@
             </a:r>
           </a:p>
           <a:p>
-            <a:pPr indent="-342900" lvl="0" marL="457200" rtl="0">
+            <a:pPr marL="457200" lvl="0" indent="-342900" rtl="0">
               <a:lnSpc>
                 <a:spcPct val="150000"/>
               </a:lnSpc>
@@ -8595,7 +8880,7 @@
             </a:r>
           </a:p>
           <a:p>
-            <a:pPr indent="-342900" lvl="0" marL="457200" rtl="0">
+            <a:pPr marL="457200" lvl="0" indent="-342900" rtl="0">
               <a:lnSpc>
                 <a:spcPct val="150000"/>
               </a:lnSpc>
@@ -8626,7 +8911,7 @@
             </a:r>
           </a:p>
           <a:p>
-            <a:pPr indent="-342900" lvl="0" marL="457200" rtl="0">
+            <a:pPr marL="457200" lvl="0" indent="-342900" rtl="0">
               <a:lnSpc>
                 <a:spcPct val="150000"/>
               </a:lnSpc>
@@ -8667,11 +8952,11 @@
 </file>
 
 <file path=ppt/slides/slide16.xml><?xml version="1.0" encoding="utf-8"?>
-<p:sld xmlns:a="http://schemas.openxmlformats.org/drawingml/2006/main" xmlns:r="http://schemas.openxmlformats.org/officeDocument/2006/relationships" xmlns:mc="http://schemas.openxmlformats.org/markup-compatibility/2006" xmlns:mv="urn:schemas-microsoft-com:mac:vml" xmlns:p="http://schemas.openxmlformats.org/presentationml/2006/main" xmlns:c="http://schemas.openxmlformats.org/drawingml/2006/chart" xmlns:dgm="http://schemas.openxmlformats.org/drawingml/2006/diagram" xmlns:o="urn:schemas-microsoft-com:office:office" xmlns:v="urn:schemas-microsoft-com:vml" xmlns:pvml="urn:schemas-microsoft-com:office:powerpoint" xmlns:com="http://schemas.openxmlformats.org/drawingml/2006/compatibility" xmlns:p14="http://schemas.microsoft.com/office/powerpoint/2010/main" xmlns:p15="http://schemas.microsoft.com/office/powerpoint/2012/main">
+<p:sld xmlns:a="http://schemas.openxmlformats.org/drawingml/2006/main" xmlns:r="http://schemas.openxmlformats.org/officeDocument/2006/relationships" xmlns:p="http://schemas.openxmlformats.org/presentationml/2006/main">
   <p:cSld>
     <p:spTree>
       <p:nvGrpSpPr>
-        <p:cNvPr id="157" name="Shape 157"/>
+        <p:cNvPr id="1" name="Shape 157"/>
         <p:cNvGrpSpPr/>
         <p:nvPr/>
       </p:nvGrpSpPr>
@@ -8686,7 +8971,9 @@
       <p:sp>
         <p:nvSpPr>
           <p:cNvPr id="158" name="Shape 158"/>
-          <p:cNvSpPr txBox="1"/>
+          <p:cNvSpPr txBox="1">
+            <a:spLocks noGrp="1"/>
+          </p:cNvSpPr>
           <p:nvPr>
             <p:ph type="title"/>
           </p:nvPr>
@@ -8701,7 +8988,7 @@
           </a:prstGeom>
         </p:spPr>
         <p:txBody>
-          <a:bodyPr anchorCtr="0" anchor="b" bIns="91425" lIns="91425" rIns="91425" wrap="square" tIns="91425">
+          <a:bodyPr wrap="square" lIns="91425" tIns="91425" rIns="91425" bIns="91425" anchor="b" anchorCtr="0">
             <a:noAutofit/>
           </a:bodyPr>
           <a:lstStyle/>
@@ -8722,9 +9009,11 @@
       <p:sp>
         <p:nvSpPr>
           <p:cNvPr id="159" name="Shape 159"/>
-          <p:cNvSpPr txBox="1"/>
+          <p:cNvSpPr txBox="1">
+            <a:spLocks noGrp="1"/>
+          </p:cNvSpPr>
           <p:nvPr>
-            <p:ph idx="1" type="body"/>
+            <p:ph type="body" idx="1"/>
           </p:nvPr>
         </p:nvSpPr>
         <p:spPr>
@@ -8737,7 +9026,7 @@
           </a:prstGeom>
         </p:spPr>
         <p:txBody>
-          <a:bodyPr anchorCtr="0" anchor="t" bIns="91425" lIns="91425" rIns="91425" wrap="square" tIns="91425">
+          <a:bodyPr wrap="square" lIns="91425" tIns="91425" rIns="91425" bIns="91425" anchor="t" anchorCtr="0">
             <a:noAutofit/>
           </a:bodyPr>
           <a:lstStyle/>
@@ -8749,7 +9038,7 @@
               <a:buNone/>
             </a:pPr>
             <a:r>
-              <a:rPr b="1" lang="en" sz="1400">
+              <a:rPr lang="en" sz="1400" b="1">
                 <a:solidFill>
                   <a:srgbClr val="000000"/>
                 </a:solidFill>
@@ -8807,7 +9096,7 @@
               </a:rPr>
             </a:br>
             <a:r>
-              <a:rPr b="1" lang="en" sz="1400">
+              <a:rPr lang="en" sz="1400" b="1">
                 <a:solidFill>
                   <a:srgbClr val="000000"/>
                 </a:solidFill>
@@ -8865,7 +9154,7 @@
               </a:rPr>
             </a:br>
             <a:r>
-              <a:rPr b="1" lang="en" sz="1400">
+              <a:rPr lang="en" sz="1400" b="1">
                 <a:solidFill>
                   <a:srgbClr val="000000"/>
                 </a:solidFill>
@@ -8967,7 +9256,7 @@
               <a:buNone/>
             </a:pPr>
             <a:r>
-              <a:rPr b="1" lang="en" sz="1400">
+              <a:rPr lang="en" sz="1400" b="1">
                 <a:solidFill>
                   <a:srgbClr val="000000"/>
                 </a:solidFill>
@@ -8999,7 +9288,7 @@
               <a:buNone/>
             </a:pPr>
             <a:r>
-              <a:rPr b="1" lang="en" sz="1400">
+              <a:rPr lang="en" sz="1400" b="1">
                 <a:solidFill>
                   <a:srgbClr val="000000"/>
                 </a:solidFill>
@@ -9020,19 +9309,7 @@
                 <a:cs typeface="Arial"/>
                 <a:sym typeface="Arial"/>
               </a:rPr>
-              <a:t>: </a:t>
-            </a:r>
-            <a:r>
-              <a:rPr lang="en" sz="1400">
-                <a:solidFill>
-                  <a:srgbClr val="000000"/>
-                </a:solidFill>
-                <a:latin typeface="Arial"/>
-                <a:ea typeface="Arial"/>
-                <a:cs typeface="Arial"/>
-                <a:sym typeface="Arial"/>
-              </a:rPr>
-              <a:t>Player is able to view their profile and information about the games they have played.</a:t>
+              <a:t>: Player is able to view their profile and information about the games they have played.</a:t>
             </a:r>
           </a:p>
           <a:p>
@@ -9042,9 +9319,6 @@
               </a:spcBef>
               <a:buNone/>
             </a:pPr>
-            <a:r>
-              <a:t/>
-            </a:r>
             <a:endParaRPr sz="1400">
               <a:solidFill>
                 <a:srgbClr val="000000"/>
@@ -9062,9 +9336,6 @@
               </a:spcBef>
               <a:buNone/>
             </a:pPr>
-            <a:r>
-              <a:t/>
-            </a:r>
             <a:endParaRPr sz="1400"/>
           </a:p>
         </p:txBody>
@@ -9078,11 +9349,11 @@
 </file>
 
 <file path=ppt/slides/slide17.xml><?xml version="1.0" encoding="utf-8"?>
-<p:sld xmlns:a="http://schemas.openxmlformats.org/drawingml/2006/main" xmlns:r="http://schemas.openxmlformats.org/officeDocument/2006/relationships" xmlns:mc="http://schemas.openxmlformats.org/markup-compatibility/2006" xmlns:mv="urn:schemas-microsoft-com:mac:vml" xmlns:p="http://schemas.openxmlformats.org/presentationml/2006/main" xmlns:c="http://schemas.openxmlformats.org/drawingml/2006/chart" xmlns:dgm="http://schemas.openxmlformats.org/drawingml/2006/diagram" xmlns:o="urn:schemas-microsoft-com:office:office" xmlns:v="urn:schemas-microsoft-com:vml" xmlns:pvml="urn:schemas-microsoft-com:office:powerpoint" xmlns:com="http://schemas.openxmlformats.org/drawingml/2006/compatibility" xmlns:p14="http://schemas.microsoft.com/office/powerpoint/2010/main" xmlns:p15="http://schemas.microsoft.com/office/powerpoint/2012/main">
+<p:sld xmlns:a="http://schemas.openxmlformats.org/drawingml/2006/main" xmlns:r="http://schemas.openxmlformats.org/officeDocument/2006/relationships" xmlns:p="http://schemas.openxmlformats.org/presentationml/2006/main">
   <p:cSld>
     <p:spTree>
       <p:nvGrpSpPr>
-        <p:cNvPr id="163" name="Shape 163"/>
+        <p:cNvPr id="1" name="Shape 163"/>
         <p:cNvGrpSpPr/>
         <p:nvPr/>
       </p:nvGrpSpPr>
@@ -9097,7 +9368,9 @@
       <p:sp>
         <p:nvSpPr>
           <p:cNvPr id="164" name="Shape 164"/>
-          <p:cNvSpPr txBox="1"/>
+          <p:cNvSpPr txBox="1">
+            <a:spLocks noGrp="1"/>
+          </p:cNvSpPr>
           <p:nvPr>
             <p:ph type="title"/>
           </p:nvPr>
@@ -9112,7 +9385,7 @@
           </a:prstGeom>
         </p:spPr>
         <p:txBody>
-          <a:bodyPr anchorCtr="0" anchor="b" bIns="91425" lIns="91425" rIns="91425" wrap="square" tIns="91425">
+          <a:bodyPr wrap="square" lIns="91425" tIns="91425" rIns="91425" bIns="91425" anchor="b" anchorCtr="0">
             <a:noAutofit/>
           </a:bodyPr>
           <a:lstStyle/>
@@ -9125,11 +9398,7 @@
             </a:pPr>
             <a:r>
               <a:rPr lang="en"/>
-              <a:t>View Profile</a:t>
-            </a:r>
-            <a:r>
-              <a:rPr lang="en"/>
-              <a:t> (cont.) </a:t>
+              <a:t>View Profile (cont.) </a:t>
             </a:r>
           </a:p>
         </p:txBody>
@@ -9137,9 +9406,11 @@
       <p:sp>
         <p:nvSpPr>
           <p:cNvPr id="165" name="Shape 165"/>
-          <p:cNvSpPr txBox="1"/>
+          <p:cNvSpPr txBox="1">
+            <a:spLocks noGrp="1"/>
+          </p:cNvSpPr>
           <p:nvPr>
-            <p:ph idx="1" type="body"/>
+            <p:ph type="body" idx="1"/>
           </p:nvPr>
         </p:nvSpPr>
         <p:spPr>
@@ -9152,7 +9423,7 @@
           </a:prstGeom>
         </p:spPr>
         <p:txBody>
-          <a:bodyPr anchorCtr="0" anchor="t" bIns="91425" lIns="91425" rIns="91425" wrap="square" tIns="91425">
+          <a:bodyPr wrap="square" lIns="91425" tIns="91425" rIns="91425" bIns="91425" anchor="t" anchorCtr="0">
             <a:noAutofit/>
           </a:bodyPr>
           <a:lstStyle/>
@@ -9167,7 +9438,7 @@
               <a:buNone/>
             </a:pPr>
             <a:r>
-              <a:rPr b="1" lang="en">
+              <a:rPr lang="en" b="1">
                 <a:solidFill>
                   <a:srgbClr val="000000"/>
                 </a:solidFill>
@@ -9347,9 +9618,6 @@
               </a:spcBef>
               <a:buNone/>
             </a:pPr>
-            <a:r>
-              <a:t/>
-            </a:r>
             <a:endParaRPr/>
           </a:p>
         </p:txBody>
@@ -9363,11 +9631,11 @@
 </file>
 
 <file path=ppt/slides/slide18.xml><?xml version="1.0" encoding="utf-8"?>
-<p:sld xmlns:a="http://schemas.openxmlformats.org/drawingml/2006/main" xmlns:r="http://schemas.openxmlformats.org/officeDocument/2006/relationships" xmlns:mc="http://schemas.openxmlformats.org/markup-compatibility/2006" xmlns:mv="urn:schemas-microsoft-com:mac:vml" xmlns:p="http://schemas.openxmlformats.org/presentationml/2006/main" xmlns:c="http://schemas.openxmlformats.org/drawingml/2006/chart" xmlns:dgm="http://schemas.openxmlformats.org/drawingml/2006/diagram" xmlns:o="urn:schemas-microsoft-com:office:office" xmlns:v="urn:schemas-microsoft-com:vml" xmlns:pvml="urn:schemas-microsoft-com:office:powerpoint" xmlns:com="http://schemas.openxmlformats.org/drawingml/2006/compatibility" xmlns:p14="http://schemas.microsoft.com/office/powerpoint/2010/main" xmlns:p15="http://schemas.microsoft.com/office/powerpoint/2012/main">
+<p:sld xmlns:a="http://schemas.openxmlformats.org/drawingml/2006/main" xmlns:r="http://schemas.openxmlformats.org/officeDocument/2006/relationships" xmlns:p="http://schemas.openxmlformats.org/presentationml/2006/main">
   <p:cSld>
     <p:spTree>
       <p:nvGrpSpPr>
-        <p:cNvPr id="169" name="Shape 169"/>
+        <p:cNvPr id="1" name="Shape 169"/>
         <p:cNvGrpSpPr/>
         <p:nvPr/>
       </p:nvGrpSpPr>
@@ -9382,7 +9650,9 @@
       <p:sp>
         <p:nvSpPr>
           <p:cNvPr id="170" name="Shape 170"/>
-          <p:cNvSpPr txBox="1"/>
+          <p:cNvSpPr txBox="1">
+            <a:spLocks noGrp="1"/>
+          </p:cNvSpPr>
           <p:nvPr>
             <p:ph type="title"/>
           </p:nvPr>
@@ -9397,7 +9667,7 @@
           </a:prstGeom>
         </p:spPr>
         <p:txBody>
-          <a:bodyPr anchorCtr="0" anchor="b" bIns="91425" lIns="91425" rIns="91425" wrap="square" tIns="91425">
+          <a:bodyPr wrap="square" lIns="91425" tIns="91425" rIns="91425" bIns="91425" anchor="b" anchorCtr="0">
             <a:noAutofit/>
           </a:bodyPr>
           <a:lstStyle/>
@@ -9418,9 +9688,11 @@
       <p:sp>
         <p:nvSpPr>
           <p:cNvPr id="171" name="Shape 171"/>
-          <p:cNvSpPr txBox="1"/>
+          <p:cNvSpPr txBox="1">
+            <a:spLocks noGrp="1"/>
+          </p:cNvSpPr>
           <p:nvPr>
-            <p:ph idx="1" type="body"/>
+            <p:ph type="body" idx="1"/>
           </p:nvPr>
         </p:nvSpPr>
         <p:spPr>
@@ -9433,7 +9705,7 @@
           </a:prstGeom>
         </p:spPr>
         <p:txBody>
-          <a:bodyPr anchorCtr="0" anchor="t" bIns="91425" lIns="91425" rIns="91425" wrap="square" tIns="91425">
+          <a:bodyPr wrap="square" lIns="91425" tIns="91425" rIns="91425" bIns="91425" anchor="t" anchorCtr="0">
             <a:noAutofit/>
           </a:bodyPr>
           <a:lstStyle/>
@@ -9445,7 +9717,7 @@
               <a:buNone/>
             </a:pPr>
             <a:r>
-              <a:rPr b="1" lang="en" sz="1400">
+              <a:rPr lang="en" sz="1400" b="1">
                 <a:solidFill>
                   <a:srgbClr val="000000"/>
                 </a:solidFill>
@@ -9477,7 +9749,7 @@
               <a:buNone/>
             </a:pPr>
             <a:r>
-              <a:rPr b="1" lang="en" sz="1400">
+              <a:rPr lang="en" sz="1400" b="1">
                 <a:solidFill>
                   <a:srgbClr val="000000"/>
                 </a:solidFill>
@@ -9509,7 +9781,7 @@
               <a:buNone/>
             </a:pPr>
             <a:r>
-              <a:rPr b="1" lang="en" sz="1400">
+              <a:rPr lang="en" sz="1400" b="1">
                 <a:solidFill>
                   <a:srgbClr val="000000"/>
                 </a:solidFill>
@@ -9573,7 +9845,7 @@
               <a:t> </a:t>
             </a:r>
             <a:r>
-              <a:rPr b="1" lang="en" sz="1400">
+              <a:rPr lang="en" sz="1400" b="1">
                 <a:solidFill>
                   <a:srgbClr val="000000"/>
                 </a:solidFill>
@@ -9617,7 +9889,7 @@
               <a:t> </a:t>
             </a:r>
             <a:r>
-              <a:rPr b="1" lang="en" sz="1400">
+              <a:rPr lang="en" sz="1400" b="1">
                 <a:solidFill>
                   <a:srgbClr val="000000"/>
                 </a:solidFill>
@@ -9648,10 +9920,7 @@
               </a:spcBef>
               <a:buNone/>
             </a:pPr>
-            <a:r>
-              <a:t/>
-            </a:r>
-            <a:endParaRPr b="1" sz="1400">
+            <a:endParaRPr sz="1400" b="1">
               <a:solidFill>
                 <a:srgbClr val="000000"/>
               </a:solidFill>
@@ -9668,9 +9937,6 @@
               </a:spcBef>
               <a:buNone/>
             </a:pPr>
-            <a:r>
-              <a:t/>
-            </a:r>
             <a:endParaRPr sz="1400"/>
           </a:p>
         </p:txBody>
@@ -9684,11 +9950,11 @@
 </file>
 
 <file path=ppt/slides/slide19.xml><?xml version="1.0" encoding="utf-8"?>
-<p:sld xmlns:a="http://schemas.openxmlformats.org/drawingml/2006/main" xmlns:r="http://schemas.openxmlformats.org/officeDocument/2006/relationships" xmlns:mc="http://schemas.openxmlformats.org/markup-compatibility/2006" xmlns:mv="urn:schemas-microsoft-com:mac:vml" xmlns:p="http://schemas.openxmlformats.org/presentationml/2006/main" xmlns:c="http://schemas.openxmlformats.org/drawingml/2006/chart" xmlns:dgm="http://schemas.openxmlformats.org/drawingml/2006/diagram" xmlns:o="urn:schemas-microsoft-com:office:office" xmlns:v="urn:schemas-microsoft-com:vml" xmlns:pvml="urn:schemas-microsoft-com:office:powerpoint" xmlns:com="http://schemas.openxmlformats.org/drawingml/2006/compatibility" xmlns:p14="http://schemas.microsoft.com/office/powerpoint/2010/main" xmlns:p15="http://schemas.microsoft.com/office/powerpoint/2012/main">
+<p:sld xmlns:a="http://schemas.openxmlformats.org/drawingml/2006/main" xmlns:r="http://schemas.openxmlformats.org/officeDocument/2006/relationships" xmlns:p="http://schemas.openxmlformats.org/presentationml/2006/main">
   <p:cSld>
     <p:spTree>
       <p:nvGrpSpPr>
-        <p:cNvPr id="175" name="Shape 175"/>
+        <p:cNvPr id="1" name="Shape 175"/>
         <p:cNvGrpSpPr/>
         <p:nvPr/>
       </p:nvGrpSpPr>
@@ -9703,7 +9969,9 @@
       <p:sp>
         <p:nvSpPr>
           <p:cNvPr id="176" name="Shape 176"/>
-          <p:cNvSpPr txBox="1"/>
+          <p:cNvSpPr txBox="1">
+            <a:spLocks noGrp="1"/>
+          </p:cNvSpPr>
           <p:nvPr>
             <p:ph type="title"/>
           </p:nvPr>
@@ -9718,7 +9986,7 @@
           </a:prstGeom>
         </p:spPr>
         <p:txBody>
-          <a:bodyPr anchorCtr="0" anchor="b" bIns="91425" lIns="91425" rIns="91425" wrap="square" tIns="91425">
+          <a:bodyPr wrap="square" lIns="91425" tIns="91425" rIns="91425" bIns="91425" anchor="b" anchorCtr="0">
             <a:noAutofit/>
           </a:bodyPr>
           <a:lstStyle/>
@@ -9739,9 +10007,11 @@
       <p:sp>
         <p:nvSpPr>
           <p:cNvPr id="177" name="Shape 177"/>
-          <p:cNvSpPr txBox="1"/>
+          <p:cNvSpPr txBox="1">
+            <a:spLocks noGrp="1"/>
+          </p:cNvSpPr>
           <p:nvPr>
-            <p:ph idx="1" type="body"/>
+            <p:ph type="body" idx="1"/>
           </p:nvPr>
         </p:nvSpPr>
         <p:spPr>
@@ -9754,7 +10024,7 @@
           </a:prstGeom>
         </p:spPr>
         <p:txBody>
-          <a:bodyPr anchorCtr="0" anchor="t" bIns="91425" lIns="91425" rIns="91425" wrap="square" tIns="91425">
+          <a:bodyPr wrap="square" lIns="91425" tIns="91425" rIns="91425" bIns="91425" anchor="t" anchorCtr="0">
             <a:noAutofit/>
           </a:bodyPr>
           <a:lstStyle/>
@@ -9772,7 +10042,7 @@
               <a:buNone/>
             </a:pPr>
             <a:r>
-              <a:rPr b="1" lang="en" sz="1800">
+              <a:rPr lang="en" sz="1800" b="1">
                 <a:solidFill>
                   <a:srgbClr val="000000"/>
                 </a:solidFill>
@@ -9784,7 +10054,7 @@
               <a:t>Main Success Scenario:</a:t>
             </a:r>
             <a:br>
-              <a:rPr b="1" lang="en">
+              <a:rPr lang="en" b="1">
                 <a:solidFill>
                   <a:srgbClr val="000000"/>
                 </a:solidFill>
@@ -9873,7 +10143,7 @@
               <a:buNone/>
             </a:pPr>
             <a:r>
-              <a:rPr i="1" lang="en">
+              <a:rPr lang="en" i="1">
                 <a:solidFill>
                   <a:srgbClr val="000000"/>
                 </a:solidFill>
@@ -9976,9 +10246,6 @@
               </a:spcAft>
               <a:buNone/>
             </a:pPr>
-            <a:r>
-              <a:t/>
-            </a:r>
             <a:endParaRPr>
               <a:solidFill>
                 <a:srgbClr val="000000"/>
@@ -10002,9 +10269,6 @@
               </a:spcAft>
               <a:buNone/>
             </a:pPr>
-            <a:r>
-              <a:t/>
-            </a:r>
             <a:endParaRPr b="1">
               <a:solidFill>
                 <a:srgbClr val="000000"/>
@@ -10025,9 +10289,6 @@
               </a:spcBef>
               <a:buNone/>
             </a:pPr>
-            <a:r>
-              <a:t/>
-            </a:r>
             <a:endParaRPr/>
           </a:p>
         </p:txBody>
@@ -10041,11 +10302,11 @@
 </file>
 
 <file path=ppt/slides/slide2.xml><?xml version="1.0" encoding="utf-8"?>
-<p:sld xmlns:a="http://schemas.openxmlformats.org/drawingml/2006/main" xmlns:r="http://schemas.openxmlformats.org/officeDocument/2006/relationships" xmlns:mc="http://schemas.openxmlformats.org/markup-compatibility/2006" xmlns:mv="urn:schemas-microsoft-com:mac:vml" xmlns:p="http://schemas.openxmlformats.org/presentationml/2006/main" xmlns:c="http://schemas.openxmlformats.org/drawingml/2006/chart" xmlns:dgm="http://schemas.openxmlformats.org/drawingml/2006/diagram" xmlns:o="urn:schemas-microsoft-com:office:office" xmlns:v="urn:schemas-microsoft-com:vml" xmlns:pvml="urn:schemas-microsoft-com:office:powerpoint" xmlns:com="http://schemas.openxmlformats.org/drawingml/2006/compatibility" xmlns:p14="http://schemas.microsoft.com/office/powerpoint/2010/main" xmlns:p15="http://schemas.microsoft.com/office/powerpoint/2012/main">
+<p:sld xmlns:a="http://schemas.openxmlformats.org/drawingml/2006/main" xmlns:r="http://schemas.openxmlformats.org/officeDocument/2006/relationships" xmlns:p="http://schemas.openxmlformats.org/presentationml/2006/main">
   <p:cSld>
     <p:spTree>
       <p:nvGrpSpPr>
-        <p:cNvPr id="73" name="Shape 73"/>
+        <p:cNvPr id="1" name="Shape 73"/>
         <p:cNvGrpSpPr/>
         <p:nvPr/>
       </p:nvGrpSpPr>
@@ -10060,7 +10321,9 @@
       <p:sp>
         <p:nvSpPr>
           <p:cNvPr id="74" name="Shape 74"/>
-          <p:cNvSpPr txBox="1"/>
+          <p:cNvSpPr txBox="1">
+            <a:spLocks noGrp="1"/>
+          </p:cNvSpPr>
           <p:nvPr>
             <p:ph type="title"/>
           </p:nvPr>
@@ -10075,7 +10338,7 @@
           </a:prstGeom>
         </p:spPr>
         <p:txBody>
-          <a:bodyPr anchorCtr="0" anchor="ctr" bIns="91425" lIns="91425" rIns="91425" wrap="square" tIns="91425">
+          <a:bodyPr wrap="square" lIns="91425" tIns="91425" rIns="91425" bIns="91425" anchor="ctr" anchorCtr="0">
             <a:noAutofit/>
           </a:bodyPr>
           <a:lstStyle/>
@@ -10130,11 +10393,11 @@
 </file>
 
 <file path=ppt/slides/slide20.xml><?xml version="1.0" encoding="utf-8"?>
-<p:sld xmlns:a="http://schemas.openxmlformats.org/drawingml/2006/main" xmlns:r="http://schemas.openxmlformats.org/officeDocument/2006/relationships" xmlns:mc="http://schemas.openxmlformats.org/markup-compatibility/2006" xmlns:mv="urn:schemas-microsoft-com:mac:vml" xmlns:p="http://schemas.openxmlformats.org/presentationml/2006/main" xmlns:c="http://schemas.openxmlformats.org/drawingml/2006/chart" xmlns:dgm="http://schemas.openxmlformats.org/drawingml/2006/diagram" xmlns:o="urn:schemas-microsoft-com:office:office" xmlns:v="urn:schemas-microsoft-com:vml" xmlns:pvml="urn:schemas-microsoft-com:office:powerpoint" xmlns:com="http://schemas.openxmlformats.org/drawingml/2006/compatibility" xmlns:p14="http://schemas.microsoft.com/office/powerpoint/2010/main" xmlns:p15="http://schemas.microsoft.com/office/powerpoint/2012/main">
+<p:sld xmlns:a="http://schemas.openxmlformats.org/drawingml/2006/main" xmlns:r="http://schemas.openxmlformats.org/officeDocument/2006/relationships" xmlns:p="http://schemas.openxmlformats.org/presentationml/2006/main">
   <p:cSld>
     <p:spTree>
       <p:nvGrpSpPr>
-        <p:cNvPr id="181" name="Shape 181"/>
+        <p:cNvPr id="1" name="Shape 181"/>
         <p:cNvGrpSpPr/>
         <p:nvPr/>
       </p:nvGrpSpPr>
@@ -10149,7 +10412,9 @@
       <p:sp>
         <p:nvSpPr>
           <p:cNvPr id="182" name="Shape 182"/>
-          <p:cNvSpPr txBox="1"/>
+          <p:cNvSpPr txBox="1">
+            <a:spLocks noGrp="1"/>
+          </p:cNvSpPr>
           <p:nvPr>
             <p:ph type="title"/>
           </p:nvPr>
@@ -10164,7 +10429,7 @@
           </a:prstGeom>
         </p:spPr>
         <p:txBody>
-          <a:bodyPr anchorCtr="0" anchor="b" bIns="91425" lIns="91425" rIns="91425" wrap="square" tIns="91425">
+          <a:bodyPr wrap="square" lIns="91425" tIns="91425" rIns="91425" bIns="91425" anchor="b" anchorCtr="0">
             <a:noAutofit/>
           </a:bodyPr>
           <a:lstStyle/>
@@ -10185,9 +10450,11 @@
       <p:sp>
         <p:nvSpPr>
           <p:cNvPr id="183" name="Shape 183"/>
-          <p:cNvSpPr txBox="1"/>
+          <p:cNvSpPr txBox="1">
+            <a:spLocks noGrp="1"/>
+          </p:cNvSpPr>
           <p:nvPr>
-            <p:ph idx="1" type="body"/>
+            <p:ph type="body" idx="1"/>
           </p:nvPr>
         </p:nvSpPr>
         <p:spPr>
@@ -10200,7 +10467,7 @@
           </a:prstGeom>
         </p:spPr>
         <p:txBody>
-          <a:bodyPr anchorCtr="0" anchor="t" bIns="91425" lIns="91425" rIns="91425" wrap="square" tIns="91425">
+          <a:bodyPr wrap="square" lIns="91425" tIns="91425" rIns="91425" bIns="91425" anchor="t" anchorCtr="0">
             <a:noAutofit/>
           </a:bodyPr>
           <a:lstStyle/>
@@ -10215,7 +10482,7 @@
               <a:buNone/>
             </a:pPr>
             <a:r>
-              <a:rPr b="1" lang="en">
+              <a:rPr lang="en" b="1">
                 <a:solidFill>
                   <a:srgbClr val="000000"/>
                 </a:solidFill>
@@ -10227,7 +10494,7 @@
               <a:t>Extensions:</a:t>
             </a:r>
             <a:br>
-              <a:rPr b="1" lang="en">
+              <a:rPr lang="en" b="1">
                 <a:solidFill>
                   <a:srgbClr val="000000"/>
                 </a:solidFill>
@@ -10238,7 +10505,7 @@
               </a:rPr>
             </a:br>
             <a:r>
-              <a:rPr b="1" lang="en">
+              <a:rPr lang="en" b="1">
                 <a:solidFill>
                   <a:srgbClr val="000000"/>
                 </a:solidFill>
@@ -10250,7 +10517,7 @@
               <a:t> </a:t>
             </a:r>
             <a:br>
-              <a:rPr b="1" lang="en">
+              <a:rPr lang="en" b="1">
                 <a:solidFill>
                   <a:srgbClr val="000000"/>
                 </a:solidFill>
@@ -10366,7 +10633,7 @@
             </a:r>
           </a:p>
           <a:p>
-            <a:pPr indent="457200" lvl="0" rtl="0">
+            <a:pPr lvl="0" indent="457200" rtl="0">
               <a:spcBef>
                 <a:spcPts val="0"/>
               </a:spcBef>
@@ -10398,9 +10665,6 @@
               </a:spcAft>
               <a:buNone/>
             </a:pPr>
-            <a:r>
-              <a:t/>
-            </a:r>
             <a:endParaRPr>
               <a:solidFill>
                 <a:srgbClr val="000000"/>
@@ -10424,9 +10688,6 @@
               </a:spcAft>
               <a:buNone/>
             </a:pPr>
-            <a:r>
-              <a:t/>
-            </a:r>
             <a:endParaRPr b="1">
               <a:solidFill>
                 <a:srgbClr val="000000"/>
@@ -10444,9 +10705,6 @@
               </a:spcBef>
               <a:buNone/>
             </a:pPr>
-            <a:r>
-              <a:t/>
-            </a:r>
             <a:endParaRPr/>
           </a:p>
         </p:txBody>
@@ -10460,11 +10718,11 @@
 </file>
 
 <file path=ppt/slides/slide21.xml><?xml version="1.0" encoding="utf-8"?>
-<p:sld xmlns:a="http://schemas.openxmlformats.org/drawingml/2006/main" xmlns:r="http://schemas.openxmlformats.org/officeDocument/2006/relationships" xmlns:mc="http://schemas.openxmlformats.org/markup-compatibility/2006" xmlns:mv="urn:schemas-microsoft-com:mac:vml" xmlns:p="http://schemas.openxmlformats.org/presentationml/2006/main" xmlns:c="http://schemas.openxmlformats.org/drawingml/2006/chart" xmlns:dgm="http://schemas.openxmlformats.org/drawingml/2006/diagram" xmlns:o="urn:schemas-microsoft-com:office:office" xmlns:v="urn:schemas-microsoft-com:vml" xmlns:pvml="urn:schemas-microsoft-com:office:powerpoint" xmlns:com="http://schemas.openxmlformats.org/drawingml/2006/compatibility" xmlns:p14="http://schemas.microsoft.com/office/powerpoint/2010/main" xmlns:p15="http://schemas.microsoft.com/office/powerpoint/2012/main">
+<p:sld xmlns:a="http://schemas.openxmlformats.org/drawingml/2006/main" xmlns:r="http://schemas.openxmlformats.org/officeDocument/2006/relationships" xmlns:p="http://schemas.openxmlformats.org/presentationml/2006/main">
   <p:cSld>
     <p:spTree>
       <p:nvGrpSpPr>
-        <p:cNvPr id="187" name="Shape 187"/>
+        <p:cNvPr id="1" name="Shape 187"/>
         <p:cNvGrpSpPr/>
         <p:nvPr/>
       </p:nvGrpSpPr>
@@ -10479,7 +10737,9 @@
       <p:sp>
         <p:nvSpPr>
           <p:cNvPr id="188" name="Shape 188"/>
-          <p:cNvSpPr txBox="1"/>
+          <p:cNvSpPr txBox="1">
+            <a:spLocks noGrp="1"/>
+          </p:cNvSpPr>
           <p:nvPr>
             <p:ph type="title"/>
           </p:nvPr>
@@ -10494,7 +10754,7 @@
           </a:prstGeom>
         </p:spPr>
         <p:txBody>
-          <a:bodyPr anchorCtr="0" anchor="b" bIns="91425" lIns="91425" rIns="91425" wrap="square" tIns="91425">
+          <a:bodyPr wrap="square" lIns="91425" tIns="91425" rIns="91425" bIns="91425" anchor="b" anchorCtr="0">
             <a:noAutofit/>
           </a:bodyPr>
           <a:lstStyle/>
@@ -10529,18 +10789,18 @@
           <a:solidFill>
             <a:schemeClr val="lt2"/>
           </a:solidFill>
-          <a:ln cap="flat" cmpd="sng" w="9525">
+          <a:ln w="9525" cap="flat" cmpd="sng">
             <a:solidFill>
               <a:schemeClr val="dk2"/>
             </a:solidFill>
             <a:prstDash val="solid"/>
             <a:round/>
-            <a:headEnd len="med" w="med" type="none"/>
-            <a:tailEnd len="med" w="med" type="none"/>
+            <a:headEnd type="none" w="med" len="med"/>
+            <a:tailEnd type="none" w="med" len="med"/>
           </a:ln>
         </p:spPr>
         <p:txBody>
-          <a:bodyPr anchorCtr="0" anchor="ctr" bIns="91425" lIns="91425" rIns="91425" wrap="square" tIns="91425">
+          <a:bodyPr wrap="square" lIns="91425" tIns="91425" rIns="91425" bIns="91425" anchor="ctr" anchorCtr="0">
             <a:noAutofit/>
           </a:bodyPr>
           <a:lstStyle/>
@@ -10551,9 +10811,6 @@
               </a:spcBef>
               <a:buNone/>
             </a:pPr>
-            <a:r>
-              <a:t/>
-            </a:r>
             <a:endParaRPr/>
           </a:p>
         </p:txBody>
@@ -10595,11 +10852,11 @@
 </file>
 
 <file path=ppt/slides/slide3.xml><?xml version="1.0" encoding="utf-8"?>
-<p:sld xmlns:a="http://schemas.openxmlformats.org/drawingml/2006/main" xmlns:r="http://schemas.openxmlformats.org/officeDocument/2006/relationships" xmlns:mc="http://schemas.openxmlformats.org/markup-compatibility/2006" xmlns:mv="urn:schemas-microsoft-com:mac:vml" xmlns:p="http://schemas.openxmlformats.org/presentationml/2006/main" xmlns:c="http://schemas.openxmlformats.org/drawingml/2006/chart" xmlns:dgm="http://schemas.openxmlformats.org/drawingml/2006/diagram" xmlns:o="urn:schemas-microsoft-com:office:office" xmlns:v="urn:schemas-microsoft-com:vml" xmlns:pvml="urn:schemas-microsoft-com:office:powerpoint" xmlns:com="http://schemas.openxmlformats.org/drawingml/2006/compatibility" xmlns:p14="http://schemas.microsoft.com/office/powerpoint/2010/main" xmlns:p15="http://schemas.microsoft.com/office/powerpoint/2012/main">
+<p:sld xmlns:a="http://schemas.openxmlformats.org/drawingml/2006/main" xmlns:r="http://schemas.openxmlformats.org/officeDocument/2006/relationships" xmlns:p="http://schemas.openxmlformats.org/presentationml/2006/main">
   <p:cSld>
     <p:spTree>
       <p:nvGrpSpPr>
-        <p:cNvPr id="79" name="Shape 79"/>
+        <p:cNvPr id="1" name="Shape 79"/>
         <p:cNvGrpSpPr/>
         <p:nvPr/>
       </p:nvGrpSpPr>
@@ -10614,7 +10871,9 @@
       <p:sp>
         <p:nvSpPr>
           <p:cNvPr id="80" name="Shape 80"/>
-          <p:cNvSpPr txBox="1"/>
+          <p:cNvSpPr txBox="1">
+            <a:spLocks noGrp="1"/>
+          </p:cNvSpPr>
           <p:nvPr>
             <p:ph type="title"/>
           </p:nvPr>
@@ -10629,7 +10888,7 @@
           </a:prstGeom>
         </p:spPr>
         <p:txBody>
-          <a:bodyPr anchorCtr="0" anchor="b" bIns="91425" lIns="91425" rIns="91425" wrap="square" tIns="91425">
+          <a:bodyPr wrap="square" lIns="91425" tIns="91425" rIns="91425" bIns="91425" anchor="b" anchorCtr="0">
             <a:noAutofit/>
           </a:bodyPr>
           <a:lstStyle/>
@@ -10650,14 +10909,16 @@
       <p:sp>
         <p:nvSpPr>
           <p:cNvPr id="81" name="Shape 81"/>
-          <p:cNvSpPr txBox="1"/>
+          <p:cNvSpPr txBox="1">
+            <a:spLocks noGrp="1"/>
+          </p:cNvSpPr>
           <p:nvPr>
-            <p:ph idx="1" type="body"/>
+            <p:ph type="body" idx="1"/>
           </p:nvPr>
         </p:nvSpPr>
         <p:spPr>
           <a:xfrm>
-            <a:off x="460950" y="1760450"/>
+            <a:off x="471900" y="1506424"/>
             <a:ext cx="8222100" cy="2710200"/>
           </a:xfrm>
           <a:prstGeom prst="rect">
@@ -10665,7 +10926,7 @@
           </a:prstGeom>
         </p:spPr>
         <p:txBody>
-          <a:bodyPr anchorCtr="0" anchor="t" bIns="91425" lIns="91425" rIns="91425" wrap="square" tIns="91425">
+          <a:bodyPr wrap="square" lIns="91425" tIns="91425" rIns="91425" bIns="91425" anchor="t" anchorCtr="0">
             <a:noAutofit/>
           </a:bodyPr>
           <a:lstStyle/>
@@ -10683,7 +10944,7 @@
               <a:buNone/>
             </a:pPr>
             <a:r>
-              <a:rPr b="1" lang="en" sz="1400">
+              <a:rPr lang="en" sz="1400" b="1" dirty="0">
                 <a:solidFill>
                   <a:srgbClr val="000000"/>
                 </a:solidFill>
@@ -10695,7 +10956,7 @@
               <a:t>Level: </a:t>
             </a:r>
             <a:r>
-              <a:rPr lang="en" sz="1400">
+              <a:rPr lang="en" sz="1400" dirty="0">
                 <a:solidFill>
                   <a:srgbClr val="000000"/>
                 </a:solidFill>
@@ -10721,7 +10982,7 @@
               <a:buNone/>
             </a:pPr>
             <a:r>
-              <a:rPr b="1" lang="en" sz="1400">
+              <a:rPr lang="en" sz="1400" b="1" dirty="0">
                 <a:solidFill>
                   <a:srgbClr val="000000"/>
                 </a:solidFill>
@@ -10733,7 +10994,7 @@
               <a:t>Primary Actor: </a:t>
             </a:r>
             <a:r>
-              <a:rPr lang="en" sz="1400">
+              <a:rPr lang="en" sz="1400" dirty="0">
                 <a:solidFill>
                   <a:srgbClr val="000000"/>
                 </a:solidFill>
@@ -10759,7 +11020,7 @@
               <a:buNone/>
             </a:pPr>
             <a:r>
-              <a:rPr b="1" lang="en" sz="1400">
+              <a:rPr lang="en" sz="1400" b="1" dirty="0">
                 <a:solidFill>
                   <a:srgbClr val="000000"/>
                 </a:solidFill>
@@ -10785,7 +11046,7 @@
               <a:buNone/>
             </a:pPr>
             <a:r>
-              <a:rPr b="1" lang="en" sz="1400">
+              <a:rPr lang="en" sz="1400" b="1" dirty="0">
                 <a:solidFill>
                   <a:srgbClr val="000000"/>
                 </a:solidFill>
@@ -10797,7 +11058,7 @@
               <a:t>      	- </a:t>
             </a:r>
             <a:r>
-              <a:rPr lang="en" sz="1400">
+              <a:rPr lang="en" sz="1400" dirty="0">
                 <a:solidFill>
                   <a:srgbClr val="000000"/>
                 </a:solidFill>
@@ -10823,7 +11084,7 @@
               <a:buNone/>
             </a:pPr>
             <a:r>
-              <a:rPr b="1" lang="en" sz="1400">
+              <a:rPr lang="en" sz="1400" b="1" dirty="0">
                 <a:solidFill>
                   <a:srgbClr val="000000"/>
                 </a:solidFill>
@@ -10835,7 +11096,7 @@
               <a:t>Preconditions:</a:t>
             </a:r>
             <a:r>
-              <a:rPr lang="en" sz="1400">
+              <a:rPr lang="en" sz="1400" dirty="0">
                 <a:solidFill>
                   <a:srgbClr val="000000"/>
                 </a:solidFill>
@@ -10861,7 +11122,7 @@
               <a:buNone/>
             </a:pPr>
             <a:r>
-              <a:rPr b="1" lang="en" sz="1400">
+              <a:rPr lang="en" sz="1400" b="1" dirty="0">
                 <a:solidFill>
                   <a:srgbClr val="000000"/>
                 </a:solidFill>
@@ -10873,7 +11134,7 @@
               <a:t>Postconditions: </a:t>
             </a:r>
             <a:r>
-              <a:rPr lang="en" sz="1400">
+              <a:rPr lang="en" sz="1400" dirty="0">
                 <a:solidFill>
                   <a:srgbClr val="000000"/>
                 </a:solidFill>
@@ -10892,10 +11153,7 @@
               </a:spcBef>
               <a:buNone/>
             </a:pPr>
-            <a:r>
-              <a:t/>
-            </a:r>
-            <a:endParaRPr/>
+            <a:endParaRPr dirty="0"/>
           </a:p>
         </p:txBody>
       </p:sp>
@@ -10908,11 +11166,11 @@
 </file>
 
 <file path=ppt/slides/slide4.xml><?xml version="1.0" encoding="utf-8"?>
-<p:sld xmlns:a="http://schemas.openxmlformats.org/drawingml/2006/main" xmlns:r="http://schemas.openxmlformats.org/officeDocument/2006/relationships" xmlns:mc="http://schemas.openxmlformats.org/markup-compatibility/2006" xmlns:mv="urn:schemas-microsoft-com:mac:vml" xmlns:p="http://schemas.openxmlformats.org/presentationml/2006/main" xmlns:c="http://schemas.openxmlformats.org/drawingml/2006/chart" xmlns:dgm="http://schemas.openxmlformats.org/drawingml/2006/diagram" xmlns:o="urn:schemas-microsoft-com:office:office" xmlns:v="urn:schemas-microsoft-com:vml" xmlns:pvml="urn:schemas-microsoft-com:office:powerpoint" xmlns:com="http://schemas.openxmlformats.org/drawingml/2006/compatibility" xmlns:p14="http://schemas.microsoft.com/office/powerpoint/2010/main" xmlns:p15="http://schemas.microsoft.com/office/powerpoint/2012/main">
+<p:sld xmlns:a="http://schemas.openxmlformats.org/drawingml/2006/main" xmlns:r="http://schemas.openxmlformats.org/officeDocument/2006/relationships" xmlns:p="http://schemas.openxmlformats.org/presentationml/2006/main">
   <p:cSld>
     <p:spTree>
       <p:nvGrpSpPr>
-        <p:cNvPr id="85" name="Shape 85"/>
+        <p:cNvPr id="1" name="Shape 85"/>
         <p:cNvGrpSpPr/>
         <p:nvPr/>
       </p:nvGrpSpPr>
@@ -10927,7 +11185,9 @@
       <p:sp>
         <p:nvSpPr>
           <p:cNvPr id="86" name="Shape 86"/>
-          <p:cNvSpPr txBox="1"/>
+          <p:cNvSpPr txBox="1">
+            <a:spLocks noGrp="1"/>
+          </p:cNvSpPr>
           <p:nvPr>
             <p:ph type="title"/>
           </p:nvPr>
@@ -10942,7 +11202,7 @@
           </a:prstGeom>
         </p:spPr>
         <p:txBody>
-          <a:bodyPr anchorCtr="0" anchor="b" bIns="91425" lIns="91425" rIns="91425" wrap="square" tIns="91425">
+          <a:bodyPr wrap="square" lIns="91425" tIns="91425" rIns="91425" bIns="91425" anchor="b" anchorCtr="0">
             <a:noAutofit/>
           </a:bodyPr>
           <a:lstStyle/>
@@ -10963,9 +11223,11 @@
       <p:sp>
         <p:nvSpPr>
           <p:cNvPr id="87" name="Shape 87"/>
-          <p:cNvSpPr txBox="1"/>
+          <p:cNvSpPr txBox="1">
+            <a:spLocks noGrp="1"/>
+          </p:cNvSpPr>
           <p:nvPr>
-            <p:ph idx="1" type="body"/>
+            <p:ph type="body" idx="1"/>
           </p:nvPr>
         </p:nvSpPr>
         <p:spPr>
@@ -10978,7 +11240,7 @@
           </a:prstGeom>
         </p:spPr>
         <p:txBody>
-          <a:bodyPr anchorCtr="0" anchor="t" bIns="91425" lIns="91425" rIns="91425" wrap="square" tIns="91425">
+          <a:bodyPr wrap="square" lIns="91425" tIns="91425" rIns="91425" bIns="91425" anchor="t" anchorCtr="0">
             <a:noAutofit/>
           </a:bodyPr>
           <a:lstStyle/>
@@ -10996,7 +11258,7 @@
               <a:buNone/>
             </a:pPr>
             <a:r>
-              <a:rPr b="1" lang="en" sz="1800">
+              <a:rPr lang="en" sz="1800" b="1">
                 <a:solidFill>
                   <a:srgbClr val="000000"/>
                 </a:solidFill>
@@ -11099,7 +11361,7 @@
             </a:r>
           </a:p>
           <a:p>
-            <a:pPr indent="0" lvl="0" marL="457200" rtl="0">
+            <a:pPr marL="457200" lvl="0" indent="0" rtl="0">
               <a:lnSpc>
                 <a:spcPct val="200000"/>
               </a:lnSpc>
@@ -11131,9 +11393,6 @@
               </a:spcBef>
               <a:buNone/>
             </a:pPr>
-            <a:r>
-              <a:t/>
-            </a:r>
             <a:endParaRPr/>
           </a:p>
         </p:txBody>
@@ -11147,11 +11406,11 @@
 </file>
 
 <file path=ppt/slides/slide5.xml><?xml version="1.0" encoding="utf-8"?>
-<p:sld xmlns:a="http://schemas.openxmlformats.org/drawingml/2006/main" xmlns:r="http://schemas.openxmlformats.org/officeDocument/2006/relationships" xmlns:mc="http://schemas.openxmlformats.org/markup-compatibility/2006" xmlns:mv="urn:schemas-microsoft-com:mac:vml" xmlns:p="http://schemas.openxmlformats.org/presentationml/2006/main" xmlns:c="http://schemas.openxmlformats.org/drawingml/2006/chart" xmlns:dgm="http://schemas.openxmlformats.org/drawingml/2006/diagram" xmlns:o="urn:schemas-microsoft-com:office:office" xmlns:v="urn:schemas-microsoft-com:vml" xmlns:pvml="urn:schemas-microsoft-com:office:powerpoint" xmlns:com="http://schemas.openxmlformats.org/drawingml/2006/compatibility" xmlns:p14="http://schemas.microsoft.com/office/powerpoint/2010/main" xmlns:p15="http://schemas.microsoft.com/office/powerpoint/2012/main">
+<p:sld xmlns:a="http://schemas.openxmlformats.org/drawingml/2006/main" xmlns:r="http://schemas.openxmlformats.org/officeDocument/2006/relationships" xmlns:p="http://schemas.openxmlformats.org/presentationml/2006/main">
   <p:cSld>
     <p:spTree>
       <p:nvGrpSpPr>
-        <p:cNvPr id="91" name="Shape 91"/>
+        <p:cNvPr id="1" name="Shape 91"/>
         <p:cNvGrpSpPr/>
         <p:nvPr/>
       </p:nvGrpSpPr>
@@ -11166,7 +11425,9 @@
       <p:sp>
         <p:nvSpPr>
           <p:cNvPr id="92" name="Shape 92"/>
-          <p:cNvSpPr txBox="1"/>
+          <p:cNvSpPr txBox="1">
+            <a:spLocks noGrp="1"/>
+          </p:cNvSpPr>
           <p:nvPr>
             <p:ph type="title"/>
           </p:nvPr>
@@ -11181,7 +11442,7 @@
           </a:prstGeom>
         </p:spPr>
         <p:txBody>
-          <a:bodyPr anchorCtr="0" anchor="b" bIns="91425" lIns="91425" rIns="91425" wrap="square" tIns="91425">
+          <a:bodyPr wrap="square" lIns="91425" tIns="91425" rIns="91425" bIns="91425" anchor="b" anchorCtr="0">
             <a:noAutofit/>
           </a:bodyPr>
           <a:lstStyle/>
@@ -11202,9 +11463,11 @@
       <p:sp>
         <p:nvSpPr>
           <p:cNvPr id="93" name="Shape 93"/>
-          <p:cNvSpPr txBox="1"/>
+          <p:cNvSpPr txBox="1">
+            <a:spLocks noGrp="1"/>
+          </p:cNvSpPr>
           <p:nvPr>
-            <p:ph idx="1" type="body"/>
+            <p:ph type="body" idx="1"/>
           </p:nvPr>
         </p:nvSpPr>
         <p:spPr>
@@ -11217,7 +11480,7 @@
           </a:prstGeom>
         </p:spPr>
         <p:txBody>
-          <a:bodyPr anchorCtr="0" anchor="t" bIns="91425" lIns="91425" rIns="91425" wrap="square" tIns="91425">
+          <a:bodyPr wrap="square" lIns="91425" tIns="91425" rIns="91425" bIns="91425" anchor="t" anchorCtr="0">
             <a:noAutofit/>
           </a:bodyPr>
           <a:lstStyle/>
@@ -11235,7 +11498,7 @@
               <a:buNone/>
             </a:pPr>
             <a:r>
-              <a:rPr b="1" lang="en">
+              <a:rPr lang="en" b="1">
                 <a:solidFill>
                   <a:srgbClr val="000000"/>
                 </a:solidFill>
@@ -11287,7 +11550,7 @@
               <a:buNone/>
             </a:pPr>
             <a:r>
-              <a:rPr b="1" lang="en">
+              <a:rPr lang="en" b="1">
                 <a:solidFill>
                   <a:srgbClr val="000000"/>
                 </a:solidFill>
@@ -11339,7 +11602,7 @@
               <a:buNone/>
             </a:pPr>
             <a:r>
-              <a:rPr b="1" lang="en">
+              <a:rPr lang="en" b="1">
                 <a:solidFill>
                   <a:srgbClr val="000000"/>
                 </a:solidFill>
@@ -11352,7 +11615,7 @@
             </a:r>
           </a:p>
           <a:p>
-            <a:pPr indent="0" lvl="0" marL="457200" rtl="0">
+            <a:pPr marL="457200" lvl="0" indent="0" rtl="0">
               <a:lnSpc>
                 <a:spcPct val="200000"/>
               </a:lnSpc>
@@ -11410,9 +11673,6 @@
               </a:spcBef>
               <a:buNone/>
             </a:pPr>
-            <a:r>
-              <a:t/>
-            </a:r>
             <a:endParaRPr>
               <a:latin typeface="Arial"/>
               <a:ea typeface="Arial"/>
@@ -11431,11 +11691,11 @@
 </file>
 
 <file path=ppt/slides/slide6.xml><?xml version="1.0" encoding="utf-8"?>
-<p:sld xmlns:a="http://schemas.openxmlformats.org/drawingml/2006/main" xmlns:r="http://schemas.openxmlformats.org/officeDocument/2006/relationships" xmlns:mc="http://schemas.openxmlformats.org/markup-compatibility/2006" xmlns:mv="urn:schemas-microsoft-com:mac:vml" xmlns:p="http://schemas.openxmlformats.org/presentationml/2006/main" xmlns:c="http://schemas.openxmlformats.org/drawingml/2006/chart" xmlns:dgm="http://schemas.openxmlformats.org/drawingml/2006/diagram" xmlns:o="urn:schemas-microsoft-com:office:office" xmlns:v="urn:schemas-microsoft-com:vml" xmlns:pvml="urn:schemas-microsoft-com:office:powerpoint" xmlns:com="http://schemas.openxmlformats.org/drawingml/2006/compatibility" xmlns:p14="http://schemas.microsoft.com/office/powerpoint/2010/main" xmlns:p15="http://schemas.microsoft.com/office/powerpoint/2012/main">
+<p:sld xmlns:a="http://schemas.openxmlformats.org/drawingml/2006/main" xmlns:r="http://schemas.openxmlformats.org/officeDocument/2006/relationships" xmlns:p="http://schemas.openxmlformats.org/presentationml/2006/main">
   <p:cSld>
     <p:spTree>
       <p:nvGrpSpPr>
-        <p:cNvPr id="97" name="Shape 97"/>
+        <p:cNvPr id="1" name="Shape 97"/>
         <p:cNvGrpSpPr/>
         <p:nvPr/>
       </p:nvGrpSpPr>
@@ -11450,7 +11710,9 @@
       <p:sp>
         <p:nvSpPr>
           <p:cNvPr id="98" name="Shape 98"/>
-          <p:cNvSpPr txBox="1"/>
+          <p:cNvSpPr txBox="1">
+            <a:spLocks noGrp="1"/>
+          </p:cNvSpPr>
           <p:nvPr>
             <p:ph type="title"/>
           </p:nvPr>
@@ -11465,7 +11727,7 @@
           </a:prstGeom>
         </p:spPr>
         <p:txBody>
-          <a:bodyPr anchorCtr="0" anchor="b" bIns="91425" lIns="91425" rIns="91425" wrap="square" tIns="91425">
+          <a:bodyPr wrap="square" lIns="91425" tIns="91425" rIns="91425" bIns="91425" anchor="b" anchorCtr="0">
             <a:noAutofit/>
           </a:bodyPr>
           <a:lstStyle/>
@@ -11486,9 +11748,11 @@
       <p:sp>
         <p:nvSpPr>
           <p:cNvPr id="99" name="Shape 99"/>
-          <p:cNvSpPr txBox="1"/>
+          <p:cNvSpPr txBox="1">
+            <a:spLocks noGrp="1"/>
+          </p:cNvSpPr>
           <p:nvPr>
-            <p:ph idx="1" type="body"/>
+            <p:ph type="body" idx="1"/>
           </p:nvPr>
         </p:nvSpPr>
         <p:spPr>
@@ -11501,7 +11765,7 @@
           </a:prstGeom>
         </p:spPr>
         <p:txBody>
-          <a:bodyPr anchorCtr="0" anchor="t" bIns="91425" lIns="91425" rIns="91425" wrap="square" tIns="91425">
+          <a:bodyPr wrap="square" lIns="91425" tIns="91425" rIns="91425" bIns="91425" anchor="t" anchorCtr="0">
             <a:noAutofit/>
           </a:bodyPr>
           <a:lstStyle/>
@@ -11516,7 +11780,7 @@
               <a:buNone/>
             </a:pPr>
             <a:r>
-              <a:rPr b="1" lang="en" sz="1400">
+              <a:rPr lang="en" sz="1400" b="1">
                 <a:solidFill>
                   <a:srgbClr val="000000"/>
                 </a:solidFill>
@@ -11574,7 +11838,7 @@
               <a:buNone/>
             </a:pPr>
             <a:r>
-              <a:rPr b="1" lang="en" sz="1400">
+              <a:rPr lang="en" sz="1400" b="1">
                 <a:solidFill>
                   <a:srgbClr val="000000"/>
                 </a:solidFill>
@@ -11632,7 +11896,7 @@
               <a:buNone/>
             </a:pPr>
             <a:r>
-              <a:rPr b="1" lang="en" sz="1400">
+              <a:rPr lang="en" sz="1400" b="1">
                 <a:solidFill>
                   <a:srgbClr val="000000"/>
                 </a:solidFill>
@@ -11713,7 +11977,7 @@
               <a:buNone/>
             </a:pPr>
             <a:r>
-              <a:rPr b="1" lang="en" sz="1400">
+              <a:rPr lang="en" sz="1400" b="1">
                 <a:solidFill>
                   <a:srgbClr val="000000"/>
                 </a:solidFill>
@@ -11771,7 +12035,7 @@
               <a:buNone/>
             </a:pPr>
             <a:r>
-              <a:rPr b="1" lang="en" sz="1400">
+              <a:rPr lang="en" sz="1400" b="1">
                 <a:solidFill>
                   <a:srgbClr val="000000"/>
                 </a:solidFill>
@@ -11808,10 +12072,7 @@
               </a:spcAft>
               <a:buNone/>
             </a:pPr>
-            <a:r>
-              <a:t/>
-            </a:r>
-            <a:endParaRPr b="1" sz="1400">
+            <a:endParaRPr sz="1400" b="1">
               <a:solidFill>
                 <a:srgbClr val="000000"/>
               </a:solidFill>
@@ -11828,9 +12089,6 @@
               </a:spcBef>
               <a:buNone/>
             </a:pPr>
-            <a:r>
-              <a:t/>
-            </a:r>
             <a:endParaRPr/>
           </a:p>
         </p:txBody>
@@ -11844,11 +12102,11 @@
 </file>
 
 <file path=ppt/slides/slide7.xml><?xml version="1.0" encoding="utf-8"?>
-<p:sld xmlns:a="http://schemas.openxmlformats.org/drawingml/2006/main" xmlns:r="http://schemas.openxmlformats.org/officeDocument/2006/relationships" xmlns:mc="http://schemas.openxmlformats.org/markup-compatibility/2006" xmlns:mv="urn:schemas-microsoft-com:mac:vml" xmlns:p="http://schemas.openxmlformats.org/presentationml/2006/main" xmlns:c="http://schemas.openxmlformats.org/drawingml/2006/chart" xmlns:dgm="http://schemas.openxmlformats.org/drawingml/2006/diagram" xmlns:o="urn:schemas-microsoft-com:office:office" xmlns:v="urn:schemas-microsoft-com:vml" xmlns:pvml="urn:schemas-microsoft-com:office:powerpoint" xmlns:com="http://schemas.openxmlformats.org/drawingml/2006/compatibility" xmlns:p14="http://schemas.microsoft.com/office/powerpoint/2010/main" xmlns:p15="http://schemas.microsoft.com/office/powerpoint/2012/main">
+<p:sld xmlns:a="http://schemas.openxmlformats.org/drawingml/2006/main" xmlns:r="http://schemas.openxmlformats.org/officeDocument/2006/relationships" xmlns:p="http://schemas.openxmlformats.org/presentationml/2006/main">
   <p:cSld>
     <p:spTree>
       <p:nvGrpSpPr>
-        <p:cNvPr id="103" name="Shape 103"/>
+        <p:cNvPr id="1" name="Shape 103"/>
         <p:cNvGrpSpPr/>
         <p:nvPr/>
       </p:nvGrpSpPr>
@@ -11863,7 +12121,9 @@
       <p:sp>
         <p:nvSpPr>
           <p:cNvPr id="104" name="Shape 104"/>
-          <p:cNvSpPr txBox="1"/>
+          <p:cNvSpPr txBox="1">
+            <a:spLocks noGrp="1"/>
+          </p:cNvSpPr>
           <p:nvPr>
             <p:ph type="title"/>
           </p:nvPr>
@@ -11878,7 +12138,7 @@
           </a:prstGeom>
         </p:spPr>
         <p:txBody>
-          <a:bodyPr anchorCtr="0" anchor="b" bIns="91425" lIns="91425" rIns="91425" wrap="square" tIns="91425">
+          <a:bodyPr wrap="square" lIns="91425" tIns="91425" rIns="91425" bIns="91425" anchor="b" anchorCtr="0">
             <a:noAutofit/>
           </a:bodyPr>
           <a:lstStyle/>
@@ -11891,11 +12151,7 @@
             </a:pPr>
             <a:r>
               <a:rPr lang="en"/>
-              <a:t>Invite another user</a:t>
-            </a:r>
-            <a:r>
-              <a:rPr lang="en"/>
-              <a:t> (cont.) </a:t>
+              <a:t>Invite another user (cont.) </a:t>
             </a:r>
           </a:p>
         </p:txBody>
@@ -11903,9 +12159,11 @@
       <p:sp>
         <p:nvSpPr>
           <p:cNvPr id="105" name="Shape 105"/>
-          <p:cNvSpPr txBox="1"/>
+          <p:cNvSpPr txBox="1">
+            <a:spLocks noGrp="1"/>
+          </p:cNvSpPr>
           <p:nvPr>
-            <p:ph idx="1" type="body"/>
+            <p:ph type="body" idx="1"/>
           </p:nvPr>
         </p:nvSpPr>
         <p:spPr>
@@ -11918,7 +12176,7 @@
           </a:prstGeom>
         </p:spPr>
         <p:txBody>
-          <a:bodyPr anchorCtr="0" anchor="t" bIns="91425" lIns="91425" rIns="91425" wrap="square" tIns="91425">
+          <a:bodyPr wrap="square" lIns="91425" tIns="91425" rIns="91425" bIns="91425" anchor="t" anchorCtr="0">
             <a:noAutofit/>
           </a:bodyPr>
           <a:lstStyle/>
@@ -11936,7 +12194,7 @@
               <a:buNone/>
             </a:pPr>
             <a:r>
-              <a:rPr b="1" lang="en" sz="1800">
+              <a:rPr lang="en" sz="1800" b="1">
                 <a:solidFill>
                   <a:srgbClr val="000000"/>
                 </a:solidFill>
@@ -11987,7 +12245,7 @@
             </a:r>
           </a:p>
           <a:p>
-            <a:pPr indent="457200" lvl="0" rtl="0">
+            <a:pPr lvl="0" indent="457200" rtl="0">
               <a:spcBef>
                 <a:spcPts val="0"/>
               </a:spcBef>
@@ -12033,7 +12291,7 @@
             </a:r>
           </a:p>
           <a:p>
-            <a:pPr indent="457200" lvl="0" rtl="0">
+            <a:pPr lvl="0" indent="457200" rtl="0">
               <a:spcBef>
                 <a:spcPts val="0"/>
               </a:spcBef>
@@ -12065,9 +12323,6 @@
               </a:spcAft>
               <a:buNone/>
             </a:pPr>
-            <a:r>
-              <a:t/>
-            </a:r>
             <a:endParaRPr>
               <a:solidFill>
                 <a:srgbClr val="000000"/>
@@ -12079,7 +12334,7 @@
             </a:endParaRPr>
           </a:p>
           <a:p>
-            <a:pPr indent="457200" lvl="0" rtl="0">
+            <a:pPr lvl="0" indent="457200" rtl="0">
               <a:spcBef>
                 <a:spcPts val="0"/>
               </a:spcBef>
@@ -12114,9 +12369,6 @@
               </a:spcAft>
               <a:buNone/>
             </a:pPr>
-            <a:r>
-              <a:t/>
-            </a:r>
             <a:endParaRPr sz="1800">
               <a:solidFill>
                 <a:srgbClr val="000000"/>
@@ -12134,9 +12386,6 @@
               </a:spcBef>
               <a:buNone/>
             </a:pPr>
-            <a:r>
-              <a:t/>
-            </a:r>
             <a:endParaRPr/>
           </a:p>
         </p:txBody>
@@ -12150,11 +12399,11 @@
 </file>
 
 <file path=ppt/slides/slide8.xml><?xml version="1.0" encoding="utf-8"?>
-<p:sld xmlns:a="http://schemas.openxmlformats.org/drawingml/2006/main" xmlns:r="http://schemas.openxmlformats.org/officeDocument/2006/relationships" xmlns:mc="http://schemas.openxmlformats.org/markup-compatibility/2006" xmlns:mv="urn:schemas-microsoft-com:mac:vml" xmlns:p="http://schemas.openxmlformats.org/presentationml/2006/main" xmlns:c="http://schemas.openxmlformats.org/drawingml/2006/chart" xmlns:dgm="http://schemas.openxmlformats.org/drawingml/2006/diagram" xmlns:o="urn:schemas-microsoft-com:office:office" xmlns:v="urn:schemas-microsoft-com:vml" xmlns:pvml="urn:schemas-microsoft-com:office:powerpoint" xmlns:com="http://schemas.openxmlformats.org/drawingml/2006/compatibility" xmlns:p14="http://schemas.microsoft.com/office/powerpoint/2010/main" xmlns:p15="http://schemas.microsoft.com/office/powerpoint/2012/main">
+<p:sld xmlns:a="http://schemas.openxmlformats.org/drawingml/2006/main" xmlns:r="http://schemas.openxmlformats.org/officeDocument/2006/relationships" xmlns:p="http://schemas.openxmlformats.org/presentationml/2006/main">
   <p:cSld>
     <p:spTree>
       <p:nvGrpSpPr>
-        <p:cNvPr id="109" name="Shape 109"/>
+        <p:cNvPr id="1" name="Shape 109"/>
         <p:cNvGrpSpPr/>
         <p:nvPr/>
       </p:nvGrpSpPr>
@@ -12169,7 +12418,9 @@
       <p:sp>
         <p:nvSpPr>
           <p:cNvPr id="110" name="Shape 110"/>
-          <p:cNvSpPr txBox="1"/>
+          <p:cNvSpPr txBox="1">
+            <a:spLocks noGrp="1"/>
+          </p:cNvSpPr>
           <p:nvPr>
             <p:ph type="title"/>
           </p:nvPr>
@@ -12184,7 +12435,7 @@
           </a:prstGeom>
         </p:spPr>
         <p:txBody>
-          <a:bodyPr anchorCtr="0" anchor="b" bIns="91425" lIns="91425" rIns="91425" wrap="square" tIns="91425">
+          <a:bodyPr wrap="square" lIns="91425" tIns="91425" rIns="91425" bIns="91425" anchor="b" anchorCtr="0">
             <a:noAutofit/>
           </a:bodyPr>
           <a:lstStyle/>
@@ -12197,11 +12448,7 @@
             </a:pPr>
             <a:r>
               <a:rPr lang="en"/>
-              <a:t>Invite another user </a:t>
-            </a:r>
-            <a:r>
-              <a:rPr lang="en"/>
-              <a:t>(cont.)</a:t>
+              <a:t>Invite another user (cont.)</a:t>
             </a:r>
           </a:p>
         </p:txBody>
@@ -12209,9 +12456,11 @@
       <p:sp>
         <p:nvSpPr>
           <p:cNvPr id="111" name="Shape 111"/>
-          <p:cNvSpPr txBox="1"/>
+          <p:cNvSpPr txBox="1">
+            <a:spLocks noGrp="1"/>
+          </p:cNvSpPr>
           <p:nvPr>
-            <p:ph idx="1" type="body"/>
+            <p:ph type="body" idx="1"/>
           </p:nvPr>
         </p:nvSpPr>
         <p:spPr>
@@ -12224,7 +12473,7 @@
           </a:prstGeom>
         </p:spPr>
         <p:txBody>
-          <a:bodyPr anchorCtr="0" anchor="t" bIns="91425" lIns="91425" rIns="91425" wrap="square" tIns="91425">
+          <a:bodyPr wrap="square" lIns="91425" tIns="91425" rIns="91425" bIns="91425" anchor="t" anchorCtr="0">
             <a:noAutofit/>
           </a:bodyPr>
           <a:lstStyle/>
@@ -12239,7 +12488,7 @@
               <a:buNone/>
             </a:pPr>
             <a:r>
-              <a:rPr b="1" lang="en">
+              <a:rPr lang="en" b="1">
                 <a:solidFill>
                   <a:srgbClr val="000000"/>
                 </a:solidFill>
@@ -12321,7 +12570,7 @@
             </a:r>
           </a:p>
           <a:p>
-            <a:pPr indent="-228600" lvl="0" marL="914400" rtl="0">
+            <a:pPr marL="914400" lvl="0" indent="-228600" rtl="0">
               <a:spcBef>
                 <a:spcPts val="0"/>
               </a:spcBef>
@@ -12357,9 +12606,6 @@
               </a:spcAft>
               <a:buNone/>
             </a:pPr>
-            <a:r>
-              <a:t/>
-            </a:r>
             <a:endParaRPr>
               <a:solidFill>
                 <a:srgbClr val="000000"/>
@@ -12371,7 +12617,7 @@
             </a:endParaRPr>
           </a:p>
           <a:p>
-            <a:pPr indent="-228600" lvl="0" marL="914400" rtl="0">
+            <a:pPr marL="914400" lvl="0" indent="-228600" rtl="0">
               <a:spcBef>
                 <a:spcPts val="0"/>
               </a:spcBef>
@@ -12410,9 +12656,6 @@
               </a:spcAft>
               <a:buNone/>
             </a:pPr>
-            <a:r>
-              <a:t/>
-            </a:r>
             <a:endParaRPr b="1">
               <a:solidFill>
                 <a:srgbClr val="000000"/>
@@ -12430,9 +12673,6 @@
               </a:spcBef>
               <a:buNone/>
             </a:pPr>
-            <a:r>
-              <a:t/>
-            </a:r>
             <a:endParaRPr/>
           </a:p>
         </p:txBody>
@@ -12446,11 +12686,11 @@
 </file>
 
 <file path=ppt/slides/slide9.xml><?xml version="1.0" encoding="utf-8"?>
-<p:sld xmlns:a="http://schemas.openxmlformats.org/drawingml/2006/main" xmlns:r="http://schemas.openxmlformats.org/officeDocument/2006/relationships" xmlns:mc="http://schemas.openxmlformats.org/markup-compatibility/2006" xmlns:mv="urn:schemas-microsoft-com:mac:vml" xmlns:p="http://schemas.openxmlformats.org/presentationml/2006/main" xmlns:c="http://schemas.openxmlformats.org/drawingml/2006/chart" xmlns:dgm="http://schemas.openxmlformats.org/drawingml/2006/diagram" xmlns:o="urn:schemas-microsoft-com:office:office" xmlns:v="urn:schemas-microsoft-com:vml" xmlns:pvml="urn:schemas-microsoft-com:office:powerpoint" xmlns:com="http://schemas.openxmlformats.org/drawingml/2006/compatibility" xmlns:p14="http://schemas.microsoft.com/office/powerpoint/2010/main" xmlns:p15="http://schemas.microsoft.com/office/powerpoint/2012/main">
+<p:sld xmlns:a="http://schemas.openxmlformats.org/drawingml/2006/main" xmlns:r="http://schemas.openxmlformats.org/officeDocument/2006/relationships" xmlns:p="http://schemas.openxmlformats.org/presentationml/2006/main">
   <p:cSld>
     <p:spTree>
       <p:nvGrpSpPr>
-        <p:cNvPr id="115" name="Shape 115"/>
+        <p:cNvPr id="1" name="Shape 115"/>
         <p:cNvGrpSpPr/>
         <p:nvPr/>
       </p:nvGrpSpPr>
@@ -12465,7 +12705,9 @@
       <p:sp>
         <p:nvSpPr>
           <p:cNvPr id="116" name="Shape 116"/>
-          <p:cNvSpPr txBox="1"/>
+          <p:cNvSpPr txBox="1">
+            <a:spLocks noGrp="1"/>
+          </p:cNvSpPr>
           <p:nvPr>
             <p:ph type="title"/>
           </p:nvPr>
@@ -12480,7 +12722,7 @@
           </a:prstGeom>
         </p:spPr>
         <p:txBody>
-          <a:bodyPr anchorCtr="0" anchor="b" bIns="91425" lIns="91425" rIns="91425" wrap="square" tIns="91425">
+          <a:bodyPr wrap="square" lIns="91425" tIns="91425" rIns="91425" bIns="91425" anchor="b" anchorCtr="0">
             <a:noAutofit/>
           </a:bodyPr>
           <a:lstStyle/>
@@ -12501,9 +12743,11 @@
       <p:sp>
         <p:nvSpPr>
           <p:cNvPr id="117" name="Shape 117"/>
-          <p:cNvSpPr txBox="1"/>
+          <p:cNvSpPr txBox="1">
+            <a:spLocks noGrp="1"/>
+          </p:cNvSpPr>
           <p:nvPr>
-            <p:ph idx="1" type="body"/>
+            <p:ph type="body" idx="1"/>
           </p:nvPr>
         </p:nvSpPr>
         <p:spPr>
@@ -12516,7 +12760,7 @@
           </a:prstGeom>
         </p:spPr>
         <p:txBody>
-          <a:bodyPr anchorCtr="0" anchor="t" bIns="91425" lIns="91425" rIns="91425" wrap="square" tIns="91425">
+          <a:bodyPr wrap="square" lIns="91425" tIns="91425" rIns="91425" bIns="91425" anchor="t" anchorCtr="0">
             <a:noAutofit/>
           </a:bodyPr>
           <a:lstStyle/>
@@ -12528,7 +12772,7 @@
               <a:buNone/>
             </a:pPr>
             <a:r>
-              <a:rPr b="1" lang="en" sz="1400">
+              <a:rPr lang="en" sz="1400" b="1">
                 <a:solidFill>
                   <a:srgbClr val="000000"/>
                 </a:solidFill>
@@ -12586,7 +12830,7 @@
               </a:rPr>
             </a:br>
             <a:r>
-              <a:rPr b="1" lang="en" sz="1400">
+              <a:rPr lang="en" sz="1400" b="1">
                 <a:solidFill>
                   <a:srgbClr val="000000"/>
                 </a:solidFill>
@@ -12644,7 +12888,7 @@
               </a:rPr>
             </a:br>
             <a:r>
-              <a:rPr b="1" lang="en" sz="1400">
+              <a:rPr lang="en" sz="1400" b="1">
                 <a:solidFill>
                   <a:srgbClr val="000000"/>
                 </a:solidFill>
@@ -12748,7 +12992,7 @@
               </a:rPr>
             </a:br>
             <a:r>
-              <a:rPr b="1" lang="en" sz="1400">
+              <a:rPr lang="en" sz="1400" b="1">
                 <a:solidFill>
                   <a:srgbClr val="000000"/>
                 </a:solidFill>
@@ -12806,7 +13050,7 @@
               </a:rPr>
             </a:br>
             <a:r>
-              <a:rPr b="1" lang="en" sz="1400">
+              <a:rPr lang="en" sz="1400" b="1">
                 <a:solidFill>
                   <a:srgbClr val="000000"/>
                 </a:solidFill>
@@ -12837,9 +13081,6 @@
               </a:spcBef>
               <a:buNone/>
             </a:pPr>
-            <a:r>
-              <a:t/>
-            </a:r>
             <a:endParaRPr sz="1400"/>
           </a:p>
         </p:txBody>
@@ -12853,7 +13094,288 @@
 </file>
 
 <file path=ppt/theme/theme1.xml><?xml version="1.0" encoding="utf-8"?>
-<a:theme xmlns:a="http://schemas.openxmlformats.org/drawingml/2006/main" xmlns:r="http://schemas.openxmlformats.org/officeDocument/2006/relationships" name="Custom Theme">
+<a:theme xmlns:a="http://schemas.openxmlformats.org/drawingml/2006/main" name="Material">
+  <a:themeElements>
+    <a:clrScheme name="Material">
+      <a:dk1>
+        <a:srgbClr val="4285F4"/>
+      </a:dk1>
+      <a:lt1>
+        <a:srgbClr val="FFFFFF"/>
+      </a:lt1>
+      <a:dk2>
+        <a:srgbClr val="424242"/>
+      </a:dk2>
+      <a:lt2>
+        <a:srgbClr val="737373"/>
+      </a:lt2>
+      <a:accent1>
+        <a:srgbClr val="0277BD"/>
+      </a:accent1>
+      <a:accent2>
+        <a:srgbClr val="0F9D58"/>
+      </a:accent2>
+      <a:accent3>
+        <a:srgbClr val="DB4437"/>
+      </a:accent3>
+      <a:accent4>
+        <a:srgbClr val="FAFAFA"/>
+      </a:accent4>
+      <a:accent5>
+        <a:srgbClr val="4FC3F7"/>
+      </a:accent5>
+      <a:accent6>
+        <a:srgbClr val="F4B400"/>
+      </a:accent6>
+      <a:hlink>
+        <a:srgbClr val="4FC3F7"/>
+      </a:hlink>
+      <a:folHlink>
+        <a:srgbClr val="4FC3F7"/>
+      </a:folHlink>
+    </a:clrScheme>
+    <a:fontScheme name="Office">
+      <a:majorFont>
+        <a:latin typeface="Arial"/>
+        <a:ea typeface=""/>
+        <a:cs typeface=""/>
+        <a:font script="Jpan" typeface="ＭＳ Ｐゴシック"/>
+        <a:font script="Hang" typeface="맑은 고딕"/>
+        <a:font script="Hans" typeface="宋体"/>
+        <a:font script="Hant" typeface="新細明體"/>
+        <a:font script="Arab" typeface="Times New Roman"/>
+        <a:font script="Hebr" typeface="Times New Roman"/>
+        <a:font script="Thai" typeface="Angsana New"/>
+        <a:font script="Ethi" typeface="Nyala"/>
+        <a:font script="Beng" typeface="Vrinda"/>
+        <a:font script="Gujr" typeface="Shruti"/>
+        <a:font script="Khmr" typeface="MoolBoran"/>
+        <a:font script="Knda" typeface="Tunga"/>
+        <a:font script="Guru" typeface="Raavi"/>
+        <a:font script="Cans" typeface="Euphemia"/>
+        <a:font script="Cher" typeface="Plantagenet Cherokee"/>
+        <a:font script="Yiii" typeface="Microsoft Yi Baiti"/>
+        <a:font script="Tibt" typeface="Microsoft Himalaya"/>
+        <a:font script="Thaa" typeface="MV Boli"/>
+        <a:font script="Deva" typeface="Mangal"/>
+        <a:font script="Telu" typeface="Gautami"/>
+        <a:font script="Taml" typeface="Latha"/>
+        <a:font script="Syrc" typeface="Estrangelo Edessa"/>
+        <a:font script="Orya" typeface="Kalinga"/>
+        <a:font script="Mlym" typeface="Kartika"/>
+        <a:font script="Laoo" typeface="DokChampa"/>
+        <a:font script="Sinh" typeface="Iskoola Pota"/>
+        <a:font script="Mong" typeface="Mongolian Baiti"/>
+        <a:font script="Viet" typeface="Times New Roman"/>
+        <a:font script="Uigh" typeface="Microsoft Uighur"/>
+        <a:font script="Geor" typeface="Sylfaen"/>
+      </a:majorFont>
+      <a:minorFont>
+        <a:latin typeface="Arial"/>
+        <a:ea typeface=""/>
+        <a:cs typeface=""/>
+        <a:font script="Jpan" typeface="ＭＳ Ｐゴシック"/>
+        <a:font script="Hang" typeface="맑은 고딕"/>
+        <a:font script="Hans" typeface="宋体"/>
+        <a:font script="Hant" typeface="新細明體"/>
+        <a:font script="Arab" typeface="Arial"/>
+        <a:font script="Hebr" typeface="Arial"/>
+        <a:font script="Thai" typeface="Cordia New"/>
+        <a:font script="Ethi" typeface="Nyala"/>
+        <a:font script="Beng" typeface="Vrinda"/>
+        <a:font script="Gujr" typeface="Shruti"/>
+        <a:font script="Khmr" typeface="DaunPenh"/>
+        <a:font script="Knda" typeface="Tunga"/>
+        <a:font script="Guru" typeface="Raavi"/>
+        <a:font script="Cans" typeface="Euphemia"/>
+        <a:font script="Cher" typeface="Plantagenet Cherokee"/>
+        <a:font script="Yiii" typeface="Microsoft Yi Baiti"/>
+        <a:font script="Tibt" typeface="Microsoft Himalaya"/>
+        <a:font script="Thaa" typeface="MV Boli"/>
+        <a:font script="Deva" typeface="Mangal"/>
+        <a:font script="Telu" typeface="Gautami"/>
+        <a:font script="Taml" typeface="Latha"/>
+        <a:font script="Syrc" typeface="Estrangelo Edessa"/>
+        <a:font script="Orya" typeface="Kalinga"/>
+        <a:font script="Mlym" typeface="Kartika"/>
+        <a:font script="Laoo" typeface="DokChampa"/>
+        <a:font script="Sinh" typeface="Iskoola Pota"/>
+        <a:font script="Mong" typeface="Mongolian Baiti"/>
+        <a:font script="Viet" typeface="Arial"/>
+        <a:font script="Uigh" typeface="Microsoft Uighur"/>
+        <a:font script="Geor" typeface="Sylfaen"/>
+      </a:minorFont>
+    </a:fontScheme>
+    <a:fmtScheme name="Office">
+      <a:fillStyleLst>
+        <a:solidFill>
+          <a:schemeClr val="phClr"/>
+        </a:solidFill>
+        <a:gradFill rotWithShape="1">
+          <a:gsLst>
+            <a:gs pos="0">
+              <a:schemeClr val="phClr">
+                <a:tint val="50000"/>
+                <a:satMod val="300000"/>
+              </a:schemeClr>
+            </a:gs>
+            <a:gs pos="35000">
+              <a:schemeClr val="phClr">
+                <a:tint val="37000"/>
+                <a:satMod val="300000"/>
+              </a:schemeClr>
+            </a:gs>
+            <a:gs pos="100000">
+              <a:schemeClr val="phClr">
+                <a:tint val="15000"/>
+                <a:satMod val="350000"/>
+              </a:schemeClr>
+            </a:gs>
+          </a:gsLst>
+          <a:lin ang="16200000" scaled="1"/>
+        </a:gradFill>
+        <a:gradFill rotWithShape="1">
+          <a:gsLst>
+            <a:gs pos="0">
+              <a:schemeClr val="phClr">
+                <a:tint val="100000"/>
+                <a:shade val="100000"/>
+                <a:satMod val="130000"/>
+              </a:schemeClr>
+            </a:gs>
+            <a:gs pos="100000">
+              <a:schemeClr val="phClr">
+                <a:tint val="50000"/>
+                <a:shade val="100000"/>
+                <a:satMod val="350000"/>
+              </a:schemeClr>
+            </a:gs>
+          </a:gsLst>
+          <a:lin ang="16200000" scaled="0"/>
+        </a:gradFill>
+      </a:fillStyleLst>
+      <a:lnStyleLst>
+        <a:ln w="9525" cap="flat" cmpd="sng" algn="ctr">
+          <a:solidFill>
+            <a:schemeClr val="phClr">
+              <a:shade val="95000"/>
+              <a:satMod val="105000"/>
+            </a:schemeClr>
+          </a:solidFill>
+          <a:prstDash val="solid"/>
+        </a:ln>
+        <a:ln w="25400" cap="flat" cmpd="sng" algn="ctr">
+          <a:solidFill>
+            <a:schemeClr val="phClr"/>
+          </a:solidFill>
+          <a:prstDash val="solid"/>
+        </a:ln>
+        <a:ln w="38100" cap="flat" cmpd="sng" algn="ctr">
+          <a:solidFill>
+            <a:schemeClr val="phClr"/>
+          </a:solidFill>
+          <a:prstDash val="solid"/>
+        </a:ln>
+      </a:lnStyleLst>
+      <a:effectStyleLst>
+        <a:effectStyle>
+          <a:effectLst>
+            <a:outerShdw blurRad="40000" dist="20000" dir="5400000" rotWithShape="0">
+              <a:srgbClr val="000000">
+                <a:alpha val="38000"/>
+              </a:srgbClr>
+            </a:outerShdw>
+          </a:effectLst>
+        </a:effectStyle>
+        <a:effectStyle>
+          <a:effectLst>
+            <a:outerShdw blurRad="40000" dist="23000" dir="5400000" rotWithShape="0">
+              <a:srgbClr val="000000">
+                <a:alpha val="35000"/>
+              </a:srgbClr>
+            </a:outerShdw>
+          </a:effectLst>
+        </a:effectStyle>
+        <a:effectStyle>
+          <a:effectLst>
+            <a:outerShdw blurRad="40000" dist="23000" dir="5400000" rotWithShape="0">
+              <a:srgbClr val="000000">
+                <a:alpha val="35000"/>
+              </a:srgbClr>
+            </a:outerShdw>
+          </a:effectLst>
+          <a:scene3d>
+            <a:camera prst="orthographicFront">
+              <a:rot lat="0" lon="0" rev="0"/>
+            </a:camera>
+            <a:lightRig rig="threePt" dir="t">
+              <a:rot lat="0" lon="0" rev="1200000"/>
+            </a:lightRig>
+          </a:scene3d>
+          <a:sp3d>
+            <a:bevelT w="63500" h="25400"/>
+          </a:sp3d>
+        </a:effectStyle>
+      </a:effectStyleLst>
+      <a:bgFillStyleLst>
+        <a:solidFill>
+          <a:schemeClr val="phClr"/>
+        </a:solidFill>
+        <a:gradFill rotWithShape="1">
+          <a:gsLst>
+            <a:gs pos="0">
+              <a:schemeClr val="phClr">
+                <a:tint val="40000"/>
+                <a:satMod val="350000"/>
+              </a:schemeClr>
+            </a:gs>
+            <a:gs pos="40000">
+              <a:schemeClr val="phClr">
+                <a:tint val="45000"/>
+                <a:shade val="99000"/>
+                <a:satMod val="350000"/>
+              </a:schemeClr>
+            </a:gs>
+            <a:gs pos="100000">
+              <a:schemeClr val="phClr">
+                <a:shade val="20000"/>
+                <a:satMod val="255000"/>
+              </a:schemeClr>
+            </a:gs>
+          </a:gsLst>
+          <a:path path="circle">
+            <a:fillToRect l="50000" t="-80000" r="50000" b="180000"/>
+          </a:path>
+        </a:gradFill>
+        <a:gradFill rotWithShape="1">
+          <a:gsLst>
+            <a:gs pos="0">
+              <a:schemeClr val="phClr">
+                <a:tint val="80000"/>
+                <a:satMod val="300000"/>
+              </a:schemeClr>
+            </a:gs>
+            <a:gs pos="100000">
+              <a:schemeClr val="phClr">
+                <a:shade val="30000"/>
+                <a:satMod val="200000"/>
+              </a:schemeClr>
+            </a:gs>
+          </a:gsLst>
+          <a:path path="circle">
+            <a:fillToRect l="50000" t="50000" r="50000" b="50000"/>
+          </a:path>
+        </a:gradFill>
+      </a:bgFillStyleLst>
+    </a:fmtScheme>
+  </a:themeElements>
+  <a:objectDefaults/>
+  <a:extraClrSchemeLst/>
+</a:theme>
+</file>
+
+<file path=ppt/theme/theme2.xml><?xml version="1.0" encoding="utf-8"?>
+<a:theme xmlns:a="http://schemas.openxmlformats.org/drawingml/2006/main" name="Custom Theme">
   <a:themeElements>
     <a:clrScheme name="Default">
       <a:dk1>
@@ -13128,284 +13650,7 @@
       </a:bgFillStyleLst>
     </a:fmtScheme>
   </a:themeElements>
-</a:theme>
-</file>
-
-<file path=ppt/theme/theme2.xml><?xml version="1.0" encoding="utf-8"?>
-<a:theme xmlns:a="http://schemas.openxmlformats.org/drawingml/2006/main" xmlns:r="http://schemas.openxmlformats.org/officeDocument/2006/relationships" name="Material">
-  <a:themeElements>
-    <a:clrScheme name="Material">
-      <a:dk1>
-        <a:srgbClr val="4285F4"/>
-      </a:dk1>
-      <a:lt1>
-        <a:srgbClr val="FFFFFF"/>
-      </a:lt1>
-      <a:dk2>
-        <a:srgbClr val="424242"/>
-      </a:dk2>
-      <a:lt2>
-        <a:srgbClr val="737373"/>
-      </a:lt2>
-      <a:accent1>
-        <a:srgbClr val="0277BD"/>
-      </a:accent1>
-      <a:accent2>
-        <a:srgbClr val="0F9D58"/>
-      </a:accent2>
-      <a:accent3>
-        <a:srgbClr val="DB4437"/>
-      </a:accent3>
-      <a:accent4>
-        <a:srgbClr val="FAFAFA"/>
-      </a:accent4>
-      <a:accent5>
-        <a:srgbClr val="4FC3F7"/>
-      </a:accent5>
-      <a:accent6>
-        <a:srgbClr val="F4B400"/>
-      </a:accent6>
-      <a:hlink>
-        <a:srgbClr val="4FC3F7"/>
-      </a:hlink>
-      <a:folHlink>
-        <a:srgbClr val="4FC3F7"/>
-      </a:folHlink>
-    </a:clrScheme>
-    <a:fontScheme name="Office">
-      <a:majorFont>
-        <a:latin typeface="Arial"/>
-        <a:ea typeface=""/>
-        <a:cs typeface=""/>
-        <a:font script="Jpan" typeface="ＭＳ Ｐゴシック"/>
-        <a:font script="Hang" typeface="맑은 고딕"/>
-        <a:font script="Hans" typeface="宋体"/>
-        <a:font script="Hant" typeface="新細明體"/>
-        <a:font script="Arab" typeface="Times New Roman"/>
-        <a:font script="Hebr" typeface="Times New Roman"/>
-        <a:font script="Thai" typeface="Angsana New"/>
-        <a:font script="Ethi" typeface="Nyala"/>
-        <a:font script="Beng" typeface="Vrinda"/>
-        <a:font script="Gujr" typeface="Shruti"/>
-        <a:font script="Khmr" typeface="MoolBoran"/>
-        <a:font script="Knda" typeface="Tunga"/>
-        <a:font script="Guru" typeface="Raavi"/>
-        <a:font script="Cans" typeface="Euphemia"/>
-        <a:font script="Cher" typeface="Plantagenet Cherokee"/>
-        <a:font script="Yiii" typeface="Microsoft Yi Baiti"/>
-        <a:font script="Tibt" typeface="Microsoft Himalaya"/>
-        <a:font script="Thaa" typeface="MV Boli"/>
-        <a:font script="Deva" typeface="Mangal"/>
-        <a:font script="Telu" typeface="Gautami"/>
-        <a:font script="Taml" typeface="Latha"/>
-        <a:font script="Syrc" typeface="Estrangelo Edessa"/>
-        <a:font script="Orya" typeface="Kalinga"/>
-        <a:font script="Mlym" typeface="Kartika"/>
-        <a:font script="Laoo" typeface="DokChampa"/>
-        <a:font script="Sinh" typeface="Iskoola Pota"/>
-        <a:font script="Mong" typeface="Mongolian Baiti"/>
-        <a:font script="Viet" typeface="Times New Roman"/>
-        <a:font script="Uigh" typeface="Microsoft Uighur"/>
-        <a:font script="Geor" typeface="Sylfaen"/>
-      </a:majorFont>
-      <a:minorFont>
-        <a:latin typeface="Arial"/>
-        <a:ea typeface=""/>
-        <a:cs typeface=""/>
-        <a:font script="Jpan" typeface="ＭＳ Ｐゴシック"/>
-        <a:font script="Hang" typeface="맑은 고딕"/>
-        <a:font script="Hans" typeface="宋体"/>
-        <a:font script="Hant" typeface="新細明體"/>
-        <a:font script="Arab" typeface="Arial"/>
-        <a:font script="Hebr" typeface="Arial"/>
-        <a:font script="Thai" typeface="Cordia New"/>
-        <a:font script="Ethi" typeface="Nyala"/>
-        <a:font script="Beng" typeface="Vrinda"/>
-        <a:font script="Gujr" typeface="Shruti"/>
-        <a:font script="Khmr" typeface="DaunPenh"/>
-        <a:font script="Knda" typeface="Tunga"/>
-        <a:font script="Guru" typeface="Raavi"/>
-        <a:font script="Cans" typeface="Euphemia"/>
-        <a:font script="Cher" typeface="Plantagenet Cherokee"/>
-        <a:font script="Yiii" typeface="Microsoft Yi Baiti"/>
-        <a:font script="Tibt" typeface="Microsoft Himalaya"/>
-        <a:font script="Thaa" typeface="MV Boli"/>
-        <a:font script="Deva" typeface="Mangal"/>
-        <a:font script="Telu" typeface="Gautami"/>
-        <a:font script="Taml" typeface="Latha"/>
-        <a:font script="Syrc" typeface="Estrangelo Edessa"/>
-        <a:font script="Orya" typeface="Kalinga"/>
-        <a:font script="Mlym" typeface="Kartika"/>
-        <a:font script="Laoo" typeface="DokChampa"/>
-        <a:font script="Sinh" typeface="Iskoola Pota"/>
-        <a:font script="Mong" typeface="Mongolian Baiti"/>
-        <a:font script="Viet" typeface="Arial"/>
-        <a:font script="Uigh" typeface="Microsoft Uighur"/>
-        <a:font script="Geor" typeface="Sylfaen"/>
-      </a:minorFont>
-    </a:fontScheme>
-    <a:fmtScheme name="Office">
-      <a:fillStyleLst>
-        <a:solidFill>
-          <a:schemeClr val="phClr"/>
-        </a:solidFill>
-        <a:gradFill rotWithShape="1">
-          <a:gsLst>
-            <a:gs pos="0">
-              <a:schemeClr val="phClr">
-                <a:tint val="50000"/>
-                <a:satMod val="300000"/>
-              </a:schemeClr>
-            </a:gs>
-            <a:gs pos="35000">
-              <a:schemeClr val="phClr">
-                <a:tint val="37000"/>
-                <a:satMod val="300000"/>
-              </a:schemeClr>
-            </a:gs>
-            <a:gs pos="100000">
-              <a:schemeClr val="phClr">
-                <a:tint val="15000"/>
-                <a:satMod val="350000"/>
-              </a:schemeClr>
-            </a:gs>
-          </a:gsLst>
-          <a:lin ang="16200000" scaled="1"/>
-        </a:gradFill>
-        <a:gradFill rotWithShape="1">
-          <a:gsLst>
-            <a:gs pos="0">
-              <a:schemeClr val="phClr">
-                <a:tint val="100000"/>
-                <a:shade val="100000"/>
-                <a:satMod val="130000"/>
-              </a:schemeClr>
-            </a:gs>
-            <a:gs pos="100000">
-              <a:schemeClr val="phClr">
-                <a:tint val="50000"/>
-                <a:shade val="100000"/>
-                <a:satMod val="350000"/>
-              </a:schemeClr>
-            </a:gs>
-          </a:gsLst>
-          <a:lin ang="16200000" scaled="0"/>
-        </a:gradFill>
-      </a:fillStyleLst>
-      <a:lnStyleLst>
-        <a:ln w="9525" cap="flat" cmpd="sng" algn="ctr">
-          <a:solidFill>
-            <a:schemeClr val="phClr">
-              <a:shade val="95000"/>
-              <a:satMod val="105000"/>
-            </a:schemeClr>
-          </a:solidFill>
-          <a:prstDash val="solid"/>
-        </a:ln>
-        <a:ln w="25400" cap="flat" cmpd="sng" algn="ctr">
-          <a:solidFill>
-            <a:schemeClr val="phClr"/>
-          </a:solidFill>
-          <a:prstDash val="solid"/>
-        </a:ln>
-        <a:ln w="38100" cap="flat" cmpd="sng" algn="ctr">
-          <a:solidFill>
-            <a:schemeClr val="phClr"/>
-          </a:solidFill>
-          <a:prstDash val="solid"/>
-        </a:ln>
-      </a:lnStyleLst>
-      <a:effectStyleLst>
-        <a:effectStyle>
-          <a:effectLst>
-            <a:outerShdw blurRad="40000" dist="20000" dir="5400000" rotWithShape="0">
-              <a:srgbClr val="000000">
-                <a:alpha val="38000"/>
-              </a:srgbClr>
-            </a:outerShdw>
-          </a:effectLst>
-        </a:effectStyle>
-        <a:effectStyle>
-          <a:effectLst>
-            <a:outerShdw blurRad="40000" dist="23000" dir="5400000" rotWithShape="0">
-              <a:srgbClr val="000000">
-                <a:alpha val="35000"/>
-              </a:srgbClr>
-            </a:outerShdw>
-          </a:effectLst>
-        </a:effectStyle>
-        <a:effectStyle>
-          <a:effectLst>
-            <a:outerShdw blurRad="40000" dist="23000" dir="5400000" rotWithShape="0">
-              <a:srgbClr val="000000">
-                <a:alpha val="35000"/>
-              </a:srgbClr>
-            </a:outerShdw>
-          </a:effectLst>
-          <a:scene3d>
-            <a:camera prst="orthographicFront">
-              <a:rot lat="0" lon="0" rev="0"/>
-            </a:camera>
-            <a:lightRig rig="threePt" dir="t">
-              <a:rot lat="0" lon="0" rev="1200000"/>
-            </a:lightRig>
-          </a:scene3d>
-          <a:sp3d>
-            <a:bevelT w="63500" h="25400"/>
-          </a:sp3d>
-        </a:effectStyle>
-      </a:effectStyleLst>
-      <a:bgFillStyleLst>
-        <a:solidFill>
-          <a:schemeClr val="phClr"/>
-        </a:solidFill>
-        <a:gradFill rotWithShape="1">
-          <a:gsLst>
-            <a:gs pos="0">
-              <a:schemeClr val="phClr">
-                <a:tint val="40000"/>
-                <a:satMod val="350000"/>
-              </a:schemeClr>
-            </a:gs>
-            <a:gs pos="40000">
-              <a:schemeClr val="phClr">
-                <a:tint val="45000"/>
-                <a:shade val="99000"/>
-                <a:satMod val="350000"/>
-              </a:schemeClr>
-            </a:gs>
-            <a:gs pos="100000">
-              <a:schemeClr val="phClr">
-                <a:shade val="20000"/>
-                <a:satMod val="255000"/>
-              </a:schemeClr>
-            </a:gs>
-          </a:gsLst>
-          <a:path path="circle">
-            <a:fillToRect l="50000" t="-80000" r="50000" b="180000"/>
-          </a:path>
-        </a:gradFill>
-        <a:gradFill rotWithShape="1">
-          <a:gsLst>
-            <a:gs pos="0">
-              <a:schemeClr val="phClr">
-                <a:tint val="80000"/>
-                <a:satMod val="300000"/>
-              </a:schemeClr>
-            </a:gs>
-            <a:gs pos="100000">
-              <a:schemeClr val="phClr">
-                <a:shade val="30000"/>
-                <a:satMod val="200000"/>
-              </a:schemeClr>
-            </a:gs>
-          </a:gsLst>
-          <a:path path="circle">
-            <a:fillToRect l="50000" t="50000" r="50000" b="50000"/>
-          </a:path>
-        </a:gradFill>
-      </a:bgFillStyleLst>
-    </a:fmtScheme>
-  </a:themeElements>
+  <a:objectDefaults/>
+  <a:extraClrSchemeLst/>
 </a:theme>
 </file>